--- a/Seminar/DeepankarSharma_233512013.pptx
+++ b/Seminar/DeepankarSharma_233512013.pptx
@@ -4,20 +4,23 @@
   <p:sldMasterIdLst>
     <p:sldMasterId id="2147483660" r:id="rId1"/>
   </p:sldMasterIdLst>
+  <p:notesMasterIdLst>
+    <p:notesMasterId r:id="rId15"/>
+  </p:notesMasterIdLst>
   <p:sldIdLst>
-    <p:sldId id="256" r:id="rId2"/>
-    <p:sldId id="257" r:id="rId3"/>
-    <p:sldId id="258" r:id="rId4"/>
-    <p:sldId id="259" r:id="rId5"/>
-    <p:sldId id="260" r:id="rId6"/>
-    <p:sldId id="261" r:id="rId7"/>
-    <p:sldId id="262" r:id="rId8"/>
-    <p:sldId id="263" r:id="rId9"/>
-    <p:sldId id="264" r:id="rId10"/>
-    <p:sldId id="265" r:id="rId11"/>
-    <p:sldId id="266" r:id="rId12"/>
-    <p:sldId id="267" r:id="rId13"/>
-    <p:sldId id="268" r:id="rId14"/>
+    <p:sldId id="279" r:id="rId2"/>
+    <p:sldId id="256" r:id="rId3"/>
+    <p:sldId id="257" r:id="rId4"/>
+    <p:sldId id="277" r:id="rId5"/>
+    <p:sldId id="269" r:id="rId6"/>
+    <p:sldId id="270" r:id="rId7"/>
+    <p:sldId id="271" r:id="rId8"/>
+    <p:sldId id="272" r:id="rId9"/>
+    <p:sldId id="273" r:id="rId10"/>
+    <p:sldId id="274" r:id="rId11"/>
+    <p:sldId id="275" r:id="rId12"/>
+    <p:sldId id="276" r:id="rId13"/>
+    <p:sldId id="278" r:id="rId14"/>
   </p:sldIdLst>
   <p:sldSz cx="12192000" cy="6858000"/>
   <p:notesSz cx="6858000" cy="9144000"/>
@@ -124,6 +127,356 @@
 </p:presentation>
 </file>
 
+<file path=ppt/notesMasters/notesMaster1.xml><?xml version="1.0" encoding="utf-8"?>
+<p:notesMaster xmlns:a="http://schemas.openxmlformats.org/drawingml/2006/main" xmlns:r="http://schemas.openxmlformats.org/officeDocument/2006/relationships" xmlns:p="http://schemas.openxmlformats.org/presentationml/2006/main">
+  <p:cSld>
+    <p:bg>
+      <p:bgRef idx="1001">
+        <a:schemeClr val="bg1"/>
+      </p:bgRef>
+    </p:bg>
+    <p:spTree>
+      <p:nvGrpSpPr>
+        <p:cNvPr id="1" name=""/>
+        <p:cNvGrpSpPr/>
+        <p:nvPr/>
+      </p:nvGrpSpPr>
+      <p:grpSpPr>
+        <a:xfrm>
+          <a:off x="0" y="0"/>
+          <a:ext cx="0" cy="0"/>
+          <a:chOff x="0" y="0"/>
+          <a:chExt cx="0" cy="0"/>
+        </a:xfrm>
+      </p:grpSpPr>
+      <p:sp>
+        <p:nvSpPr>
+          <p:cNvPr id="2" name="Header Placeholder 1"/>
+          <p:cNvSpPr>
+            <a:spLocks noGrp="1"/>
+          </p:cNvSpPr>
+          <p:nvPr>
+            <p:ph type="hdr" sz="quarter"/>
+          </p:nvPr>
+        </p:nvSpPr>
+        <p:spPr>
+          <a:xfrm>
+            <a:off x="0" y="0"/>
+            <a:ext cx="2971800" cy="458788"/>
+          </a:xfrm>
+          <a:prstGeom prst="rect">
+            <a:avLst/>
+          </a:prstGeom>
+        </p:spPr>
+        <p:txBody>
+          <a:bodyPr vert="horz" lIns="91440" tIns="45720" rIns="91440" bIns="45720" rtlCol="0"/>
+          <a:lstStyle>
+            <a:lvl1pPr algn="l">
+              <a:defRPr sz="1200"/>
+            </a:lvl1pPr>
+          </a:lstStyle>
+          <a:p>
+            <a:endParaRPr lang="en-IN"/>
+          </a:p>
+        </p:txBody>
+      </p:sp>
+      <p:sp>
+        <p:nvSpPr>
+          <p:cNvPr id="3" name="Date Placeholder 2"/>
+          <p:cNvSpPr>
+            <a:spLocks noGrp="1"/>
+          </p:cNvSpPr>
+          <p:nvPr>
+            <p:ph type="dt" idx="1"/>
+          </p:nvPr>
+        </p:nvSpPr>
+        <p:spPr>
+          <a:xfrm>
+            <a:off x="3884613" y="0"/>
+            <a:ext cx="2971800" cy="458788"/>
+          </a:xfrm>
+          <a:prstGeom prst="rect">
+            <a:avLst/>
+          </a:prstGeom>
+        </p:spPr>
+        <p:txBody>
+          <a:bodyPr vert="horz" lIns="91440" tIns="45720" rIns="91440" bIns="45720" rtlCol="0"/>
+          <a:lstStyle>
+            <a:lvl1pPr algn="r">
+              <a:defRPr sz="1200"/>
+            </a:lvl1pPr>
+          </a:lstStyle>
+          <a:p>
+            <a:fld id="{1FF28492-08F4-462C-85FE-FB0722B26573}" type="datetimeFigureOut">
+              <a:rPr lang="en-IN" smtClean="0"/>
+              <a:t>11-01-2024</a:t>
+            </a:fld>
+            <a:endParaRPr lang="en-IN"/>
+          </a:p>
+        </p:txBody>
+      </p:sp>
+      <p:sp>
+        <p:nvSpPr>
+          <p:cNvPr id="4" name="Slide Image Placeholder 3"/>
+          <p:cNvSpPr>
+            <a:spLocks noGrp="1" noRot="1" noChangeAspect="1"/>
+          </p:cNvSpPr>
+          <p:nvPr>
+            <p:ph type="sldImg" idx="2"/>
+          </p:nvPr>
+        </p:nvSpPr>
+        <p:spPr>
+          <a:xfrm>
+            <a:off x="685800" y="1143000"/>
+            <a:ext cx="5486400" cy="3086100"/>
+          </a:xfrm>
+          <a:prstGeom prst="rect">
+            <a:avLst/>
+          </a:prstGeom>
+          <a:noFill/>
+          <a:ln w="12700">
+            <a:solidFill>
+              <a:prstClr val="black"/>
+            </a:solidFill>
+          </a:ln>
+        </p:spPr>
+        <p:txBody>
+          <a:bodyPr vert="horz" lIns="91440" tIns="45720" rIns="91440" bIns="45720" rtlCol="0" anchor="ctr"/>
+          <a:lstStyle/>
+          <a:p>
+            <a:endParaRPr lang="en-IN"/>
+          </a:p>
+        </p:txBody>
+      </p:sp>
+      <p:sp>
+        <p:nvSpPr>
+          <p:cNvPr id="5" name="Notes Placeholder 4"/>
+          <p:cNvSpPr>
+            <a:spLocks noGrp="1"/>
+          </p:cNvSpPr>
+          <p:nvPr>
+            <p:ph type="body" sz="quarter" idx="3"/>
+          </p:nvPr>
+        </p:nvSpPr>
+        <p:spPr>
+          <a:xfrm>
+            <a:off x="685800" y="4400550"/>
+            <a:ext cx="5486400" cy="3600450"/>
+          </a:xfrm>
+          <a:prstGeom prst="rect">
+            <a:avLst/>
+          </a:prstGeom>
+        </p:spPr>
+        <p:txBody>
+          <a:bodyPr vert="horz" lIns="91440" tIns="45720" rIns="91440" bIns="45720" rtlCol="0"/>
+          <a:lstStyle/>
+          <a:p>
+            <a:pPr lvl="0"/>
+            <a:r>
+              <a:rPr lang="en-US"/>
+              <a:t>Click to edit Master text styles</a:t>
+            </a:r>
+          </a:p>
+          <a:p>
+            <a:pPr lvl="1"/>
+            <a:r>
+              <a:rPr lang="en-US"/>
+              <a:t>Second level</a:t>
+            </a:r>
+          </a:p>
+          <a:p>
+            <a:pPr lvl="2"/>
+            <a:r>
+              <a:rPr lang="en-US"/>
+              <a:t>Third level</a:t>
+            </a:r>
+          </a:p>
+          <a:p>
+            <a:pPr lvl="3"/>
+            <a:r>
+              <a:rPr lang="en-US"/>
+              <a:t>Fourth level</a:t>
+            </a:r>
+          </a:p>
+          <a:p>
+            <a:pPr lvl="4"/>
+            <a:r>
+              <a:rPr lang="en-US"/>
+              <a:t>Fifth level</a:t>
+            </a:r>
+            <a:endParaRPr lang="en-IN"/>
+          </a:p>
+        </p:txBody>
+      </p:sp>
+      <p:sp>
+        <p:nvSpPr>
+          <p:cNvPr id="6" name="Footer Placeholder 5"/>
+          <p:cNvSpPr>
+            <a:spLocks noGrp="1"/>
+          </p:cNvSpPr>
+          <p:nvPr>
+            <p:ph type="ftr" sz="quarter" idx="4"/>
+          </p:nvPr>
+        </p:nvSpPr>
+        <p:spPr>
+          <a:xfrm>
+            <a:off x="0" y="8685213"/>
+            <a:ext cx="2971800" cy="458787"/>
+          </a:xfrm>
+          <a:prstGeom prst="rect">
+            <a:avLst/>
+          </a:prstGeom>
+        </p:spPr>
+        <p:txBody>
+          <a:bodyPr vert="horz" lIns="91440" tIns="45720" rIns="91440" bIns="45720" rtlCol="0" anchor="b"/>
+          <a:lstStyle>
+            <a:lvl1pPr algn="l">
+              <a:defRPr sz="1200"/>
+            </a:lvl1pPr>
+          </a:lstStyle>
+          <a:p>
+            <a:endParaRPr lang="en-IN"/>
+          </a:p>
+        </p:txBody>
+      </p:sp>
+      <p:sp>
+        <p:nvSpPr>
+          <p:cNvPr id="7" name="Slide Number Placeholder 6"/>
+          <p:cNvSpPr>
+            <a:spLocks noGrp="1"/>
+          </p:cNvSpPr>
+          <p:nvPr>
+            <p:ph type="sldNum" sz="quarter" idx="5"/>
+          </p:nvPr>
+        </p:nvSpPr>
+        <p:spPr>
+          <a:xfrm>
+            <a:off x="3884613" y="8685213"/>
+            <a:ext cx="2971800" cy="458787"/>
+          </a:xfrm>
+          <a:prstGeom prst="rect">
+            <a:avLst/>
+          </a:prstGeom>
+        </p:spPr>
+        <p:txBody>
+          <a:bodyPr vert="horz" lIns="91440" tIns="45720" rIns="91440" bIns="45720" rtlCol="0" anchor="b"/>
+          <a:lstStyle>
+            <a:lvl1pPr algn="r">
+              <a:defRPr sz="1200"/>
+            </a:lvl1pPr>
+          </a:lstStyle>
+          <a:p>
+            <a:fld id="{0FA20679-1CD6-4AB7-96F4-01D346C31191}" type="slidenum">
+              <a:rPr lang="en-IN" smtClean="0"/>
+              <a:t>‹#›</a:t>
+            </a:fld>
+            <a:endParaRPr lang="en-IN"/>
+          </a:p>
+        </p:txBody>
+      </p:sp>
+    </p:spTree>
+    <p:extLst>
+      <p:ext uri="{BB962C8B-B14F-4D97-AF65-F5344CB8AC3E}">
+        <p14:creationId xmlns:p14="http://schemas.microsoft.com/office/powerpoint/2010/main" val="1172466210"/>
+      </p:ext>
+    </p:extLst>
+  </p:cSld>
+  <p:clrMap bg1="lt1" tx1="dk1" bg2="lt2" tx2="dk2" accent1="accent1" accent2="accent2" accent3="accent3" accent4="accent4" accent5="accent5" accent6="accent6" hlink="hlink" folHlink="folHlink"/>
+  <p:notesStyle>
+    <a:lvl1pPr marL="0" algn="l" defTabSz="914400" rtl="0" eaLnBrk="1" latinLnBrk="0" hangingPunct="1">
+      <a:defRPr sz="1200" kern="1200">
+        <a:solidFill>
+          <a:schemeClr val="tx1"/>
+        </a:solidFill>
+        <a:latin typeface="+mn-lt"/>
+        <a:ea typeface="+mn-ea"/>
+        <a:cs typeface="+mn-cs"/>
+      </a:defRPr>
+    </a:lvl1pPr>
+    <a:lvl2pPr marL="457200" algn="l" defTabSz="914400" rtl="0" eaLnBrk="1" latinLnBrk="0" hangingPunct="1">
+      <a:defRPr sz="1200" kern="1200">
+        <a:solidFill>
+          <a:schemeClr val="tx1"/>
+        </a:solidFill>
+        <a:latin typeface="+mn-lt"/>
+        <a:ea typeface="+mn-ea"/>
+        <a:cs typeface="+mn-cs"/>
+      </a:defRPr>
+    </a:lvl2pPr>
+    <a:lvl3pPr marL="914400" algn="l" defTabSz="914400" rtl="0" eaLnBrk="1" latinLnBrk="0" hangingPunct="1">
+      <a:defRPr sz="1200" kern="1200">
+        <a:solidFill>
+          <a:schemeClr val="tx1"/>
+        </a:solidFill>
+        <a:latin typeface="+mn-lt"/>
+        <a:ea typeface="+mn-ea"/>
+        <a:cs typeface="+mn-cs"/>
+      </a:defRPr>
+    </a:lvl3pPr>
+    <a:lvl4pPr marL="1371600" algn="l" defTabSz="914400" rtl="0" eaLnBrk="1" latinLnBrk="0" hangingPunct="1">
+      <a:defRPr sz="1200" kern="1200">
+        <a:solidFill>
+          <a:schemeClr val="tx1"/>
+        </a:solidFill>
+        <a:latin typeface="+mn-lt"/>
+        <a:ea typeface="+mn-ea"/>
+        <a:cs typeface="+mn-cs"/>
+      </a:defRPr>
+    </a:lvl4pPr>
+    <a:lvl5pPr marL="1828800" algn="l" defTabSz="914400" rtl="0" eaLnBrk="1" latinLnBrk="0" hangingPunct="1">
+      <a:defRPr sz="1200" kern="1200">
+        <a:solidFill>
+          <a:schemeClr val="tx1"/>
+        </a:solidFill>
+        <a:latin typeface="+mn-lt"/>
+        <a:ea typeface="+mn-ea"/>
+        <a:cs typeface="+mn-cs"/>
+      </a:defRPr>
+    </a:lvl5pPr>
+    <a:lvl6pPr marL="2286000" algn="l" defTabSz="914400" rtl="0" eaLnBrk="1" latinLnBrk="0" hangingPunct="1">
+      <a:defRPr sz="1200" kern="1200">
+        <a:solidFill>
+          <a:schemeClr val="tx1"/>
+        </a:solidFill>
+        <a:latin typeface="+mn-lt"/>
+        <a:ea typeface="+mn-ea"/>
+        <a:cs typeface="+mn-cs"/>
+      </a:defRPr>
+    </a:lvl6pPr>
+    <a:lvl7pPr marL="2743200" algn="l" defTabSz="914400" rtl="0" eaLnBrk="1" latinLnBrk="0" hangingPunct="1">
+      <a:defRPr sz="1200" kern="1200">
+        <a:solidFill>
+          <a:schemeClr val="tx1"/>
+        </a:solidFill>
+        <a:latin typeface="+mn-lt"/>
+        <a:ea typeface="+mn-ea"/>
+        <a:cs typeface="+mn-cs"/>
+      </a:defRPr>
+    </a:lvl7pPr>
+    <a:lvl8pPr marL="3200400" algn="l" defTabSz="914400" rtl="0" eaLnBrk="1" latinLnBrk="0" hangingPunct="1">
+      <a:defRPr sz="1200" kern="1200">
+        <a:solidFill>
+          <a:schemeClr val="tx1"/>
+        </a:solidFill>
+        <a:latin typeface="+mn-lt"/>
+        <a:ea typeface="+mn-ea"/>
+        <a:cs typeface="+mn-cs"/>
+      </a:defRPr>
+    </a:lvl8pPr>
+    <a:lvl9pPr marL="3657600" algn="l" defTabSz="914400" rtl="0" eaLnBrk="1" latinLnBrk="0" hangingPunct="1">
+      <a:defRPr sz="1200" kern="1200">
+        <a:solidFill>
+          <a:schemeClr val="tx1"/>
+        </a:solidFill>
+        <a:latin typeface="+mn-lt"/>
+        <a:ea typeface="+mn-ea"/>
+        <a:cs typeface="+mn-cs"/>
+      </a:defRPr>
+    </a:lvl9pPr>
+  </p:notesStyle>
+</p:notesMaster>
+</file>
+
 <file path=ppt/slideLayouts/slideLayout1.xml><?xml version="1.0" encoding="utf-8"?>
 <p:sldLayout xmlns:a="http://schemas.openxmlformats.org/drawingml/2006/main" xmlns:r="http://schemas.openxmlformats.org/officeDocument/2006/relationships" xmlns:p="http://schemas.openxmlformats.org/presentationml/2006/main" type="title" preserve="1">
   <p:cSld name="Title Slide">
@@ -277,7 +630,7 @@
           <a:p>
             <a:fld id="{F2EE3B7B-C7B5-42CF-90CF-67B3D21B2314}" type="datetime1">
               <a:rPr lang="en-US" smtClean="0"/>
-              <a:t>1/8/2024</a:t>
+              <a:t>1/11/2024</a:t>
             </a:fld>
             <a:endParaRPr lang="en-US"/>
           </a:p>
@@ -350,6 +703,18 @@
   <p:clrMapOvr>
     <a:masterClrMapping/>
   </p:clrMapOvr>
+  <mc:AlternateContent xmlns:mc="http://schemas.openxmlformats.org/markup-compatibility/2006">
+    <mc:Choice xmlns:p159="http://schemas.microsoft.com/office/powerpoint/2015/09/main" Requires="p159">
+      <p:transition xmlns:p14="http://schemas.microsoft.com/office/powerpoint/2010/main" spd="slow" p14:dur="2000">
+        <p159:morph option="byObject"/>
+      </p:transition>
+    </mc:Choice>
+    <mc:Fallback>
+      <p:transition spd="slow">
+        <p:fade/>
+      </p:transition>
+    </mc:Fallback>
+  </mc:AlternateContent>
 </p:sldLayout>
 </file>
 
@@ -490,7 +855,7 @@
           <a:p>
             <a:fld id="{6BAD9902-F134-45BD-ABD2-80C28059B090}" type="datetime1">
               <a:rPr lang="en-US" smtClean="0"/>
-              <a:t>1/8/2024</a:t>
+              <a:t>1/11/2024</a:t>
             </a:fld>
             <a:endParaRPr lang="en-US"/>
           </a:p>
@@ -563,6 +928,18 @@
   <p:clrMapOvr>
     <a:masterClrMapping/>
   </p:clrMapOvr>
+  <mc:AlternateContent xmlns:mc="http://schemas.openxmlformats.org/markup-compatibility/2006">
+    <mc:Choice xmlns:p159="http://schemas.microsoft.com/office/powerpoint/2015/09/main" Requires="p159">
+      <p:transition xmlns:p14="http://schemas.microsoft.com/office/powerpoint/2010/main" spd="slow" p14:dur="2000">
+        <p159:morph option="byObject"/>
+      </p:transition>
+    </mc:Choice>
+    <mc:Fallback>
+      <p:transition spd="slow">
+        <p:fade/>
+      </p:transition>
+    </mc:Fallback>
+  </mc:AlternateContent>
 </p:sldLayout>
 </file>
 
@@ -702,7 +1079,7 @@
           <a:p>
             <a:fld id="{C2B04DB0-379A-41B7-9B29-7F42F0D571D5}" type="datetime1">
               <a:rPr lang="en-US" smtClean="0"/>
-              <a:t>1/8/2024</a:t>
+              <a:t>1/11/2024</a:t>
             </a:fld>
             <a:endParaRPr lang="en-US"/>
           </a:p>
@@ -775,6 +1152,18 @@
   <p:clrMapOvr>
     <a:masterClrMapping/>
   </p:clrMapOvr>
+  <mc:AlternateContent xmlns:mc="http://schemas.openxmlformats.org/markup-compatibility/2006">
+    <mc:Choice xmlns:p159="http://schemas.microsoft.com/office/powerpoint/2015/09/main" Requires="p159">
+      <p:transition xmlns:p14="http://schemas.microsoft.com/office/powerpoint/2010/main" spd="slow" p14:dur="2000">
+        <p159:morph option="byObject"/>
+      </p:transition>
+    </mc:Choice>
+    <mc:Fallback>
+      <p:transition spd="slow">
+        <p:fade/>
+      </p:transition>
+    </mc:Fallback>
+  </mc:AlternateContent>
 </p:sldLayout>
 </file>
 
@@ -903,7 +1292,7 @@
           <a:p>
             <a:fld id="{0F996519-E62D-4F8C-AE1E-36928EC7D15C}" type="datetime1">
               <a:rPr lang="en-US" smtClean="0"/>
-              <a:t>1/8/2024</a:t>
+              <a:t>1/11/2024</a:t>
             </a:fld>
             <a:endParaRPr lang="en-US"/>
           </a:p>
@@ -976,6 +1365,18 @@
   <p:clrMapOvr>
     <a:masterClrMapping/>
   </p:clrMapOvr>
+  <mc:AlternateContent xmlns:mc="http://schemas.openxmlformats.org/markup-compatibility/2006">
+    <mc:Choice xmlns:p159="http://schemas.microsoft.com/office/powerpoint/2015/09/main" Requires="p159">
+      <p:transition xmlns:p14="http://schemas.microsoft.com/office/powerpoint/2010/main" spd="slow" p14:dur="2000">
+        <p159:morph option="byObject"/>
+      </p:transition>
+    </mc:Choice>
+    <mc:Fallback>
+      <p:transition spd="slow">
+        <p:fade/>
+      </p:transition>
+    </mc:Fallback>
+  </mc:AlternateContent>
 </p:sldLayout>
 </file>
 
@@ -1186,7 +1587,7 @@
           <a:p>
             <a:fld id="{6477AEB6-FCE1-4CD5-923B-84E54F1460D5}" type="datetime1">
               <a:rPr lang="en-US" smtClean="0"/>
-              <a:t>1/8/2024</a:t>
+              <a:t>1/11/2024</a:t>
             </a:fld>
             <a:endParaRPr lang="en-US"/>
           </a:p>
@@ -1259,6 +1660,18 @@
   <p:clrMapOvr>
     <a:masterClrMapping/>
   </p:clrMapOvr>
+  <mc:AlternateContent xmlns:mc="http://schemas.openxmlformats.org/markup-compatibility/2006">
+    <mc:Choice xmlns:p159="http://schemas.microsoft.com/office/powerpoint/2015/09/main" Requires="p159">
+      <p:transition xmlns:p14="http://schemas.microsoft.com/office/powerpoint/2010/main" spd="slow" p14:dur="2000">
+        <p159:morph option="byObject"/>
+      </p:transition>
+    </mc:Choice>
+    <mc:Fallback>
+      <p:transition spd="slow">
+        <p:fade/>
+      </p:transition>
+    </mc:Fallback>
+  </mc:AlternateContent>
 </p:sldLayout>
 </file>
 
@@ -1498,7 +1911,7 @@
           <a:p>
             <a:fld id="{96374C2F-71A1-43C9-B2F6-A4FAC8157F1A}" type="datetime1">
               <a:rPr lang="en-US" smtClean="0"/>
-              <a:t>1/8/2024</a:t>
+              <a:t>1/11/2024</a:t>
             </a:fld>
             <a:endParaRPr lang="en-US"/>
           </a:p>
@@ -1571,6 +1984,18 @@
   <p:clrMapOvr>
     <a:masterClrMapping/>
   </p:clrMapOvr>
+  <mc:AlternateContent xmlns:mc="http://schemas.openxmlformats.org/markup-compatibility/2006">
+    <mc:Choice xmlns:p159="http://schemas.microsoft.com/office/powerpoint/2015/09/main" Requires="p159">
+      <p:transition xmlns:p14="http://schemas.microsoft.com/office/powerpoint/2010/main" spd="slow" p14:dur="2000">
+        <p159:morph option="byObject"/>
+      </p:transition>
+    </mc:Choice>
+    <mc:Fallback>
+      <p:transition spd="slow">
+        <p:fade/>
+      </p:transition>
+    </mc:Fallback>
+  </mc:AlternateContent>
 </p:sldLayout>
 </file>
 
@@ -1919,7 +2344,7 @@
           <a:p>
             <a:fld id="{AD631DCC-9916-4BB7-A2E9-25EC84C740A7}" type="datetime1">
               <a:rPr lang="en-US" smtClean="0"/>
-              <a:t>1/8/2024</a:t>
+              <a:t>1/11/2024</a:t>
             </a:fld>
             <a:endParaRPr lang="en-US"/>
           </a:p>
@@ -1992,6 +2417,18 @@
   <p:clrMapOvr>
     <a:masterClrMapping/>
   </p:clrMapOvr>
+  <mc:AlternateContent xmlns:mc="http://schemas.openxmlformats.org/markup-compatibility/2006">
+    <mc:Choice xmlns:p159="http://schemas.microsoft.com/office/powerpoint/2015/09/main" Requires="p159">
+      <p:transition xmlns:p14="http://schemas.microsoft.com/office/powerpoint/2010/main" spd="slow" p14:dur="2000">
+        <p159:morph option="byObject"/>
+      </p:transition>
+    </mc:Choice>
+    <mc:Fallback>
+      <p:transition spd="slow">
+        <p:fade/>
+      </p:transition>
+    </mc:Fallback>
+  </mc:AlternateContent>
 </p:sldLayout>
 </file>
 
@@ -2069,7 +2506,7 @@
           <a:p>
             <a:fld id="{AF59146A-335D-4B7F-86AE-5D483B1F631C}" type="datetime1">
               <a:rPr lang="en-US" smtClean="0"/>
-              <a:t>1/8/2024</a:t>
+              <a:t>1/11/2024</a:t>
             </a:fld>
             <a:endParaRPr lang="en-US"/>
           </a:p>
@@ -2142,6 +2579,18 @@
   <p:clrMapOvr>
     <a:masterClrMapping/>
   </p:clrMapOvr>
+  <mc:AlternateContent xmlns:mc="http://schemas.openxmlformats.org/markup-compatibility/2006">
+    <mc:Choice xmlns:p159="http://schemas.microsoft.com/office/powerpoint/2015/09/main" Requires="p159">
+      <p:transition xmlns:p14="http://schemas.microsoft.com/office/powerpoint/2010/main" spd="slow" p14:dur="2000">
+        <p159:morph option="byObject"/>
+      </p:transition>
+    </mc:Choice>
+    <mc:Fallback>
+      <p:transition spd="slow">
+        <p:fade/>
+      </p:transition>
+    </mc:Fallback>
+  </mc:AlternateContent>
 </p:sldLayout>
 </file>
 
@@ -2185,7 +2634,7 @@
           <a:p>
             <a:fld id="{DD71D8EC-8E17-4CE6-99C2-C22488572868}" type="datetime1">
               <a:rPr lang="en-US" smtClean="0"/>
-              <a:t>1/8/2024</a:t>
+              <a:t>1/11/2024</a:t>
             </a:fld>
             <a:endParaRPr lang="en-US"/>
           </a:p>
@@ -2258,6 +2707,18 @@
   <p:clrMapOvr>
     <a:masterClrMapping/>
   </p:clrMapOvr>
+  <mc:AlternateContent xmlns:mc="http://schemas.openxmlformats.org/markup-compatibility/2006">
+    <mc:Choice xmlns:p159="http://schemas.microsoft.com/office/powerpoint/2015/09/main" Requires="p159">
+      <p:transition xmlns:p14="http://schemas.microsoft.com/office/powerpoint/2010/main" spd="slow" p14:dur="2000">
+        <p159:morph option="byObject"/>
+      </p:transition>
+    </mc:Choice>
+    <mc:Fallback>
+      <p:transition spd="slow">
+        <p:fade/>
+      </p:transition>
+    </mc:Fallback>
+  </mc:AlternateContent>
 </p:sldLayout>
 </file>
 
@@ -2501,7 +2962,7 @@
           <a:p>
             <a:fld id="{9A750ABA-DFFA-4B13-BB77-624D9164A38B}" type="datetime1">
               <a:rPr lang="en-US" smtClean="0"/>
-              <a:t>1/8/2024</a:t>
+              <a:t>1/11/2024</a:t>
             </a:fld>
             <a:endParaRPr lang="en-US"/>
           </a:p>
@@ -2574,6 +3035,18 @@
   <p:clrMapOvr>
     <a:masterClrMapping/>
   </p:clrMapOvr>
+  <mc:AlternateContent xmlns:mc="http://schemas.openxmlformats.org/markup-compatibility/2006">
+    <mc:Choice xmlns:p159="http://schemas.microsoft.com/office/powerpoint/2015/09/main" Requires="p159">
+      <p:transition xmlns:p14="http://schemas.microsoft.com/office/powerpoint/2010/main" spd="slow" p14:dur="2000">
+        <p159:morph option="byObject"/>
+      </p:transition>
+    </mc:Choice>
+    <mc:Fallback>
+      <p:transition spd="slow">
+        <p:fade/>
+      </p:transition>
+    </mc:Fallback>
+  </mc:AlternateContent>
 </p:sldLayout>
 </file>
 
@@ -2801,7 +3274,7 @@
           <a:p>
             <a:fld id="{3220A08F-2B1D-4498-A043-7C299B1C2561}" type="datetime1">
               <a:rPr lang="en-US" smtClean="0"/>
-              <a:t>1/8/2024</a:t>
+              <a:t>1/11/2024</a:t>
             </a:fld>
             <a:endParaRPr lang="en-US"/>
           </a:p>
@@ -2874,6 +3347,18 @@
   <p:clrMapOvr>
     <a:masterClrMapping/>
   </p:clrMapOvr>
+  <mc:AlternateContent xmlns:mc="http://schemas.openxmlformats.org/markup-compatibility/2006">
+    <mc:Choice xmlns:p159="http://schemas.microsoft.com/office/powerpoint/2015/09/main" Requires="p159">
+      <p:transition xmlns:p14="http://schemas.microsoft.com/office/powerpoint/2010/main" spd="slow" p14:dur="2000">
+        <p159:morph option="byObject"/>
+      </p:transition>
+    </mc:Choice>
+    <mc:Fallback>
+      <p:transition spd="slow">
+        <p:fade/>
+      </p:transition>
+    </mc:Fallback>
+  </mc:AlternateContent>
 </p:sldLayout>
 </file>
 
@@ -3045,7 +3530,7 @@
           <a:p>
             <a:fld id="{567E9B64-DC09-41C8-9DE3-DA74AF8D2F97}" type="datetime1">
               <a:rPr lang="en-US" smtClean="0"/>
-              <a:t>1/8/2024</a:t>
+              <a:t>1/11/2024</a:t>
             </a:fld>
             <a:endParaRPr lang="en-US" dirty="0"/>
           </a:p>
@@ -3161,6 +3646,18 @@
     <p:sldLayoutId id="2147483662" r:id="rId10"/>
     <p:sldLayoutId id="2147483661" r:id="rId11"/>
   </p:sldLayoutIdLst>
+  <mc:AlternateContent xmlns:mc="http://schemas.openxmlformats.org/markup-compatibility/2006">
+    <mc:Choice xmlns:p159="http://schemas.microsoft.com/office/powerpoint/2015/09/main" Requires="p159">
+      <p:transition xmlns:p14="http://schemas.microsoft.com/office/powerpoint/2010/main" spd="slow" p14:dur="2000">
+        <p159:morph option="byObject"/>
+      </p:transition>
+    </mc:Choice>
+    <mc:Fallback>
+      <p:transition spd="slow">
+        <p:fade/>
+      </p:transition>
+    </mc:Fallback>
+  </mc:AlternateContent>
   <p:hf hdr="0"/>
   <p:txStyles>
     <p:titleStyle>
@@ -3464,7 +3961,13 @@
       </p:grpSpPr>
       <p:sp>
         <p:nvSpPr>
-          <p:cNvPr id="2" name="Title 1"/>
+          <p:cNvPr id="2" name="Title 1">
+            <a:extLst>
+              <a:ext uri="{FF2B5EF4-FFF2-40B4-BE49-F238E27FC236}">
+                <a16:creationId xmlns:a16="http://schemas.microsoft.com/office/drawing/2014/main" id="{086197AE-A96C-7B3C-57E1-F23A841E3C4E}"/>
+              </a:ext>
+            </a:extLst>
+          </p:cNvPr>
           <p:cNvSpPr>
             <a:spLocks noGrp="1"/>
           </p:cNvSpPr>
@@ -3474,8 +3977,374 @@
         </p:nvSpPr>
         <p:spPr>
           <a:xfrm>
-            <a:off x="311052" y="749809"/>
-            <a:ext cx="7209421" cy="2069592"/>
+            <a:off x="3503711" y="1132453"/>
+            <a:ext cx="8402539" cy="3553163"/>
+          </a:xfrm>
+        </p:spPr>
+        <p:txBody>
+          <a:bodyPr anchor="t">
+            <a:normAutofit fontScale="90000"/>
+          </a:bodyPr>
+          <a:lstStyle/>
+          <a:p>
+            <a:r>
+              <a:rPr lang="en-US" sz="6000" dirty="0">
+                <a:solidFill>
+                  <a:srgbClr val="FFFF00"/>
+                </a:solidFill>
+              </a:rPr>
+              <a:t>SEMINAR-1</a:t>
+            </a:r>
+            <a:br>
+              <a:rPr lang="en-US" sz="6000" dirty="0">
+                <a:solidFill>
+                  <a:srgbClr val="FFFF00"/>
+                </a:solidFill>
+              </a:rPr>
+            </a:br>
+            <a:br>
+              <a:rPr lang="en-US" sz="6000" dirty="0">
+                <a:solidFill>
+                  <a:srgbClr val="FFFF00"/>
+                </a:solidFill>
+              </a:rPr>
+            </a:br>
+            <a:r>
+              <a:rPr lang="en-US" sz="4000" dirty="0"/>
+              <a:t>code : 23OMC107</a:t>
+            </a:r>
+            <a:br>
+              <a:rPr lang="en-US" sz="4000" dirty="0"/>
+            </a:br>
+            <a:br>
+              <a:rPr lang="en-US" sz="6000" dirty="0">
+                <a:solidFill>
+                  <a:srgbClr val="FFFF00"/>
+                </a:solidFill>
+              </a:rPr>
+            </a:br>
+            <a:br>
+              <a:rPr lang="en-US" sz="6000" b="0" i="0" dirty="0">
+                <a:solidFill>
+                  <a:srgbClr val="FFFF00"/>
+                </a:solidFill>
+                <a:effectLst/>
+              </a:rPr>
+            </a:br>
+            <a:endParaRPr lang="en-IN" sz="6000" dirty="0">
+              <a:solidFill>
+                <a:srgbClr val="FFFF00"/>
+              </a:solidFill>
+            </a:endParaRPr>
+          </a:p>
+        </p:txBody>
+      </p:sp>
+      <p:sp>
+        <p:nvSpPr>
+          <p:cNvPr id="6" name="Slide Number Placeholder 5">
+            <a:extLst>
+              <a:ext uri="{FF2B5EF4-FFF2-40B4-BE49-F238E27FC236}">
+                <a16:creationId xmlns:a16="http://schemas.microsoft.com/office/drawing/2014/main" id="{43D9561A-C48B-C09A-8C2E-D6C1119506B5}"/>
+              </a:ext>
+            </a:extLst>
+          </p:cNvPr>
+          <p:cNvSpPr>
+            <a:spLocks noGrp="1"/>
+          </p:cNvSpPr>
+          <p:nvPr>
+            <p:ph type="sldNum" sz="quarter" idx="12"/>
+          </p:nvPr>
+        </p:nvSpPr>
+        <p:spPr/>
+        <p:txBody>
+          <a:bodyPr>
+            <a:normAutofit/>
+          </a:bodyPr>
+          <a:lstStyle/>
+          <a:p>
+            <a:pPr>
+              <a:spcAft>
+                <a:spcPts val="600"/>
+              </a:spcAft>
+            </a:pPr>
+            <a:fld id="{6E91CC32-6A6B-4E2E-BBA1-6864F305DA26}" type="slidenum">
+              <a:rPr lang="en-US">
+                <a:solidFill>
+                  <a:schemeClr val="bg1"/>
+                </a:solidFill>
+              </a:rPr>
+              <a:pPr>
+                <a:spcAft>
+                  <a:spcPts val="600"/>
+                </a:spcAft>
+              </a:pPr>
+              <a:t>1</a:t>
+            </a:fld>
+            <a:endParaRPr lang="en-US">
+              <a:solidFill>
+                <a:schemeClr val="bg1"/>
+              </a:solidFill>
+            </a:endParaRPr>
+          </a:p>
+        </p:txBody>
+      </p:sp>
+      <p:sp>
+        <p:nvSpPr>
+          <p:cNvPr id="3" name="TextBox 2">
+            <a:extLst>
+              <a:ext uri="{FF2B5EF4-FFF2-40B4-BE49-F238E27FC236}">
+                <a16:creationId xmlns:a16="http://schemas.microsoft.com/office/drawing/2014/main" id="{1DB72E2D-4A40-081F-806A-011002266367}"/>
+              </a:ext>
+            </a:extLst>
+          </p:cNvPr>
+          <p:cNvSpPr txBox="1"/>
+          <p:nvPr/>
+        </p:nvSpPr>
+        <p:spPr>
+          <a:xfrm>
+            <a:off x="657225" y="4153022"/>
+            <a:ext cx="8160568" cy="2616101"/>
+          </a:xfrm>
+          <a:prstGeom prst="rect">
+            <a:avLst/>
+          </a:prstGeom>
+          <a:noFill/>
+        </p:spPr>
+        <p:txBody>
+          <a:bodyPr wrap="square" rtlCol="0">
+            <a:spAutoFit/>
+          </a:bodyPr>
+          <a:lstStyle/>
+          <a:p>
+            <a:endParaRPr lang="en-US" sz="2800" b="1" dirty="0">
+              <a:solidFill>
+                <a:srgbClr val="21EA06"/>
+              </a:solidFill>
+            </a:endParaRPr>
+          </a:p>
+          <a:p>
+            <a:r>
+              <a:rPr lang="en-US" sz="2800" b="1" dirty="0">
+                <a:solidFill>
+                  <a:schemeClr val="accent6">
+                    <a:lumMod val="40000"/>
+                    <a:lumOff val="60000"/>
+                  </a:schemeClr>
+                </a:solidFill>
+              </a:rPr>
+              <a:t>Faculty Assigned: </a:t>
+            </a:r>
+            <a:r>
+              <a:rPr lang="en-US" sz="2800" b="1" dirty="0"/>
+              <a:t>Dr. Umesh Tiwari</a:t>
+            </a:r>
+            <a:endParaRPr lang="en-US" sz="2800" b="1" dirty="0">
+              <a:solidFill>
+                <a:srgbClr val="21EA06"/>
+              </a:solidFill>
+            </a:endParaRPr>
+          </a:p>
+          <a:p>
+            <a:r>
+              <a:rPr lang="en-US" sz="2800" b="1" dirty="0">
+                <a:solidFill>
+                  <a:schemeClr val="accent6">
+                    <a:lumMod val="40000"/>
+                    <a:lumOff val="60000"/>
+                  </a:schemeClr>
+                </a:solidFill>
+              </a:rPr>
+              <a:t>Student Name: </a:t>
+            </a:r>
+            <a:r>
+              <a:rPr lang="en-US" sz="2800" b="1" dirty="0"/>
+              <a:t>Deepankar Sharma</a:t>
+            </a:r>
+          </a:p>
+          <a:p>
+            <a:r>
+              <a:rPr lang="en-US" sz="2800" b="1" dirty="0">
+                <a:solidFill>
+                  <a:schemeClr val="accent6">
+                    <a:lumMod val="40000"/>
+                    <a:lumOff val="60000"/>
+                  </a:schemeClr>
+                </a:solidFill>
+              </a:rPr>
+              <a:t>Registration Number: </a:t>
+            </a:r>
+            <a:r>
+              <a:rPr lang="en-US" sz="2800" b="1" dirty="0"/>
+              <a:t>233512013</a:t>
+            </a:r>
+          </a:p>
+          <a:p>
+            <a:r>
+              <a:rPr lang="en-US" sz="2800" b="1" dirty="0">
+                <a:solidFill>
+                  <a:schemeClr val="accent6">
+                    <a:lumMod val="40000"/>
+                    <a:lumOff val="60000"/>
+                  </a:schemeClr>
+                </a:solidFill>
+              </a:rPr>
+              <a:t>Course: </a:t>
+            </a:r>
+            <a:r>
+              <a:rPr lang="en-US" sz="2800" b="1" dirty="0"/>
+              <a:t>MCA</a:t>
+            </a:r>
+          </a:p>
+          <a:p>
+            <a:endParaRPr lang="en-IN" sz="2400" dirty="0"/>
+          </a:p>
+        </p:txBody>
+      </p:sp>
+      <p:sp>
+        <p:nvSpPr>
+          <p:cNvPr id="4" name="TextBox 3">
+            <a:extLst>
+              <a:ext uri="{FF2B5EF4-FFF2-40B4-BE49-F238E27FC236}">
+                <a16:creationId xmlns:a16="http://schemas.microsoft.com/office/drawing/2014/main" id="{52CD4FAE-4E55-85CE-906D-973FF9181808}"/>
+              </a:ext>
+            </a:extLst>
+          </p:cNvPr>
+          <p:cNvSpPr txBox="1"/>
+          <p:nvPr/>
+        </p:nvSpPr>
+        <p:spPr>
+          <a:xfrm>
+            <a:off x="657225" y="323689"/>
+            <a:ext cx="9399510" cy="523220"/>
+          </a:xfrm>
+          <a:prstGeom prst="rect">
+            <a:avLst/>
+          </a:prstGeom>
+          <a:noFill/>
+        </p:spPr>
+        <p:txBody>
+          <a:bodyPr wrap="square" rtlCol="0">
+            <a:spAutoFit/>
+          </a:bodyPr>
+          <a:lstStyle/>
+          <a:p>
+            <a:r>
+              <a:rPr lang="en-US" sz="2800" b="1" dirty="0"/>
+              <a:t>Directorate of Online and Distance Education (DDOE)</a:t>
+            </a:r>
+            <a:endParaRPr lang="en-IN" sz="2400" dirty="0"/>
+          </a:p>
+        </p:txBody>
+      </p:sp>
+      <p:pic>
+        <p:nvPicPr>
+          <p:cNvPr id="2050" name="Picture 2" descr="Image result for Graphic era">
+            <a:extLst>
+              <a:ext uri="{FF2B5EF4-FFF2-40B4-BE49-F238E27FC236}">
+                <a16:creationId xmlns:a16="http://schemas.microsoft.com/office/drawing/2014/main" id="{692BFA96-A12C-47C0-6AAE-50631DF7D77C}"/>
+              </a:ext>
+            </a:extLst>
+          </p:cNvPr>
+          <p:cNvPicPr>
+            <a:picLocks noChangeAspect="1" noChangeArrowheads="1"/>
+          </p:cNvPicPr>
+          <p:nvPr/>
+        </p:nvPicPr>
+        <p:blipFill>
+          <a:blip r:embed="rId2">
+            <a:extLst>
+              <a:ext uri="{28A0092B-C50C-407E-A947-70E740481C1C}">
+                <a14:useLocalDpi xmlns:a14="http://schemas.microsoft.com/office/drawing/2010/main" val="0"/>
+              </a:ext>
+            </a:extLst>
+          </a:blip>
+          <a:srcRect/>
+          <a:stretch>
+            <a:fillRect/>
+          </a:stretch>
+        </p:blipFill>
+        <p:spPr bwMode="auto">
+          <a:xfrm>
+            <a:off x="9810404" y="4562091"/>
+            <a:ext cx="2209800" cy="2228850"/>
+          </a:xfrm>
+          <a:prstGeom prst="rect">
+            <a:avLst/>
+          </a:prstGeom>
+          <a:noFill/>
+          <a:extLst>
+            <a:ext uri="{909E8E84-426E-40DD-AFC4-6F175D3DCCD1}">
+              <a14:hiddenFill xmlns:a14="http://schemas.microsoft.com/office/drawing/2010/main">
+                <a:solidFill>
+                  <a:srgbClr val="FFFFFF"/>
+                </a:solidFill>
+              </a14:hiddenFill>
+            </a:ext>
+          </a:extLst>
+        </p:spPr>
+      </p:pic>
+    </p:spTree>
+    <p:extLst>
+      <p:ext uri="{BB962C8B-B14F-4D97-AF65-F5344CB8AC3E}">
+        <p14:creationId xmlns:p14="http://schemas.microsoft.com/office/powerpoint/2010/main" val="943065346"/>
+      </p:ext>
+    </p:extLst>
+  </p:cSld>
+  <p:clrMapOvr>
+    <a:masterClrMapping/>
+  </p:clrMapOvr>
+  <mc:AlternateContent xmlns:mc="http://schemas.openxmlformats.org/markup-compatibility/2006">
+    <mc:Choice xmlns:p159="http://schemas.microsoft.com/office/powerpoint/2015/09/main" Requires="p159">
+      <p:transition xmlns:p14="http://schemas.microsoft.com/office/powerpoint/2010/main" spd="slow" p14:dur="2000">
+        <p159:morph option="byObject"/>
+      </p:transition>
+    </mc:Choice>
+    <mc:Fallback>
+      <p:transition spd="slow">
+        <p:fade/>
+      </p:transition>
+    </mc:Fallback>
+  </mc:AlternateContent>
+</p:sld>
+</file>
+
+<file path=ppt/slides/slide10.xml><?xml version="1.0" encoding="utf-8"?>
+<p:sld xmlns:a="http://schemas.openxmlformats.org/drawingml/2006/main" xmlns:r="http://schemas.openxmlformats.org/officeDocument/2006/relationships" xmlns:p="http://schemas.openxmlformats.org/presentationml/2006/main">
+  <p:cSld>
+    <p:spTree>
+      <p:nvGrpSpPr>
+        <p:cNvPr id="1" name=""/>
+        <p:cNvGrpSpPr/>
+        <p:nvPr/>
+      </p:nvGrpSpPr>
+      <p:grpSpPr>
+        <a:xfrm>
+          <a:off x="0" y="0"/>
+          <a:ext cx="0" cy="0"/>
+          <a:chOff x="0" y="0"/>
+          <a:chExt cx="0" cy="0"/>
+        </a:xfrm>
+      </p:grpSpPr>
+      <p:sp>
+        <p:nvSpPr>
+          <p:cNvPr id="2" name="Title 1">
+            <a:extLst>
+              <a:ext uri="{FF2B5EF4-FFF2-40B4-BE49-F238E27FC236}">
+                <a16:creationId xmlns:a16="http://schemas.microsoft.com/office/drawing/2014/main" id="{086197AE-A96C-7B3C-57E1-F23A841E3C4E}"/>
+              </a:ext>
+            </a:extLst>
+          </p:cNvPr>
+          <p:cNvSpPr>
+            <a:spLocks noGrp="1"/>
+          </p:cNvSpPr>
+          <p:nvPr>
+            <p:ph type="ctrTitle"/>
+          </p:nvPr>
+        </p:nvSpPr>
+        <p:spPr>
+          <a:xfrm>
+            <a:off x="286482" y="509541"/>
+            <a:ext cx="11332353" cy="3553163"/>
           </a:xfrm>
         </p:spPr>
         <p:txBody>
@@ -3485,18 +4354,928 @@
           <a:lstStyle/>
           <a:p>
             <a:r>
-              <a:rPr lang="en-US" sz="2200" dirty="0"/>
-              <a:t>Title: Google Gemini: A Multimodal Revolution in AI</a:t>
+              <a:rPr lang="en-US" sz="6000" dirty="0">
+                <a:solidFill>
+                  <a:srgbClr val="FFFF00"/>
+                </a:solidFill>
+              </a:rPr>
+              <a:t>Collaboration &amp;</a:t>
             </a:r>
             <a:br>
-              <a:rPr lang="en-US" sz="2200" dirty="0"/>
+              <a:rPr lang="en-US" sz="6000" dirty="0">
+                <a:solidFill>
+                  <a:srgbClr val="FFFF00"/>
+                </a:solidFill>
+              </a:rPr>
             </a:br>
             <a:r>
-              <a:rPr lang="en-US" sz="2200" dirty="0"/>
-              <a:t>Subtitle: Understanding, Reasoning, and Creating Across Text, Code, Audio, Image, and Video</a:t>
+              <a:rPr lang="en-US" sz="6000" dirty="0">
+                <a:solidFill>
+                  <a:srgbClr val="FFFF00"/>
+                </a:solidFill>
+              </a:rPr>
+              <a:t>Openness</a:t>
+            </a:r>
+            <a:endParaRPr lang="en-IN" sz="6000" dirty="0">
+              <a:solidFill>
+                <a:srgbClr val="FFFF00"/>
+              </a:solidFill>
+            </a:endParaRPr>
+          </a:p>
+        </p:txBody>
+      </p:sp>
+      <p:sp>
+        <p:nvSpPr>
+          <p:cNvPr id="5" name="Footer Placeholder 4">
+            <a:extLst>
+              <a:ext uri="{FF2B5EF4-FFF2-40B4-BE49-F238E27FC236}">
+                <a16:creationId xmlns:a16="http://schemas.microsoft.com/office/drawing/2014/main" id="{6FF52E27-946A-E629-9C6C-0F8356C241DF}"/>
+              </a:ext>
+            </a:extLst>
+          </p:cNvPr>
+          <p:cNvSpPr>
+            <a:spLocks noGrp="1"/>
+          </p:cNvSpPr>
+          <p:nvPr>
+            <p:ph type="ftr" sz="quarter" idx="11"/>
+          </p:nvPr>
+        </p:nvSpPr>
+        <p:spPr/>
+        <p:txBody>
+          <a:bodyPr>
+            <a:normAutofit/>
+          </a:bodyPr>
+          <a:lstStyle/>
+          <a:p>
+            <a:pPr>
+              <a:spcAft>
+                <a:spcPts val="600"/>
+              </a:spcAft>
+            </a:pPr>
+            <a:r>
+              <a:rPr lang="en-US">
+                <a:solidFill>
+                  <a:schemeClr val="bg1"/>
+                </a:solidFill>
+              </a:rPr>
+              <a:t>Sample Footer Text</a:t>
+            </a:r>
+          </a:p>
+        </p:txBody>
+      </p:sp>
+      <p:sp>
+        <p:nvSpPr>
+          <p:cNvPr id="6" name="Slide Number Placeholder 5">
+            <a:extLst>
+              <a:ext uri="{FF2B5EF4-FFF2-40B4-BE49-F238E27FC236}">
+                <a16:creationId xmlns:a16="http://schemas.microsoft.com/office/drawing/2014/main" id="{43D9561A-C48B-C09A-8C2E-D6C1119506B5}"/>
+              </a:ext>
+            </a:extLst>
+          </p:cNvPr>
+          <p:cNvSpPr>
+            <a:spLocks noGrp="1"/>
+          </p:cNvSpPr>
+          <p:nvPr>
+            <p:ph type="sldNum" sz="quarter" idx="12"/>
+          </p:nvPr>
+        </p:nvSpPr>
+        <p:spPr/>
+        <p:txBody>
+          <a:bodyPr>
+            <a:normAutofit/>
+          </a:bodyPr>
+          <a:lstStyle/>
+          <a:p>
+            <a:pPr>
+              <a:spcAft>
+                <a:spcPts val="600"/>
+              </a:spcAft>
+            </a:pPr>
+            <a:fld id="{6E91CC32-6A6B-4E2E-BBA1-6864F305DA26}" type="slidenum">
+              <a:rPr lang="en-US">
+                <a:solidFill>
+                  <a:schemeClr val="bg1"/>
+                </a:solidFill>
+              </a:rPr>
+              <a:pPr>
+                <a:spcAft>
+                  <a:spcPts val="600"/>
+                </a:spcAft>
+              </a:pPr>
+              <a:t>10</a:t>
+            </a:fld>
+            <a:endParaRPr lang="en-US">
+              <a:solidFill>
+                <a:schemeClr val="bg1"/>
+              </a:solidFill>
+            </a:endParaRPr>
+          </a:p>
+        </p:txBody>
+      </p:sp>
+      <p:sp>
+        <p:nvSpPr>
+          <p:cNvPr id="3" name="TextBox 2">
+            <a:extLst>
+              <a:ext uri="{FF2B5EF4-FFF2-40B4-BE49-F238E27FC236}">
+                <a16:creationId xmlns:a16="http://schemas.microsoft.com/office/drawing/2014/main" id="{1DB72E2D-4A40-081F-806A-011002266367}"/>
+              </a:ext>
+            </a:extLst>
+          </p:cNvPr>
+          <p:cNvSpPr txBox="1"/>
+          <p:nvPr/>
+        </p:nvSpPr>
+        <p:spPr>
+          <a:xfrm>
+            <a:off x="775395" y="2801774"/>
+            <a:ext cx="8598589" cy="1938992"/>
+          </a:xfrm>
+          <a:prstGeom prst="rect">
+            <a:avLst/>
+          </a:prstGeom>
+          <a:noFill/>
+        </p:spPr>
+        <p:txBody>
+          <a:bodyPr wrap="square" rtlCol="0">
+            <a:spAutoFit/>
+          </a:bodyPr>
+          <a:lstStyle/>
+          <a:p>
+            <a:r>
+              <a:rPr lang="en-US" sz="2400" dirty="0"/>
+              <a:t>- How Google leverages the collective wisdom of internal and external experts to develop Gemini</a:t>
+            </a:r>
+          </a:p>
+          <a:p>
+            <a:endParaRPr lang="en-US" sz="2400" dirty="0"/>
+          </a:p>
+          <a:p>
+            <a:r>
+              <a:rPr lang="en-US" sz="2400" dirty="0"/>
+              <a:t>- How Google works with partners to ensure the robustness and fairness of Gemini models</a:t>
+            </a:r>
+            <a:endParaRPr lang="en-IN" sz="2400" dirty="0"/>
+          </a:p>
+        </p:txBody>
+      </p:sp>
+    </p:spTree>
+    <p:extLst>
+      <p:ext uri="{BB962C8B-B14F-4D97-AF65-F5344CB8AC3E}">
+        <p14:creationId xmlns:p14="http://schemas.microsoft.com/office/powerpoint/2010/main" val="683873557"/>
+      </p:ext>
+    </p:extLst>
+  </p:cSld>
+  <p:clrMapOvr>
+    <a:masterClrMapping/>
+  </p:clrMapOvr>
+  <mc:AlternateContent xmlns:mc="http://schemas.openxmlformats.org/markup-compatibility/2006">
+    <mc:Choice xmlns:p159="http://schemas.microsoft.com/office/powerpoint/2015/09/main" Requires="p159">
+      <p:transition xmlns:p14="http://schemas.microsoft.com/office/powerpoint/2010/main" spd="slow" p14:dur="2000">
+        <p159:morph option="byObject"/>
+      </p:transition>
+    </mc:Choice>
+    <mc:Fallback>
+      <p:transition spd="slow">
+        <p:fade/>
+      </p:transition>
+    </mc:Fallback>
+  </mc:AlternateContent>
+</p:sld>
+</file>
+
+<file path=ppt/slides/slide11.xml><?xml version="1.0" encoding="utf-8"?>
+<p:sld xmlns:a="http://schemas.openxmlformats.org/drawingml/2006/main" xmlns:r="http://schemas.openxmlformats.org/officeDocument/2006/relationships" xmlns:p="http://schemas.openxmlformats.org/presentationml/2006/main">
+  <p:cSld>
+    <p:spTree>
+      <p:nvGrpSpPr>
+        <p:cNvPr id="1" name=""/>
+        <p:cNvGrpSpPr/>
+        <p:nvPr/>
+      </p:nvGrpSpPr>
+      <p:grpSpPr>
+        <a:xfrm>
+          <a:off x="0" y="0"/>
+          <a:ext cx="0" cy="0"/>
+          <a:chOff x="0" y="0"/>
+          <a:chExt cx="0" cy="0"/>
+        </a:xfrm>
+      </p:grpSpPr>
+      <p:sp>
+        <p:nvSpPr>
+          <p:cNvPr id="2" name="Title 1">
+            <a:extLst>
+              <a:ext uri="{FF2B5EF4-FFF2-40B4-BE49-F238E27FC236}">
+                <a16:creationId xmlns:a16="http://schemas.microsoft.com/office/drawing/2014/main" id="{086197AE-A96C-7B3C-57E1-F23A841E3C4E}"/>
+              </a:ext>
+            </a:extLst>
+          </p:cNvPr>
+          <p:cNvSpPr>
+            <a:spLocks noGrp="1"/>
+          </p:cNvSpPr>
+          <p:nvPr>
+            <p:ph type="ctrTitle"/>
+          </p:nvPr>
+        </p:nvSpPr>
+        <p:spPr>
+          <a:xfrm>
+            <a:off x="732129" y="602847"/>
+            <a:ext cx="10996451" cy="3553163"/>
+          </a:xfrm>
+        </p:spPr>
+        <p:txBody>
+          <a:bodyPr anchor="t">
+            <a:normAutofit/>
+          </a:bodyPr>
+          <a:lstStyle/>
+          <a:p>
+            <a:r>
+              <a:rPr lang="en-US" sz="6000" dirty="0">
+                <a:solidFill>
+                  <a:srgbClr val="FFFF00"/>
+                </a:solidFill>
+              </a:rPr>
+              <a:t>The Road Ahead</a:t>
+            </a:r>
+            <a:endParaRPr lang="en-IN" sz="6000" dirty="0">
+              <a:solidFill>
+                <a:srgbClr val="FFFF00"/>
+              </a:solidFill>
+            </a:endParaRPr>
+          </a:p>
+        </p:txBody>
+      </p:sp>
+      <p:sp>
+        <p:nvSpPr>
+          <p:cNvPr id="5" name="Footer Placeholder 4">
+            <a:extLst>
+              <a:ext uri="{FF2B5EF4-FFF2-40B4-BE49-F238E27FC236}">
+                <a16:creationId xmlns:a16="http://schemas.microsoft.com/office/drawing/2014/main" id="{6FF52E27-946A-E629-9C6C-0F8356C241DF}"/>
+              </a:ext>
+            </a:extLst>
+          </p:cNvPr>
+          <p:cNvSpPr>
+            <a:spLocks noGrp="1"/>
+          </p:cNvSpPr>
+          <p:nvPr>
+            <p:ph type="ftr" sz="quarter" idx="11"/>
+          </p:nvPr>
+        </p:nvSpPr>
+        <p:spPr/>
+        <p:txBody>
+          <a:bodyPr>
+            <a:normAutofit/>
+          </a:bodyPr>
+          <a:lstStyle/>
+          <a:p>
+            <a:pPr>
+              <a:spcAft>
+                <a:spcPts val="600"/>
+              </a:spcAft>
+            </a:pPr>
+            <a:r>
+              <a:rPr lang="en-US">
+                <a:solidFill>
+                  <a:schemeClr val="bg1"/>
+                </a:solidFill>
+              </a:rPr>
+              <a:t>Sample Footer Text</a:t>
+            </a:r>
+          </a:p>
+        </p:txBody>
+      </p:sp>
+      <p:sp>
+        <p:nvSpPr>
+          <p:cNvPr id="6" name="Slide Number Placeholder 5">
+            <a:extLst>
+              <a:ext uri="{FF2B5EF4-FFF2-40B4-BE49-F238E27FC236}">
+                <a16:creationId xmlns:a16="http://schemas.microsoft.com/office/drawing/2014/main" id="{43D9561A-C48B-C09A-8C2E-D6C1119506B5}"/>
+              </a:ext>
+            </a:extLst>
+          </p:cNvPr>
+          <p:cNvSpPr>
+            <a:spLocks noGrp="1"/>
+          </p:cNvSpPr>
+          <p:nvPr>
+            <p:ph type="sldNum" sz="quarter" idx="12"/>
+          </p:nvPr>
+        </p:nvSpPr>
+        <p:spPr/>
+        <p:txBody>
+          <a:bodyPr>
+            <a:normAutofit/>
+          </a:bodyPr>
+          <a:lstStyle/>
+          <a:p>
+            <a:pPr>
+              <a:spcAft>
+                <a:spcPts val="600"/>
+              </a:spcAft>
+            </a:pPr>
+            <a:fld id="{6E91CC32-6A6B-4E2E-BBA1-6864F305DA26}" type="slidenum">
+              <a:rPr lang="en-US">
+                <a:solidFill>
+                  <a:schemeClr val="bg1"/>
+                </a:solidFill>
+              </a:rPr>
+              <a:pPr>
+                <a:spcAft>
+                  <a:spcPts val="600"/>
+                </a:spcAft>
+              </a:pPr>
+              <a:t>11</a:t>
+            </a:fld>
+            <a:endParaRPr lang="en-US">
+              <a:solidFill>
+                <a:schemeClr val="bg1"/>
+              </a:solidFill>
+            </a:endParaRPr>
+          </a:p>
+        </p:txBody>
+      </p:sp>
+      <p:sp>
+        <p:nvSpPr>
+          <p:cNvPr id="3" name="TextBox 2">
+            <a:extLst>
+              <a:ext uri="{FF2B5EF4-FFF2-40B4-BE49-F238E27FC236}">
+                <a16:creationId xmlns:a16="http://schemas.microsoft.com/office/drawing/2014/main" id="{1DB72E2D-4A40-081F-806A-011002266367}"/>
+              </a:ext>
+            </a:extLst>
+          </p:cNvPr>
+          <p:cNvSpPr txBox="1"/>
+          <p:nvPr/>
+        </p:nvSpPr>
+        <p:spPr>
+          <a:xfrm>
+            <a:off x="608846" y="1923194"/>
+            <a:ext cx="11119734" cy="3908762"/>
+          </a:xfrm>
+          <a:prstGeom prst="rect">
+            <a:avLst/>
+          </a:prstGeom>
+          <a:noFill/>
+        </p:spPr>
+        <p:txBody>
+          <a:bodyPr wrap="square" rtlCol="0">
+            <a:spAutoFit/>
+          </a:bodyPr>
+          <a:lstStyle/>
+          <a:p>
+            <a:r>
+              <a:rPr lang="en-US" sz="2800" b="1" dirty="0">
+                <a:solidFill>
+                  <a:srgbClr val="21EA06"/>
+                </a:solidFill>
+              </a:rPr>
+              <a:t>- Google's plans for Gemini:</a:t>
+            </a:r>
+          </a:p>
+          <a:p>
+            <a:endParaRPr lang="en-US" sz="2800" b="1" dirty="0">
+              <a:solidFill>
+                <a:srgbClr val="21EA06"/>
+              </a:solidFill>
+            </a:endParaRPr>
+          </a:p>
+          <a:p>
+            <a:r>
+              <a:rPr lang="en-US" sz="2400" dirty="0"/>
+              <a:t>  - Enhance capabilities to handle more complex tasks, such as natural language understanding, computer vision, and multimodal reasoning.</a:t>
+            </a:r>
+          </a:p>
+          <a:p>
+            <a:endParaRPr lang="en-US" sz="2400" dirty="0"/>
+          </a:p>
+          <a:p>
+            <a:r>
+              <a:rPr lang="en-US" sz="2400" dirty="0"/>
+              <a:t>  - Optimize efficiency and reduce resource requirements, such as memory, computation, and energy consumption.</a:t>
+            </a:r>
+          </a:p>
+          <a:p>
+            <a:endParaRPr lang="en-US" sz="2400" dirty="0"/>
+          </a:p>
+          <a:p>
+            <a:r>
+              <a:rPr lang="en-US" sz="2400" dirty="0"/>
+              <a:t>  - Address ethical considerations and ensure responsible use, such as privacy, fairness, accountability, and transparency.</a:t>
+            </a:r>
+            <a:endParaRPr lang="en-IN" sz="2400" dirty="0"/>
+          </a:p>
+        </p:txBody>
+      </p:sp>
+    </p:spTree>
+    <p:extLst>
+      <p:ext uri="{BB962C8B-B14F-4D97-AF65-F5344CB8AC3E}">
+        <p14:creationId xmlns:p14="http://schemas.microsoft.com/office/powerpoint/2010/main" val="3461308379"/>
+      </p:ext>
+    </p:extLst>
+  </p:cSld>
+  <p:clrMapOvr>
+    <a:masterClrMapping/>
+  </p:clrMapOvr>
+  <mc:AlternateContent xmlns:mc="http://schemas.openxmlformats.org/markup-compatibility/2006">
+    <mc:Choice xmlns:p159="http://schemas.microsoft.com/office/powerpoint/2015/09/main" Requires="p159">
+      <p:transition xmlns:p14="http://schemas.microsoft.com/office/powerpoint/2010/main" spd="slow" p14:dur="2000">
+        <p159:morph option="byObject"/>
+      </p:transition>
+    </mc:Choice>
+    <mc:Fallback>
+      <p:transition spd="slow">
+        <p:fade/>
+      </p:transition>
+    </mc:Fallback>
+  </mc:AlternateContent>
+</p:sld>
+</file>
+
+<file path=ppt/slides/slide12.xml><?xml version="1.0" encoding="utf-8"?>
+<p:sld xmlns:a="http://schemas.openxmlformats.org/drawingml/2006/main" xmlns:r="http://schemas.openxmlformats.org/officeDocument/2006/relationships" xmlns:p="http://schemas.openxmlformats.org/presentationml/2006/main">
+  <p:cSld>
+    <p:spTree>
+      <p:nvGrpSpPr>
+        <p:cNvPr id="1" name=""/>
+        <p:cNvGrpSpPr/>
+        <p:nvPr/>
+      </p:nvGrpSpPr>
+      <p:grpSpPr>
+        <a:xfrm>
+          <a:off x="0" y="0"/>
+          <a:ext cx="0" cy="0"/>
+          <a:chOff x="0" y="0"/>
+          <a:chExt cx="0" cy="0"/>
+        </a:xfrm>
+      </p:grpSpPr>
+      <p:sp>
+        <p:nvSpPr>
+          <p:cNvPr id="2" name="Title 1">
+            <a:extLst>
+              <a:ext uri="{FF2B5EF4-FFF2-40B4-BE49-F238E27FC236}">
+                <a16:creationId xmlns:a16="http://schemas.microsoft.com/office/drawing/2014/main" id="{086197AE-A96C-7B3C-57E1-F23A841E3C4E}"/>
+              </a:ext>
+            </a:extLst>
+          </p:cNvPr>
+          <p:cNvSpPr>
+            <a:spLocks noGrp="1"/>
+          </p:cNvSpPr>
+          <p:nvPr>
+            <p:ph type="ctrTitle"/>
+          </p:nvPr>
+        </p:nvSpPr>
+        <p:spPr>
+          <a:xfrm>
+            <a:off x="454153" y="369582"/>
+            <a:ext cx="10949798" cy="3553163"/>
+          </a:xfrm>
+        </p:spPr>
+        <p:txBody>
+          <a:bodyPr anchor="t">
+            <a:normAutofit/>
+          </a:bodyPr>
+          <a:lstStyle/>
+          <a:p>
+            <a:r>
+              <a:rPr lang="en-US" sz="6000" dirty="0">
+                <a:solidFill>
+                  <a:srgbClr val="FFFF00"/>
+                </a:solidFill>
+              </a:rPr>
+              <a:t>Conclusion: </a:t>
             </a:r>
             <a:br>
-              <a:rPr lang="en-US" sz="2200" dirty="0"/>
+              <a:rPr lang="en-US" sz="6000" dirty="0">
+                <a:solidFill>
+                  <a:srgbClr val="FFFF00"/>
+                </a:solidFill>
+              </a:rPr>
+            </a:br>
+            <a:r>
+              <a:rPr lang="en-US" sz="6000" dirty="0">
+                <a:solidFill>
+                  <a:srgbClr val="FFFF00"/>
+                </a:solidFill>
+              </a:rPr>
+              <a:t>	</a:t>
+            </a:r>
+            <a:r>
+              <a:rPr lang="en-US" sz="4800" dirty="0">
+                <a:solidFill>
+                  <a:srgbClr val="FFFF00"/>
+                </a:solidFill>
+              </a:rPr>
+              <a:t>A New Era of AI</a:t>
+            </a:r>
+          </a:p>
+        </p:txBody>
+      </p:sp>
+      <p:sp>
+        <p:nvSpPr>
+          <p:cNvPr id="5" name="Footer Placeholder 4">
+            <a:extLst>
+              <a:ext uri="{FF2B5EF4-FFF2-40B4-BE49-F238E27FC236}">
+                <a16:creationId xmlns:a16="http://schemas.microsoft.com/office/drawing/2014/main" id="{6FF52E27-946A-E629-9C6C-0F8356C241DF}"/>
+              </a:ext>
+            </a:extLst>
+          </p:cNvPr>
+          <p:cNvSpPr>
+            <a:spLocks noGrp="1"/>
+          </p:cNvSpPr>
+          <p:nvPr>
+            <p:ph type="ftr" sz="quarter" idx="11"/>
+          </p:nvPr>
+        </p:nvSpPr>
+        <p:spPr/>
+        <p:txBody>
+          <a:bodyPr>
+            <a:normAutofit/>
+          </a:bodyPr>
+          <a:lstStyle/>
+          <a:p>
+            <a:pPr>
+              <a:spcAft>
+                <a:spcPts val="600"/>
+              </a:spcAft>
+            </a:pPr>
+            <a:r>
+              <a:rPr lang="en-US">
+                <a:solidFill>
+                  <a:schemeClr val="bg1"/>
+                </a:solidFill>
+              </a:rPr>
+              <a:t>Sample Footer Text</a:t>
+            </a:r>
+          </a:p>
+        </p:txBody>
+      </p:sp>
+      <p:sp>
+        <p:nvSpPr>
+          <p:cNvPr id="6" name="Slide Number Placeholder 5">
+            <a:extLst>
+              <a:ext uri="{FF2B5EF4-FFF2-40B4-BE49-F238E27FC236}">
+                <a16:creationId xmlns:a16="http://schemas.microsoft.com/office/drawing/2014/main" id="{43D9561A-C48B-C09A-8C2E-D6C1119506B5}"/>
+              </a:ext>
+            </a:extLst>
+          </p:cNvPr>
+          <p:cNvSpPr>
+            <a:spLocks noGrp="1"/>
+          </p:cNvSpPr>
+          <p:nvPr>
+            <p:ph type="sldNum" sz="quarter" idx="12"/>
+          </p:nvPr>
+        </p:nvSpPr>
+        <p:spPr/>
+        <p:txBody>
+          <a:bodyPr>
+            <a:normAutofit/>
+          </a:bodyPr>
+          <a:lstStyle/>
+          <a:p>
+            <a:pPr>
+              <a:spcAft>
+                <a:spcPts val="600"/>
+              </a:spcAft>
+            </a:pPr>
+            <a:fld id="{6E91CC32-6A6B-4E2E-BBA1-6864F305DA26}" type="slidenum">
+              <a:rPr lang="en-US">
+                <a:solidFill>
+                  <a:schemeClr val="bg1"/>
+                </a:solidFill>
+              </a:rPr>
+              <a:pPr>
+                <a:spcAft>
+                  <a:spcPts val="600"/>
+                </a:spcAft>
+              </a:pPr>
+              <a:t>12</a:t>
+            </a:fld>
+            <a:endParaRPr lang="en-US">
+              <a:solidFill>
+                <a:schemeClr val="bg1"/>
+              </a:solidFill>
+            </a:endParaRPr>
+          </a:p>
+        </p:txBody>
+      </p:sp>
+      <p:sp>
+        <p:nvSpPr>
+          <p:cNvPr id="3" name="TextBox 2">
+            <a:extLst>
+              <a:ext uri="{FF2B5EF4-FFF2-40B4-BE49-F238E27FC236}">
+                <a16:creationId xmlns:a16="http://schemas.microsoft.com/office/drawing/2014/main" id="{1DB72E2D-4A40-081F-806A-011002266367}"/>
+              </a:ext>
+            </a:extLst>
+          </p:cNvPr>
+          <p:cNvSpPr txBox="1"/>
+          <p:nvPr/>
+        </p:nvSpPr>
+        <p:spPr>
+          <a:xfrm>
+            <a:off x="1338512" y="2388681"/>
+            <a:ext cx="10306092" cy="3970318"/>
+          </a:xfrm>
+          <a:prstGeom prst="rect">
+            <a:avLst/>
+          </a:prstGeom>
+          <a:noFill/>
+        </p:spPr>
+        <p:txBody>
+          <a:bodyPr wrap="square" rtlCol="0">
+            <a:spAutoFit/>
+          </a:bodyPr>
+          <a:lstStyle/>
+          <a:p>
+            <a:r>
+              <a:rPr lang="en-US" sz="2800" dirty="0"/>
+              <a:t>- Gemini: a landmark achievement in AI </a:t>
+            </a:r>
+          </a:p>
+          <a:p>
+            <a:endParaRPr lang="en-US" sz="2800" dirty="0"/>
+          </a:p>
+          <a:p>
+            <a:r>
+              <a:rPr lang="en-US" sz="2800" dirty="0"/>
+              <a:t>- Understand the world through multimodal perception</a:t>
+            </a:r>
+          </a:p>
+          <a:p>
+            <a:endParaRPr lang="en-US" sz="2800" dirty="0"/>
+          </a:p>
+          <a:p>
+            <a:r>
+              <a:rPr lang="en-US" sz="2800" dirty="0"/>
+              <a:t> - Interact with the world through natural language and actions</a:t>
+            </a:r>
+          </a:p>
+          <a:p>
+            <a:r>
+              <a:rPr lang="en-US" sz="2800" dirty="0"/>
+              <a:t>  </a:t>
+            </a:r>
+          </a:p>
+          <a:p>
+            <a:r>
+              <a:rPr lang="en-US" sz="2800" dirty="0"/>
+              <a:t>- Learn from the world through self-supervised and reinforcement learning</a:t>
+            </a:r>
+          </a:p>
+        </p:txBody>
+      </p:sp>
+    </p:spTree>
+    <p:extLst>
+      <p:ext uri="{BB962C8B-B14F-4D97-AF65-F5344CB8AC3E}">
+        <p14:creationId xmlns:p14="http://schemas.microsoft.com/office/powerpoint/2010/main" val="3184639447"/>
+      </p:ext>
+    </p:extLst>
+  </p:cSld>
+  <p:clrMapOvr>
+    <a:masterClrMapping/>
+  </p:clrMapOvr>
+  <mc:AlternateContent xmlns:mc="http://schemas.openxmlformats.org/markup-compatibility/2006">
+    <mc:Choice xmlns:p159="http://schemas.microsoft.com/office/powerpoint/2015/09/main" Requires="p159">
+      <p:transition xmlns:p14="http://schemas.microsoft.com/office/powerpoint/2010/main" spd="slow" p14:dur="2000">
+        <p159:morph option="byObject"/>
+      </p:transition>
+    </mc:Choice>
+    <mc:Fallback>
+      <p:transition spd="slow">
+        <p:fade/>
+      </p:transition>
+    </mc:Fallback>
+  </mc:AlternateContent>
+</p:sld>
+</file>
+
+<file path=ppt/slides/slide13.xml><?xml version="1.0" encoding="utf-8"?>
+<p:sld xmlns:a="http://schemas.openxmlformats.org/drawingml/2006/main" xmlns:r="http://schemas.openxmlformats.org/officeDocument/2006/relationships" xmlns:p="http://schemas.openxmlformats.org/presentationml/2006/main">
+  <p:cSld>
+    <p:spTree>
+      <p:nvGrpSpPr>
+        <p:cNvPr id="1" name=""/>
+        <p:cNvGrpSpPr/>
+        <p:nvPr/>
+      </p:nvGrpSpPr>
+      <p:grpSpPr>
+        <a:xfrm>
+          <a:off x="0" y="0"/>
+          <a:ext cx="0" cy="0"/>
+          <a:chOff x="0" y="0"/>
+          <a:chExt cx="0" cy="0"/>
+        </a:xfrm>
+      </p:grpSpPr>
+      <p:sp>
+        <p:nvSpPr>
+          <p:cNvPr id="2" name="Title 1">
+            <a:extLst>
+              <a:ext uri="{FF2B5EF4-FFF2-40B4-BE49-F238E27FC236}">
+                <a16:creationId xmlns:a16="http://schemas.microsoft.com/office/drawing/2014/main" id="{086197AE-A96C-7B3C-57E1-F23A841E3C4E}"/>
+              </a:ext>
+            </a:extLst>
+          </p:cNvPr>
+          <p:cNvSpPr>
+            <a:spLocks noGrp="1"/>
+          </p:cNvSpPr>
+          <p:nvPr>
+            <p:ph type="ctrTitle"/>
+          </p:nvPr>
+        </p:nvSpPr>
+        <p:spPr>
+          <a:xfrm>
+            <a:off x="3622860" y="2651468"/>
+            <a:ext cx="10949798" cy="3553163"/>
+          </a:xfrm>
+        </p:spPr>
+        <p:txBody>
+          <a:bodyPr anchor="t">
+            <a:normAutofit/>
+          </a:bodyPr>
+          <a:lstStyle/>
+          <a:p>
+            <a:r>
+              <a:rPr lang="en-US" sz="6000" dirty="0">
+                <a:solidFill>
+                  <a:srgbClr val="FFFF00"/>
+                </a:solidFill>
+              </a:rPr>
+              <a:t>Thank You !</a:t>
+            </a:r>
+          </a:p>
+        </p:txBody>
+      </p:sp>
+      <p:sp>
+        <p:nvSpPr>
+          <p:cNvPr id="5" name="Footer Placeholder 4">
+            <a:extLst>
+              <a:ext uri="{FF2B5EF4-FFF2-40B4-BE49-F238E27FC236}">
+                <a16:creationId xmlns:a16="http://schemas.microsoft.com/office/drawing/2014/main" id="{6FF52E27-946A-E629-9C6C-0F8356C241DF}"/>
+              </a:ext>
+            </a:extLst>
+          </p:cNvPr>
+          <p:cNvSpPr>
+            <a:spLocks noGrp="1"/>
+          </p:cNvSpPr>
+          <p:nvPr>
+            <p:ph type="ftr" sz="quarter" idx="11"/>
+          </p:nvPr>
+        </p:nvSpPr>
+        <p:spPr/>
+        <p:txBody>
+          <a:bodyPr>
+            <a:normAutofit/>
+          </a:bodyPr>
+          <a:lstStyle/>
+          <a:p>
+            <a:pPr>
+              <a:spcAft>
+                <a:spcPts val="600"/>
+              </a:spcAft>
+            </a:pPr>
+            <a:r>
+              <a:rPr lang="en-US">
+                <a:solidFill>
+                  <a:schemeClr val="bg1"/>
+                </a:solidFill>
+              </a:rPr>
+              <a:t>Sample Footer Text</a:t>
+            </a:r>
+          </a:p>
+        </p:txBody>
+      </p:sp>
+      <p:sp>
+        <p:nvSpPr>
+          <p:cNvPr id="6" name="Slide Number Placeholder 5">
+            <a:extLst>
+              <a:ext uri="{FF2B5EF4-FFF2-40B4-BE49-F238E27FC236}">
+                <a16:creationId xmlns:a16="http://schemas.microsoft.com/office/drawing/2014/main" id="{43D9561A-C48B-C09A-8C2E-D6C1119506B5}"/>
+              </a:ext>
+            </a:extLst>
+          </p:cNvPr>
+          <p:cNvSpPr>
+            <a:spLocks noGrp="1"/>
+          </p:cNvSpPr>
+          <p:nvPr>
+            <p:ph type="sldNum" sz="quarter" idx="12"/>
+          </p:nvPr>
+        </p:nvSpPr>
+        <p:spPr/>
+        <p:txBody>
+          <a:bodyPr>
+            <a:normAutofit/>
+          </a:bodyPr>
+          <a:lstStyle/>
+          <a:p>
+            <a:pPr>
+              <a:spcAft>
+                <a:spcPts val="600"/>
+              </a:spcAft>
+            </a:pPr>
+            <a:fld id="{6E91CC32-6A6B-4E2E-BBA1-6864F305DA26}" type="slidenum">
+              <a:rPr lang="en-US">
+                <a:solidFill>
+                  <a:schemeClr val="bg1"/>
+                </a:solidFill>
+              </a:rPr>
+              <a:pPr>
+                <a:spcAft>
+                  <a:spcPts val="600"/>
+                </a:spcAft>
+              </a:pPr>
+              <a:t>13</a:t>
+            </a:fld>
+            <a:endParaRPr lang="en-US">
+              <a:solidFill>
+                <a:schemeClr val="bg1"/>
+              </a:solidFill>
+            </a:endParaRPr>
+          </a:p>
+        </p:txBody>
+      </p:sp>
+    </p:spTree>
+    <p:extLst>
+      <p:ext uri="{BB962C8B-B14F-4D97-AF65-F5344CB8AC3E}">
+        <p14:creationId xmlns:p14="http://schemas.microsoft.com/office/powerpoint/2010/main" val="2478423111"/>
+      </p:ext>
+    </p:extLst>
+  </p:cSld>
+  <p:clrMapOvr>
+    <a:masterClrMapping/>
+  </p:clrMapOvr>
+  <mc:AlternateContent xmlns:mc="http://schemas.openxmlformats.org/markup-compatibility/2006">
+    <mc:Choice xmlns:p159="http://schemas.microsoft.com/office/powerpoint/2015/09/main" Requires="p159">
+      <p:transition xmlns:p14="http://schemas.microsoft.com/office/powerpoint/2010/main" spd="slow" p14:dur="2000">
+        <p159:morph option="byObject"/>
+      </p:transition>
+    </mc:Choice>
+    <mc:Fallback>
+      <p:transition spd="slow">
+        <p:fade/>
+      </p:transition>
+    </mc:Fallback>
+  </mc:AlternateContent>
+</p:sld>
+</file>
+
+<file path=ppt/slides/slide2.xml><?xml version="1.0" encoding="utf-8"?>
+<p:sld xmlns:a="http://schemas.openxmlformats.org/drawingml/2006/main" xmlns:r="http://schemas.openxmlformats.org/officeDocument/2006/relationships" xmlns:p="http://schemas.openxmlformats.org/presentationml/2006/main">
+  <p:cSld>
+    <p:spTree>
+      <p:nvGrpSpPr>
+        <p:cNvPr id="1" name=""/>
+        <p:cNvGrpSpPr/>
+        <p:nvPr/>
+      </p:nvGrpSpPr>
+      <p:grpSpPr>
+        <a:xfrm>
+          <a:off x="0" y="0"/>
+          <a:ext cx="0" cy="0"/>
+          <a:chOff x="0" y="0"/>
+          <a:chExt cx="0" cy="0"/>
+        </a:xfrm>
+      </p:grpSpPr>
+      <p:sp>
+        <p:nvSpPr>
+          <p:cNvPr id="2" name="Title 1"/>
+          <p:cNvSpPr>
+            <a:spLocks noGrp="1"/>
+          </p:cNvSpPr>
+          <p:nvPr>
+            <p:ph type="ctrTitle"/>
+          </p:nvPr>
+        </p:nvSpPr>
+        <p:spPr>
+          <a:xfrm>
+            <a:off x="493666" y="2514599"/>
+            <a:ext cx="11125169" cy="3324225"/>
+          </a:xfrm>
+        </p:spPr>
+        <p:txBody>
+          <a:bodyPr anchor="t">
+            <a:normAutofit fontScale="90000"/>
+          </a:bodyPr>
+          <a:lstStyle/>
+          <a:p>
+            <a:r>
+              <a:rPr lang="en-US" sz="6000" dirty="0">
+                <a:solidFill>
+                  <a:srgbClr val="FFFF00"/>
+                </a:solidFill>
+              </a:rPr>
+              <a:t>Google Gemini </a:t>
+            </a:r>
+            <a:br>
+              <a:rPr lang="en-US" sz="6000" dirty="0">
+                <a:solidFill>
+                  <a:srgbClr val="FFFF00"/>
+                </a:solidFill>
+              </a:rPr>
+            </a:br>
+            <a:br>
+              <a:rPr lang="en-US" sz="6000" dirty="0"/>
+            </a:br>
+            <a:r>
+              <a:rPr lang="en-US" sz="6000" dirty="0"/>
+              <a:t>A Multimodal Revolution in AI</a:t>
+            </a:r>
+            <a:br>
+              <a:rPr lang="en-US" sz="6000" dirty="0"/>
             </a:br>
             <a:br>
               <a:rPr lang="en-US" sz="2200" dirty="0"/>
@@ -3504,112 +5283,7 @@
             <a:br>
               <a:rPr lang="en-US" sz="2200" dirty="0"/>
             </a:br>
-            <a:r>
-              <a:rPr lang="en-US" sz="2200" dirty="0"/>
-              <a:t>Company Logo: Google DeepMind</a:t>
-            </a:r>
-          </a:p>
-        </p:txBody>
-      </p:sp>
-      <p:sp>
-        <p:nvSpPr>
-          <p:cNvPr id="6" name="Subtitle 2">
-            <a:extLst>
-              <a:ext uri="{FF2B5EF4-FFF2-40B4-BE49-F238E27FC236}">
-                <a16:creationId xmlns:a16="http://schemas.microsoft.com/office/drawing/2014/main" id="{04C94D4B-2E88-0A95-68EA-01BC1B390F71}"/>
-              </a:ext>
-            </a:extLst>
-          </p:cNvPr>
-          <p:cNvSpPr>
-            <a:spLocks noGrp="1"/>
-          </p:cNvSpPr>
-          <p:nvPr>
-            <p:ph type="subTitle" idx="1"/>
-          </p:nvPr>
-        </p:nvSpPr>
-        <p:spPr>
-          <a:xfrm>
-            <a:off x="8115299" y="5583382"/>
-            <a:ext cx="3176155" cy="711671"/>
-          </a:xfrm>
-        </p:spPr>
-        <p:txBody>
-          <a:bodyPr anchor="t"/>
-          <a:lstStyle/>
-          <a:p>
-            <a:endParaRPr lang="en-US" dirty="0"/>
-          </a:p>
-        </p:txBody>
-      </p:sp>
-      <p:sp>
-        <p:nvSpPr>
-          <p:cNvPr id="11" name="Date Placeholder 12">
-            <a:extLst>
-              <a:ext uri="{FF2B5EF4-FFF2-40B4-BE49-F238E27FC236}">
-                <a16:creationId xmlns:a16="http://schemas.microsoft.com/office/drawing/2014/main" id="{9A6D5B61-FFDA-268C-EFD3-5735235AC948}"/>
-              </a:ext>
-            </a:extLst>
-          </p:cNvPr>
-          <p:cNvSpPr>
-            <a:spLocks noGrp="1"/>
-          </p:cNvSpPr>
-          <p:nvPr>
-            <p:ph type="dt" sz="half" idx="10"/>
-          </p:nvPr>
-        </p:nvSpPr>
-        <p:spPr/>
-        <p:txBody>
-          <a:bodyPr/>
-          <a:lstStyle/>
-          <a:p>
-            <a:pPr>
-              <a:spcAft>
-                <a:spcPts val="600"/>
-              </a:spcAft>
-            </a:pPr>
-            <a:fld id="{44CA1D5B-9EEC-4D16-AAED-6E5B3E51F961}" type="datetime1">
-              <a:rPr lang="en-US" smtClean="0"/>
-              <a:pPr>
-                <a:spcAft>
-                  <a:spcPts val="600"/>
-                </a:spcAft>
-              </a:pPr>
-              <a:t>1/8/2024</a:t>
-            </a:fld>
-            <a:endParaRPr lang="en-US"/>
-          </a:p>
-        </p:txBody>
-      </p:sp>
-      <p:sp>
-        <p:nvSpPr>
-          <p:cNvPr id="13" name="Footer Placeholder 13">
-            <a:extLst>
-              <a:ext uri="{FF2B5EF4-FFF2-40B4-BE49-F238E27FC236}">
-                <a16:creationId xmlns:a16="http://schemas.microsoft.com/office/drawing/2014/main" id="{21FB0414-88CA-46E7-C2A6-365E6D86AAF2}"/>
-              </a:ext>
-            </a:extLst>
-          </p:cNvPr>
-          <p:cNvSpPr>
-            <a:spLocks noGrp="1"/>
-          </p:cNvSpPr>
-          <p:nvPr>
-            <p:ph type="ftr" sz="quarter" idx="11"/>
-          </p:nvPr>
-        </p:nvSpPr>
-        <p:spPr/>
-        <p:txBody>
-          <a:bodyPr/>
-          <a:lstStyle/>
-          <a:p>
-            <a:pPr>
-              <a:spcAft>
-                <a:spcPts val="600"/>
-              </a:spcAft>
-            </a:pPr>
-            <a:r>
-              <a:rPr lang="en-US"/>
-              <a:t>Sample Footer Text</a:t>
-            </a:r>
+            <a:endParaRPr lang="en-US" sz="2200" dirty="0"/>
           </a:p>
         </p:txBody>
       </p:sp>
@@ -3646,40 +5320,57 @@
                   <a:spcPts val="600"/>
                 </a:spcAft>
               </a:pPr>
-              <a:t>1</a:t>
+              <a:t>2</a:t>
             </a:fld>
-            <a:endParaRPr lang="en-US"/>
+            <a:endParaRPr lang="en-US" dirty="0"/>
           </a:p>
         </p:txBody>
       </p:sp>
       <p:pic>
         <p:nvPicPr>
-          <p:cNvPr id="4" name="Picture 3" descr="Network Technology Background">
-            <a:extLst>
-              <a:ext uri="{FF2B5EF4-FFF2-40B4-BE49-F238E27FC236}">
-                <a16:creationId xmlns:a16="http://schemas.microsoft.com/office/drawing/2014/main" id="{ACA41F01-1301-FFD3-75A9-962125C5631E}"/>
+          <p:cNvPr id="1028" name="Picture 4" descr="DeepMind, le nouvel atout intelligence artificielle de Google">
+            <a:extLst>
+              <a:ext uri="{FF2B5EF4-FFF2-40B4-BE49-F238E27FC236}">
+                <a16:creationId xmlns:a16="http://schemas.microsoft.com/office/drawing/2014/main" id="{60711B8C-B61D-1185-75A9-6CB2FF7BA435}"/>
               </a:ext>
             </a:extLst>
           </p:cNvPr>
           <p:cNvPicPr>
-            <a:picLocks noChangeAspect="1"/>
+            <a:picLocks noChangeAspect="1" noChangeArrowheads="1"/>
           </p:cNvPicPr>
           <p:nvPr/>
         </p:nvPicPr>
-        <p:blipFill rotWithShape="1">
-          <a:blip r:embed="rId2"/>
-          <a:srcRect l="31753" r="-2" b="-2"/>
-          <a:stretch/>
+        <p:blipFill>
+          <a:blip r:embed="rId2">
+            <a:extLst>
+              <a:ext uri="{28A0092B-C50C-407E-A947-70E740481C1C}">
+                <a14:useLocalDpi xmlns:a14="http://schemas.microsoft.com/office/drawing/2010/main" val="0"/>
+              </a:ext>
+            </a:extLst>
+          </a:blip>
+          <a:srcRect/>
+          <a:stretch>
+            <a:fillRect/>
+          </a:stretch>
         </p:blipFill>
-        <p:spPr>
+        <p:spPr bwMode="auto">
           <a:xfrm>
-            <a:off x="8796614" y="3429000"/>
-            <a:ext cx="1850339" cy="1579282"/>
+            <a:off x="6713209" y="298512"/>
+            <a:ext cx="5324726" cy="2679192"/>
           </a:xfrm>
           <a:prstGeom prst="rect">
             <a:avLst/>
           </a:prstGeom>
           <a:noFill/>
+          <a:extLst>
+            <a:ext uri="{909E8E84-426E-40DD-AFC4-6F175D3DCCD1}">
+              <a14:hiddenFill xmlns:a14="http://schemas.microsoft.com/office/drawing/2010/main">
+                <a:solidFill>
+                  <a:srgbClr val="FFFFFF"/>
+                </a:solidFill>
+              </a14:hiddenFill>
+            </a:ext>
+          </a:extLst>
         </p:spPr>
       </p:pic>
     </p:spTree>
@@ -3692,6 +5383,18 @@
   <p:clrMapOvr>
     <a:masterClrMapping/>
   </p:clrMapOvr>
+  <mc:AlternateContent xmlns:mc="http://schemas.openxmlformats.org/markup-compatibility/2006">
+    <mc:Choice xmlns:p159="http://schemas.microsoft.com/office/powerpoint/2015/09/main" Requires="p159">
+      <p:transition xmlns:p14="http://schemas.microsoft.com/office/powerpoint/2010/main" spd="slow" p14:dur="2000">
+        <p159:morph option="byObject"/>
+      </p:transition>
+    </mc:Choice>
+    <mc:Fallback>
+      <p:transition spd="slow">
+        <p:fade/>
+      </p:transition>
+    </mc:Fallback>
+  </mc:AlternateContent>
   <p:timing>
     <p:tnLst>
       <p:par>
@@ -3787,1333 +5490,6 @@
 </p:sld>
 </file>
 
-<file path=ppt/slides/slide10.xml><?xml version="1.0" encoding="utf-8"?>
-<p:sld xmlns:a="http://schemas.openxmlformats.org/drawingml/2006/main" xmlns:r="http://schemas.openxmlformats.org/officeDocument/2006/relationships" xmlns:p="http://schemas.openxmlformats.org/presentationml/2006/main">
-  <p:cSld>
-    <p:spTree>
-      <p:nvGrpSpPr>
-        <p:cNvPr id="1" name=""/>
-        <p:cNvGrpSpPr/>
-        <p:nvPr/>
-      </p:nvGrpSpPr>
-      <p:grpSpPr>
-        <a:xfrm>
-          <a:off x="0" y="0"/>
-          <a:ext cx="0" cy="0"/>
-          <a:chOff x="0" y="0"/>
-          <a:chExt cx="0" cy="0"/>
-        </a:xfrm>
-      </p:grpSpPr>
-      <p:pic>
-        <p:nvPicPr>
-          <p:cNvPr id="8" name="Picture 7" descr="Multiple exposures of an underground concrete tunnel">
-            <a:extLst>
-              <a:ext uri="{FF2B5EF4-FFF2-40B4-BE49-F238E27FC236}">
-                <a16:creationId xmlns:a16="http://schemas.microsoft.com/office/drawing/2014/main" id="{8479064E-3207-7009-D565-3BA5BA0997D8}"/>
-              </a:ext>
-            </a:extLst>
-          </p:cNvPr>
-          <p:cNvPicPr>
-            <a:picLocks noChangeAspect="1"/>
-          </p:cNvPicPr>
-          <p:nvPr/>
-        </p:nvPicPr>
-        <p:blipFill rotWithShape="1">
-          <a:blip r:embed="rId2"/>
-          <a:srcRect l="21794" r="-2" b="-2"/>
-          <a:stretch/>
-        </p:blipFill>
-        <p:spPr>
-          <a:xfrm>
-            <a:off x="4157001" y="-1"/>
-            <a:ext cx="8035000" cy="6858001"/>
-          </a:xfrm>
-          <a:custGeom>
-            <a:avLst/>
-            <a:gdLst/>
-            <a:ahLst/>
-            <a:cxnLst/>
-            <a:rect l="l" t="t" r="r" b="b"/>
-            <a:pathLst>
-              <a:path w="8035000" h="6858001">
-                <a:moveTo>
-                  <a:pt x="0" y="0"/>
-                </a:moveTo>
-                <a:lnTo>
-                  <a:pt x="8035000" y="0"/>
-                </a:lnTo>
-                <a:lnTo>
-                  <a:pt x="8035000" y="6858001"/>
-                </a:lnTo>
-                <a:lnTo>
-                  <a:pt x="137897" y="6858001"/>
-                </a:lnTo>
-                <a:lnTo>
-                  <a:pt x="274509" y="6844229"/>
-                </a:lnTo>
-                <a:cubicBezTo>
-                  <a:pt x="583423" y="6781017"/>
-                  <a:pt x="815799" y="6507690"/>
-                  <a:pt x="815799" y="6180089"/>
-                </a:cubicBezTo>
-                <a:lnTo>
-                  <a:pt x="815799" y="677915"/>
-                </a:lnTo>
-                <a:cubicBezTo>
-                  <a:pt x="815799" y="303514"/>
-                  <a:pt x="512287" y="2"/>
-                  <a:pt x="137886" y="2"/>
-                </a:cubicBezTo>
-                <a:lnTo>
-                  <a:pt x="0" y="2"/>
-                </a:lnTo>
-                <a:close/>
-              </a:path>
-            </a:pathLst>
-          </a:custGeom>
-          <a:noFill/>
-        </p:spPr>
-      </p:pic>
-      <p:sp>
-        <p:nvSpPr>
-          <p:cNvPr id="2" name="Title 1">
-            <a:extLst>
-              <a:ext uri="{FF2B5EF4-FFF2-40B4-BE49-F238E27FC236}">
-                <a16:creationId xmlns:a16="http://schemas.microsoft.com/office/drawing/2014/main" id="{C2B5FC23-B735-494A-1823-182A3A9AC70D}"/>
-              </a:ext>
-            </a:extLst>
-          </p:cNvPr>
-          <p:cNvSpPr>
-            <a:spLocks noGrp="1"/>
-          </p:cNvSpPr>
-          <p:nvPr>
-            <p:ph type="ctrTitle"/>
-          </p:nvPr>
-        </p:nvSpPr>
-        <p:spPr>
-          <a:xfrm>
-            <a:off x="312252" y="752136"/>
-            <a:ext cx="3944703" cy="3553163"/>
-          </a:xfrm>
-        </p:spPr>
-        <p:txBody>
-          <a:bodyPr anchor="t">
-            <a:normAutofit/>
-          </a:bodyPr>
-          <a:lstStyle/>
-          <a:p>
-            <a:r>
-              <a:rPr lang="en-US" sz="1600" b="0" i="0">
-                <a:effectLst/>
-              </a:rPr>
-              <a:t>The Road Ahead: A Continuous Journey of Innovation</a:t>
-            </a:r>
-            <a:br>
-              <a:rPr lang="en-US" sz="1600" b="0" i="0">
-                <a:effectLst/>
-              </a:rPr>
-            </a:br>
-            <a:r>
-              <a:rPr lang="en-US" sz="1600" b="0" i="0">
-                <a:effectLst/>
-              </a:rPr>
-              <a:t>Image: A roadmap with milestones representing future advancements</a:t>
-            </a:r>
-            <a:br>
-              <a:rPr lang="en-US" sz="1600" b="0" i="0">
-                <a:effectLst/>
-              </a:rPr>
-            </a:br>
-            <a:r>
-              <a:rPr lang="en-US" sz="1600" b="0" i="0">
-                <a:effectLst/>
-              </a:rPr>
-              <a:t>Briefly discuss Google's plans for continuous improvement and development of Gemini, focusing on areas like:</a:t>
-            </a:r>
-            <a:br>
-              <a:rPr lang="en-US" sz="1600" b="0" i="0">
-                <a:effectLst/>
-              </a:rPr>
-            </a:br>
-            <a:r>
-              <a:rPr lang="en-US" sz="1600" b="0" i="0">
-                <a:effectLst/>
-              </a:rPr>
-              <a:t>Expanding capabilities to handle even more complex tasks.</a:t>
-            </a:r>
-            <a:br>
-              <a:rPr lang="en-US" sz="1600" b="0" i="0">
-                <a:effectLst/>
-              </a:rPr>
-            </a:br>
-            <a:r>
-              <a:rPr lang="en-US" sz="1600" b="0" i="0">
-                <a:effectLst/>
-              </a:rPr>
-              <a:t>Improving efficiency and reducing resource requirements.</a:t>
-            </a:r>
-            <a:br>
-              <a:rPr lang="en-US" sz="1600" b="0" i="0">
-                <a:effectLst/>
-              </a:rPr>
-            </a:br>
-            <a:r>
-              <a:rPr lang="en-US" sz="1600" b="0" i="0">
-                <a:effectLst/>
-              </a:rPr>
-              <a:t>Addressing ethical considerations and ensuring responsible use.</a:t>
-            </a:r>
-            <a:br>
-              <a:rPr lang="en-US" sz="1600" b="0" i="0">
-                <a:effectLst/>
-              </a:rPr>
-            </a:br>
-            <a:endParaRPr lang="en-IN" sz="1600"/>
-          </a:p>
-        </p:txBody>
-      </p:sp>
-      <p:sp>
-        <p:nvSpPr>
-          <p:cNvPr id="12" name="Subtitle 2">
-            <a:extLst>
-              <a:ext uri="{FF2B5EF4-FFF2-40B4-BE49-F238E27FC236}">
-                <a16:creationId xmlns:a16="http://schemas.microsoft.com/office/drawing/2014/main" id="{04C94D4B-2E88-0A95-68EA-01BC1B390F71}"/>
-              </a:ext>
-            </a:extLst>
-          </p:cNvPr>
-          <p:cNvSpPr>
-            <a:spLocks noGrp="1"/>
-          </p:cNvSpPr>
-          <p:nvPr>
-            <p:ph type="subTitle" idx="1"/>
-          </p:nvPr>
-        </p:nvSpPr>
-        <p:spPr>
-          <a:xfrm>
-            <a:off x="312252" y="4762123"/>
-            <a:ext cx="3698627" cy="1257678"/>
-          </a:xfrm>
-        </p:spPr>
-        <p:txBody>
-          <a:bodyPr anchor="b"/>
-          <a:lstStyle/>
-          <a:p>
-            <a:endParaRPr lang="en-US" dirty="0"/>
-          </a:p>
-        </p:txBody>
-      </p:sp>
-      <p:sp>
-        <p:nvSpPr>
-          <p:cNvPr id="4" name="Date Placeholder 3">
-            <a:extLst>
-              <a:ext uri="{FF2B5EF4-FFF2-40B4-BE49-F238E27FC236}">
-                <a16:creationId xmlns:a16="http://schemas.microsoft.com/office/drawing/2014/main" id="{1770836D-DDF1-291B-4D47-ED2CC9686722}"/>
-              </a:ext>
-            </a:extLst>
-          </p:cNvPr>
-          <p:cNvSpPr>
-            <a:spLocks noGrp="1"/>
-          </p:cNvSpPr>
-          <p:nvPr>
-            <p:ph type="dt" sz="half" idx="10"/>
-          </p:nvPr>
-        </p:nvSpPr>
-        <p:spPr>
-          <a:xfrm>
-            <a:off x="340137" y="63202"/>
-            <a:ext cx="2743200" cy="318221"/>
-          </a:xfrm>
-        </p:spPr>
-        <p:txBody>
-          <a:bodyPr>
-            <a:normAutofit/>
-          </a:bodyPr>
-          <a:lstStyle/>
-          <a:p>
-            <a:pPr>
-              <a:spcAft>
-                <a:spcPts val="600"/>
-              </a:spcAft>
-            </a:pPr>
-            <a:fld id="{0F996519-E62D-4F8C-AE1E-36928EC7D15C}" type="datetime1">
-              <a:rPr lang="en-US" smtClean="0"/>
-              <a:pPr>
-                <a:spcAft>
-                  <a:spcPts val="600"/>
-                </a:spcAft>
-              </a:pPr>
-              <a:t>1/8/2024</a:t>
-            </a:fld>
-            <a:endParaRPr lang="en-US"/>
-          </a:p>
-        </p:txBody>
-      </p:sp>
-      <p:sp>
-        <p:nvSpPr>
-          <p:cNvPr id="5" name="Footer Placeholder 4">
-            <a:extLst>
-              <a:ext uri="{FF2B5EF4-FFF2-40B4-BE49-F238E27FC236}">
-                <a16:creationId xmlns:a16="http://schemas.microsoft.com/office/drawing/2014/main" id="{D064E704-E71F-DDED-8B8D-89C0F6C0D3A9}"/>
-              </a:ext>
-            </a:extLst>
-          </p:cNvPr>
-          <p:cNvSpPr>
-            <a:spLocks noGrp="1"/>
-          </p:cNvSpPr>
-          <p:nvPr>
-            <p:ph type="ftr" sz="quarter" idx="11"/>
-          </p:nvPr>
-        </p:nvSpPr>
-        <p:spPr>
-          <a:xfrm>
-            <a:off x="7344016" y="6424761"/>
-            <a:ext cx="4059936" cy="365125"/>
-          </a:xfrm>
-        </p:spPr>
-        <p:txBody>
-          <a:bodyPr>
-            <a:normAutofit/>
-          </a:bodyPr>
-          <a:lstStyle/>
-          <a:p>
-            <a:pPr>
-              <a:spcAft>
-                <a:spcPts val="600"/>
-              </a:spcAft>
-            </a:pPr>
-            <a:r>
-              <a:rPr lang="en-US">
-                <a:solidFill>
-                  <a:srgbClr val="FFFFFF"/>
-                </a:solidFill>
-              </a:rPr>
-              <a:t>Sample Footer Text</a:t>
-            </a:r>
-          </a:p>
-        </p:txBody>
-      </p:sp>
-      <p:sp>
-        <p:nvSpPr>
-          <p:cNvPr id="6" name="Slide Number Placeholder 5">
-            <a:extLst>
-              <a:ext uri="{FF2B5EF4-FFF2-40B4-BE49-F238E27FC236}">
-                <a16:creationId xmlns:a16="http://schemas.microsoft.com/office/drawing/2014/main" id="{9C4656CE-4F72-DC3B-9363-ABC9DA1B8C17}"/>
-              </a:ext>
-            </a:extLst>
-          </p:cNvPr>
-          <p:cNvSpPr>
-            <a:spLocks noGrp="1"/>
-          </p:cNvSpPr>
-          <p:nvPr>
-            <p:ph type="sldNum" sz="quarter" idx="12"/>
-          </p:nvPr>
-        </p:nvSpPr>
-        <p:spPr>
-          <a:xfrm>
-            <a:off x="11403951" y="6425816"/>
-            <a:ext cx="429768" cy="365125"/>
-          </a:xfrm>
-        </p:spPr>
-        <p:txBody>
-          <a:bodyPr>
-            <a:normAutofit/>
-          </a:bodyPr>
-          <a:lstStyle/>
-          <a:p>
-            <a:pPr>
-              <a:spcAft>
-                <a:spcPts val="600"/>
-              </a:spcAft>
-            </a:pPr>
-            <a:fld id="{6E91CC32-6A6B-4E2E-BBA1-6864F305DA26}" type="slidenum">
-              <a:rPr lang="en-US">
-                <a:solidFill>
-                  <a:srgbClr val="FFFFFF"/>
-                </a:solidFill>
-              </a:rPr>
-              <a:pPr>
-                <a:spcAft>
-                  <a:spcPts val="600"/>
-                </a:spcAft>
-              </a:pPr>
-              <a:t>10</a:t>
-            </a:fld>
-            <a:endParaRPr lang="en-US">
-              <a:solidFill>
-                <a:srgbClr val="FFFFFF"/>
-              </a:solidFill>
-            </a:endParaRPr>
-          </a:p>
-        </p:txBody>
-      </p:sp>
-    </p:spTree>
-    <p:extLst>
-      <p:ext uri="{BB962C8B-B14F-4D97-AF65-F5344CB8AC3E}">
-        <p14:creationId xmlns:p14="http://schemas.microsoft.com/office/powerpoint/2010/main" val="195124163"/>
-      </p:ext>
-    </p:extLst>
-  </p:cSld>
-  <p:clrMapOvr>
-    <a:masterClrMapping/>
-  </p:clrMapOvr>
-</p:sld>
-</file>
-
-<file path=ppt/slides/slide11.xml><?xml version="1.0" encoding="utf-8"?>
-<p:sld xmlns:a="http://schemas.openxmlformats.org/drawingml/2006/main" xmlns:r="http://schemas.openxmlformats.org/officeDocument/2006/relationships" xmlns:p="http://schemas.openxmlformats.org/presentationml/2006/main">
-  <p:cSld>
-    <p:spTree>
-      <p:nvGrpSpPr>
-        <p:cNvPr id="1" name=""/>
-        <p:cNvGrpSpPr/>
-        <p:nvPr/>
-      </p:nvGrpSpPr>
-      <p:grpSpPr>
-        <a:xfrm>
-          <a:off x="0" y="0"/>
-          <a:ext cx="0" cy="0"/>
-          <a:chOff x="0" y="0"/>
-          <a:chExt cx="0" cy="0"/>
-        </a:xfrm>
-      </p:grpSpPr>
-      <p:pic>
-        <p:nvPicPr>
-          <p:cNvPr id="8" name="Picture 7" descr="Women in matching clothes">
-            <a:extLst>
-              <a:ext uri="{FF2B5EF4-FFF2-40B4-BE49-F238E27FC236}">
-                <a16:creationId xmlns:a16="http://schemas.microsoft.com/office/drawing/2014/main" id="{39B37013-C00D-1003-7775-8803C4A1EDB0}"/>
-              </a:ext>
-            </a:extLst>
-          </p:cNvPr>
-          <p:cNvPicPr>
-            <a:picLocks noChangeAspect="1"/>
-          </p:cNvPicPr>
-          <p:nvPr/>
-        </p:nvPicPr>
-        <p:blipFill rotWithShape="1">
-          <a:blip r:embed="rId2"/>
-          <a:srcRect l="13396" r="3126" b="-1"/>
-          <a:stretch/>
-        </p:blipFill>
-        <p:spPr>
-          <a:xfrm>
-            <a:off x="4157001" y="-1"/>
-            <a:ext cx="8035000" cy="6858001"/>
-          </a:xfrm>
-          <a:custGeom>
-            <a:avLst/>
-            <a:gdLst/>
-            <a:ahLst/>
-            <a:cxnLst/>
-            <a:rect l="l" t="t" r="r" b="b"/>
-            <a:pathLst>
-              <a:path w="8035000" h="6858001">
-                <a:moveTo>
-                  <a:pt x="0" y="0"/>
-                </a:moveTo>
-                <a:lnTo>
-                  <a:pt x="8035000" y="0"/>
-                </a:lnTo>
-                <a:lnTo>
-                  <a:pt x="8035000" y="6858001"/>
-                </a:lnTo>
-                <a:lnTo>
-                  <a:pt x="137897" y="6858001"/>
-                </a:lnTo>
-                <a:lnTo>
-                  <a:pt x="274509" y="6844229"/>
-                </a:lnTo>
-                <a:cubicBezTo>
-                  <a:pt x="583423" y="6781017"/>
-                  <a:pt x="815799" y="6507690"/>
-                  <a:pt x="815799" y="6180089"/>
-                </a:cubicBezTo>
-                <a:lnTo>
-                  <a:pt x="815799" y="677915"/>
-                </a:lnTo>
-                <a:cubicBezTo>
-                  <a:pt x="815799" y="303514"/>
-                  <a:pt x="512287" y="2"/>
-                  <a:pt x="137886" y="2"/>
-                </a:cubicBezTo>
-                <a:lnTo>
-                  <a:pt x="0" y="2"/>
-                </a:lnTo>
-                <a:close/>
-              </a:path>
-            </a:pathLst>
-          </a:custGeom>
-          <a:noFill/>
-        </p:spPr>
-      </p:pic>
-      <p:sp>
-        <p:nvSpPr>
-          <p:cNvPr id="2" name="Title 1">
-            <a:extLst>
-              <a:ext uri="{FF2B5EF4-FFF2-40B4-BE49-F238E27FC236}">
-                <a16:creationId xmlns:a16="http://schemas.microsoft.com/office/drawing/2014/main" id="{0F5F2D52-A1A2-74AC-3ABD-02E5B6625C1F}"/>
-              </a:ext>
-            </a:extLst>
-          </p:cNvPr>
-          <p:cNvSpPr>
-            <a:spLocks noGrp="1"/>
-          </p:cNvSpPr>
-          <p:nvPr>
-            <p:ph type="ctrTitle"/>
-          </p:nvPr>
-        </p:nvSpPr>
-        <p:spPr>
-          <a:xfrm>
-            <a:off x="312252" y="752136"/>
-            <a:ext cx="3944703" cy="3553163"/>
-          </a:xfrm>
-        </p:spPr>
-        <p:txBody>
-          <a:bodyPr anchor="t">
-            <a:normAutofit/>
-          </a:bodyPr>
-          <a:lstStyle/>
-          <a:p>
-            <a:r>
-              <a:rPr lang="en-US" sz="1900" b="0" i="0">
-                <a:effectLst/>
-              </a:rPr>
-              <a:t>Conclusion: A New Era of AI</a:t>
-            </a:r>
-            <a:br>
-              <a:rPr lang="en-US" sz="1900" b="0" i="0">
-                <a:effectLst/>
-              </a:rPr>
-            </a:br>
-            <a:r>
-              <a:rPr lang="en-US" sz="1900" b="0" i="0">
-                <a:effectLst/>
-              </a:rPr>
-              <a:t>Image: A futuristic cityscape symbolizing the transformative potential of AI</a:t>
-            </a:r>
-            <a:br>
-              <a:rPr lang="en-US" sz="1900" b="0" i="0">
-                <a:effectLst/>
-              </a:rPr>
-            </a:br>
-            <a:r>
-              <a:rPr lang="en-US" sz="1900" b="0" i="0">
-                <a:effectLst/>
-              </a:rPr>
-              <a:t>Reiterate the significance of Gemini as a landmark achievement in AI, paving the way for a future where machines can seamlessly understand and interact with the world around them.</a:t>
-            </a:r>
-            <a:br>
-              <a:rPr lang="en-US" sz="1900" b="0" i="0">
-                <a:effectLst/>
-              </a:rPr>
-            </a:br>
-            <a:endParaRPr lang="en-IN" sz="1900"/>
-          </a:p>
-        </p:txBody>
-      </p:sp>
-      <p:sp>
-        <p:nvSpPr>
-          <p:cNvPr id="12" name="Subtitle 2">
-            <a:extLst>
-              <a:ext uri="{FF2B5EF4-FFF2-40B4-BE49-F238E27FC236}">
-                <a16:creationId xmlns:a16="http://schemas.microsoft.com/office/drawing/2014/main" id="{04C94D4B-2E88-0A95-68EA-01BC1B390F71}"/>
-              </a:ext>
-            </a:extLst>
-          </p:cNvPr>
-          <p:cNvSpPr>
-            <a:spLocks noGrp="1"/>
-          </p:cNvSpPr>
-          <p:nvPr>
-            <p:ph type="subTitle" idx="1"/>
-          </p:nvPr>
-        </p:nvSpPr>
-        <p:spPr>
-          <a:xfrm>
-            <a:off x="312252" y="4762123"/>
-            <a:ext cx="3698627" cy="1257678"/>
-          </a:xfrm>
-        </p:spPr>
-        <p:txBody>
-          <a:bodyPr anchor="b"/>
-          <a:lstStyle/>
-          <a:p>
-            <a:endParaRPr lang="en-US" dirty="0"/>
-          </a:p>
-        </p:txBody>
-      </p:sp>
-      <p:sp>
-        <p:nvSpPr>
-          <p:cNvPr id="4" name="Date Placeholder 3">
-            <a:extLst>
-              <a:ext uri="{FF2B5EF4-FFF2-40B4-BE49-F238E27FC236}">
-                <a16:creationId xmlns:a16="http://schemas.microsoft.com/office/drawing/2014/main" id="{A7463975-1678-80F3-758A-FF5E15D36966}"/>
-              </a:ext>
-            </a:extLst>
-          </p:cNvPr>
-          <p:cNvSpPr>
-            <a:spLocks noGrp="1"/>
-          </p:cNvSpPr>
-          <p:nvPr>
-            <p:ph type="dt" sz="half" idx="10"/>
-          </p:nvPr>
-        </p:nvSpPr>
-        <p:spPr>
-          <a:xfrm>
-            <a:off x="340137" y="63202"/>
-            <a:ext cx="2743200" cy="318221"/>
-          </a:xfrm>
-        </p:spPr>
-        <p:txBody>
-          <a:bodyPr>
-            <a:normAutofit/>
-          </a:bodyPr>
-          <a:lstStyle/>
-          <a:p>
-            <a:pPr>
-              <a:spcAft>
-                <a:spcPts val="600"/>
-              </a:spcAft>
-            </a:pPr>
-            <a:fld id="{0F996519-E62D-4F8C-AE1E-36928EC7D15C}" type="datetime1">
-              <a:rPr lang="en-US" smtClean="0"/>
-              <a:pPr>
-                <a:spcAft>
-                  <a:spcPts val="600"/>
-                </a:spcAft>
-              </a:pPr>
-              <a:t>1/8/2024</a:t>
-            </a:fld>
-            <a:endParaRPr lang="en-US"/>
-          </a:p>
-        </p:txBody>
-      </p:sp>
-      <p:sp>
-        <p:nvSpPr>
-          <p:cNvPr id="5" name="Footer Placeholder 4">
-            <a:extLst>
-              <a:ext uri="{FF2B5EF4-FFF2-40B4-BE49-F238E27FC236}">
-                <a16:creationId xmlns:a16="http://schemas.microsoft.com/office/drawing/2014/main" id="{29275B46-8B78-EE8A-3145-0A519FF74BB6}"/>
-              </a:ext>
-            </a:extLst>
-          </p:cNvPr>
-          <p:cNvSpPr>
-            <a:spLocks noGrp="1"/>
-          </p:cNvSpPr>
-          <p:nvPr>
-            <p:ph type="ftr" sz="quarter" idx="11"/>
-          </p:nvPr>
-        </p:nvSpPr>
-        <p:spPr>
-          <a:xfrm>
-            <a:off x="7344016" y="6424761"/>
-            <a:ext cx="4059936" cy="365125"/>
-          </a:xfrm>
-        </p:spPr>
-        <p:txBody>
-          <a:bodyPr>
-            <a:normAutofit/>
-          </a:bodyPr>
-          <a:lstStyle/>
-          <a:p>
-            <a:pPr>
-              <a:spcAft>
-                <a:spcPts val="600"/>
-              </a:spcAft>
-            </a:pPr>
-            <a:r>
-              <a:rPr lang="en-US">
-                <a:solidFill>
-                  <a:srgbClr val="FFFFFF"/>
-                </a:solidFill>
-              </a:rPr>
-              <a:t>Sample Footer Text</a:t>
-            </a:r>
-          </a:p>
-        </p:txBody>
-      </p:sp>
-      <p:sp>
-        <p:nvSpPr>
-          <p:cNvPr id="6" name="Slide Number Placeholder 5">
-            <a:extLst>
-              <a:ext uri="{FF2B5EF4-FFF2-40B4-BE49-F238E27FC236}">
-                <a16:creationId xmlns:a16="http://schemas.microsoft.com/office/drawing/2014/main" id="{408F75E6-10E6-077B-C736-5C26BB17F539}"/>
-              </a:ext>
-            </a:extLst>
-          </p:cNvPr>
-          <p:cNvSpPr>
-            <a:spLocks noGrp="1"/>
-          </p:cNvSpPr>
-          <p:nvPr>
-            <p:ph type="sldNum" sz="quarter" idx="12"/>
-          </p:nvPr>
-        </p:nvSpPr>
-        <p:spPr>
-          <a:xfrm>
-            <a:off x="11403951" y="6425816"/>
-            <a:ext cx="429768" cy="365125"/>
-          </a:xfrm>
-        </p:spPr>
-        <p:txBody>
-          <a:bodyPr>
-            <a:normAutofit/>
-          </a:bodyPr>
-          <a:lstStyle/>
-          <a:p>
-            <a:pPr>
-              <a:spcAft>
-                <a:spcPts val="600"/>
-              </a:spcAft>
-            </a:pPr>
-            <a:fld id="{6E91CC32-6A6B-4E2E-BBA1-6864F305DA26}" type="slidenum">
-              <a:rPr lang="en-US">
-                <a:solidFill>
-                  <a:srgbClr val="FFFFFF"/>
-                </a:solidFill>
-              </a:rPr>
-              <a:pPr>
-                <a:spcAft>
-                  <a:spcPts val="600"/>
-                </a:spcAft>
-              </a:pPr>
-              <a:t>11</a:t>
-            </a:fld>
-            <a:endParaRPr lang="en-US">
-              <a:solidFill>
-                <a:srgbClr val="FFFFFF"/>
-              </a:solidFill>
-            </a:endParaRPr>
-          </a:p>
-        </p:txBody>
-      </p:sp>
-    </p:spTree>
-    <p:extLst>
-      <p:ext uri="{BB962C8B-B14F-4D97-AF65-F5344CB8AC3E}">
-        <p14:creationId xmlns:p14="http://schemas.microsoft.com/office/powerpoint/2010/main" val="3543299519"/>
-      </p:ext>
-    </p:extLst>
-  </p:cSld>
-  <p:clrMapOvr>
-    <a:masterClrMapping/>
-  </p:clrMapOvr>
-</p:sld>
-</file>
-
-<file path=ppt/slides/slide12.xml><?xml version="1.0" encoding="utf-8"?>
-<p:sld xmlns:a="http://schemas.openxmlformats.org/drawingml/2006/main" xmlns:r="http://schemas.openxmlformats.org/officeDocument/2006/relationships" xmlns:p="http://schemas.openxmlformats.org/presentationml/2006/main">
-  <p:cSld>
-    <p:spTree>
-      <p:nvGrpSpPr>
-        <p:cNvPr id="1" name=""/>
-        <p:cNvGrpSpPr/>
-        <p:nvPr/>
-      </p:nvGrpSpPr>
-      <p:grpSpPr>
-        <a:xfrm>
-          <a:off x="0" y="0"/>
-          <a:ext cx="0" cy="0"/>
-          <a:chOff x="0" y="0"/>
-          <a:chExt cx="0" cy="0"/>
-        </a:xfrm>
-      </p:grpSpPr>
-      <p:sp>
-        <p:nvSpPr>
-          <p:cNvPr id="2" name="Title 1">
-            <a:extLst>
-              <a:ext uri="{FF2B5EF4-FFF2-40B4-BE49-F238E27FC236}">
-                <a16:creationId xmlns:a16="http://schemas.microsoft.com/office/drawing/2014/main" id="{33F80EB4-8E6E-6EEF-7F4F-923E3B76C00A}"/>
-              </a:ext>
-            </a:extLst>
-          </p:cNvPr>
-          <p:cNvSpPr>
-            <a:spLocks noGrp="1"/>
-          </p:cNvSpPr>
-          <p:nvPr>
-            <p:ph type="title"/>
-          </p:nvPr>
-        </p:nvSpPr>
-        <p:spPr/>
-        <p:txBody>
-          <a:bodyPr/>
-          <a:lstStyle/>
-          <a:p>
-            <a:endParaRPr lang="en-IN"/>
-          </a:p>
-        </p:txBody>
-      </p:sp>
-      <p:sp>
-        <p:nvSpPr>
-          <p:cNvPr id="3" name="Content Placeholder 2">
-            <a:extLst>
-              <a:ext uri="{FF2B5EF4-FFF2-40B4-BE49-F238E27FC236}">
-                <a16:creationId xmlns:a16="http://schemas.microsoft.com/office/drawing/2014/main" id="{BC91D457-A9D0-AE8F-A26B-1CA7E7293A89}"/>
-              </a:ext>
-            </a:extLst>
-          </p:cNvPr>
-          <p:cNvSpPr>
-            <a:spLocks noGrp="1"/>
-          </p:cNvSpPr>
-          <p:nvPr>
-            <p:ph idx="1"/>
-          </p:nvPr>
-        </p:nvSpPr>
-        <p:spPr/>
-        <p:txBody>
-          <a:bodyPr/>
-          <a:lstStyle/>
-          <a:p>
-            <a:endParaRPr lang="en-IN"/>
-          </a:p>
-        </p:txBody>
-      </p:sp>
-      <p:sp>
-        <p:nvSpPr>
-          <p:cNvPr id="4" name="Date Placeholder 3">
-            <a:extLst>
-              <a:ext uri="{FF2B5EF4-FFF2-40B4-BE49-F238E27FC236}">
-                <a16:creationId xmlns:a16="http://schemas.microsoft.com/office/drawing/2014/main" id="{3BF837B5-A689-A4DE-F202-CCF2622F2CAB}"/>
-              </a:ext>
-            </a:extLst>
-          </p:cNvPr>
-          <p:cNvSpPr>
-            <a:spLocks noGrp="1"/>
-          </p:cNvSpPr>
-          <p:nvPr>
-            <p:ph type="dt" sz="half" idx="10"/>
-          </p:nvPr>
-        </p:nvSpPr>
-        <p:spPr/>
-        <p:txBody>
-          <a:bodyPr/>
-          <a:lstStyle/>
-          <a:p>
-            <a:fld id="{0F996519-E62D-4F8C-AE1E-36928EC7D15C}" type="datetime1">
-              <a:rPr lang="en-US" smtClean="0"/>
-              <a:t>1/8/2024</a:t>
-            </a:fld>
-            <a:endParaRPr lang="en-US"/>
-          </a:p>
-        </p:txBody>
-      </p:sp>
-      <p:sp>
-        <p:nvSpPr>
-          <p:cNvPr id="5" name="Footer Placeholder 4">
-            <a:extLst>
-              <a:ext uri="{FF2B5EF4-FFF2-40B4-BE49-F238E27FC236}">
-                <a16:creationId xmlns:a16="http://schemas.microsoft.com/office/drawing/2014/main" id="{6D867791-3532-4E95-6370-A14F2396FAD2}"/>
-              </a:ext>
-            </a:extLst>
-          </p:cNvPr>
-          <p:cNvSpPr>
-            <a:spLocks noGrp="1"/>
-          </p:cNvSpPr>
-          <p:nvPr>
-            <p:ph type="ftr" sz="quarter" idx="11"/>
-          </p:nvPr>
-        </p:nvSpPr>
-        <p:spPr/>
-        <p:txBody>
-          <a:bodyPr/>
-          <a:lstStyle/>
-          <a:p>
-            <a:r>
-              <a:rPr lang="en-US"/>
-              <a:t>Sample Footer Text</a:t>
-            </a:r>
-          </a:p>
-        </p:txBody>
-      </p:sp>
-      <p:sp>
-        <p:nvSpPr>
-          <p:cNvPr id="6" name="Slide Number Placeholder 5">
-            <a:extLst>
-              <a:ext uri="{FF2B5EF4-FFF2-40B4-BE49-F238E27FC236}">
-                <a16:creationId xmlns:a16="http://schemas.microsoft.com/office/drawing/2014/main" id="{5DFB4D0C-9253-6599-0C6C-82A5FF144460}"/>
-              </a:ext>
-            </a:extLst>
-          </p:cNvPr>
-          <p:cNvSpPr>
-            <a:spLocks noGrp="1"/>
-          </p:cNvSpPr>
-          <p:nvPr>
-            <p:ph type="sldNum" sz="quarter" idx="12"/>
-          </p:nvPr>
-        </p:nvSpPr>
-        <p:spPr/>
-        <p:txBody>
-          <a:bodyPr/>
-          <a:lstStyle/>
-          <a:p>
-            <a:fld id="{6E91CC32-6A6B-4E2E-BBA1-6864F305DA26}" type="slidenum">
-              <a:rPr lang="en-US" smtClean="0"/>
-              <a:t>12</a:t>
-            </a:fld>
-            <a:endParaRPr lang="en-US"/>
-          </a:p>
-        </p:txBody>
-      </p:sp>
-    </p:spTree>
-    <p:extLst>
-      <p:ext uri="{BB962C8B-B14F-4D97-AF65-F5344CB8AC3E}">
-        <p14:creationId xmlns:p14="http://schemas.microsoft.com/office/powerpoint/2010/main" val="1562973815"/>
-      </p:ext>
-    </p:extLst>
-  </p:cSld>
-  <p:clrMapOvr>
-    <a:masterClrMapping/>
-  </p:clrMapOvr>
-</p:sld>
-</file>
-
-<file path=ppt/slides/slide13.xml><?xml version="1.0" encoding="utf-8"?>
-<p:sld xmlns:a="http://schemas.openxmlformats.org/drawingml/2006/main" xmlns:r="http://schemas.openxmlformats.org/officeDocument/2006/relationships" xmlns:p="http://schemas.openxmlformats.org/presentationml/2006/main">
-  <p:cSld>
-    <p:spTree>
-      <p:nvGrpSpPr>
-        <p:cNvPr id="1" name=""/>
-        <p:cNvGrpSpPr/>
-        <p:nvPr/>
-      </p:nvGrpSpPr>
-      <p:grpSpPr>
-        <a:xfrm>
-          <a:off x="0" y="0"/>
-          <a:ext cx="0" cy="0"/>
-          <a:chOff x="0" y="0"/>
-          <a:chExt cx="0" cy="0"/>
-        </a:xfrm>
-      </p:grpSpPr>
-      <p:sp>
-        <p:nvSpPr>
-          <p:cNvPr id="2" name="Title 1">
-            <a:extLst>
-              <a:ext uri="{FF2B5EF4-FFF2-40B4-BE49-F238E27FC236}">
-                <a16:creationId xmlns:a16="http://schemas.microsoft.com/office/drawing/2014/main" id="{41894FB4-3670-2AC5-CC0F-5760C546C69A}"/>
-              </a:ext>
-            </a:extLst>
-          </p:cNvPr>
-          <p:cNvSpPr>
-            <a:spLocks noGrp="1"/>
-          </p:cNvSpPr>
-          <p:nvPr>
-            <p:ph type="title"/>
-          </p:nvPr>
-        </p:nvSpPr>
-        <p:spPr/>
-        <p:txBody>
-          <a:bodyPr/>
-          <a:lstStyle/>
-          <a:p>
-            <a:endParaRPr lang="en-IN"/>
-          </a:p>
-        </p:txBody>
-      </p:sp>
-      <p:sp>
-        <p:nvSpPr>
-          <p:cNvPr id="3" name="Content Placeholder 2">
-            <a:extLst>
-              <a:ext uri="{FF2B5EF4-FFF2-40B4-BE49-F238E27FC236}">
-                <a16:creationId xmlns:a16="http://schemas.microsoft.com/office/drawing/2014/main" id="{63830608-9F39-FD39-A8EF-3F8F0D515ACA}"/>
-              </a:ext>
-            </a:extLst>
-          </p:cNvPr>
-          <p:cNvSpPr>
-            <a:spLocks noGrp="1"/>
-          </p:cNvSpPr>
-          <p:nvPr>
-            <p:ph idx="1"/>
-          </p:nvPr>
-        </p:nvSpPr>
-        <p:spPr/>
-        <p:txBody>
-          <a:bodyPr/>
-          <a:lstStyle/>
-          <a:p>
-            <a:endParaRPr lang="en-IN"/>
-          </a:p>
-        </p:txBody>
-      </p:sp>
-      <p:sp>
-        <p:nvSpPr>
-          <p:cNvPr id="4" name="Date Placeholder 3">
-            <a:extLst>
-              <a:ext uri="{FF2B5EF4-FFF2-40B4-BE49-F238E27FC236}">
-                <a16:creationId xmlns:a16="http://schemas.microsoft.com/office/drawing/2014/main" id="{0946381B-DEDD-623F-D77D-9012776BE704}"/>
-              </a:ext>
-            </a:extLst>
-          </p:cNvPr>
-          <p:cNvSpPr>
-            <a:spLocks noGrp="1"/>
-          </p:cNvSpPr>
-          <p:nvPr>
-            <p:ph type="dt" sz="half" idx="10"/>
-          </p:nvPr>
-        </p:nvSpPr>
-        <p:spPr/>
-        <p:txBody>
-          <a:bodyPr/>
-          <a:lstStyle/>
-          <a:p>
-            <a:fld id="{0F996519-E62D-4F8C-AE1E-36928EC7D15C}" type="datetime1">
-              <a:rPr lang="en-US" smtClean="0"/>
-              <a:t>1/8/2024</a:t>
-            </a:fld>
-            <a:endParaRPr lang="en-US"/>
-          </a:p>
-        </p:txBody>
-      </p:sp>
-      <p:sp>
-        <p:nvSpPr>
-          <p:cNvPr id="5" name="Footer Placeholder 4">
-            <a:extLst>
-              <a:ext uri="{FF2B5EF4-FFF2-40B4-BE49-F238E27FC236}">
-                <a16:creationId xmlns:a16="http://schemas.microsoft.com/office/drawing/2014/main" id="{707F43B2-113D-28E7-61DD-860A4E2AF361}"/>
-              </a:ext>
-            </a:extLst>
-          </p:cNvPr>
-          <p:cNvSpPr>
-            <a:spLocks noGrp="1"/>
-          </p:cNvSpPr>
-          <p:nvPr>
-            <p:ph type="ftr" sz="quarter" idx="11"/>
-          </p:nvPr>
-        </p:nvSpPr>
-        <p:spPr/>
-        <p:txBody>
-          <a:bodyPr/>
-          <a:lstStyle/>
-          <a:p>
-            <a:r>
-              <a:rPr lang="en-US"/>
-              <a:t>Sample Footer Text</a:t>
-            </a:r>
-          </a:p>
-        </p:txBody>
-      </p:sp>
-      <p:sp>
-        <p:nvSpPr>
-          <p:cNvPr id="6" name="Slide Number Placeholder 5">
-            <a:extLst>
-              <a:ext uri="{FF2B5EF4-FFF2-40B4-BE49-F238E27FC236}">
-                <a16:creationId xmlns:a16="http://schemas.microsoft.com/office/drawing/2014/main" id="{46CCD4EE-2775-6A5C-3B11-47571778E6AE}"/>
-              </a:ext>
-            </a:extLst>
-          </p:cNvPr>
-          <p:cNvSpPr>
-            <a:spLocks noGrp="1"/>
-          </p:cNvSpPr>
-          <p:nvPr>
-            <p:ph type="sldNum" sz="quarter" idx="12"/>
-          </p:nvPr>
-        </p:nvSpPr>
-        <p:spPr/>
-        <p:txBody>
-          <a:bodyPr/>
-          <a:lstStyle/>
-          <a:p>
-            <a:fld id="{6E91CC32-6A6B-4E2E-BBA1-6864F305DA26}" type="slidenum">
-              <a:rPr lang="en-US" smtClean="0"/>
-              <a:t>13</a:t>
-            </a:fld>
-            <a:endParaRPr lang="en-US"/>
-          </a:p>
-        </p:txBody>
-      </p:sp>
-    </p:spTree>
-    <p:extLst>
-      <p:ext uri="{BB962C8B-B14F-4D97-AF65-F5344CB8AC3E}">
-        <p14:creationId xmlns:p14="http://schemas.microsoft.com/office/powerpoint/2010/main" val="819174035"/>
-      </p:ext>
-    </p:extLst>
-  </p:cSld>
-  <p:clrMapOvr>
-    <a:masterClrMapping/>
-  </p:clrMapOvr>
-</p:sld>
-</file>
-
-<file path=ppt/slides/slide2.xml><?xml version="1.0" encoding="utf-8"?>
-<p:sld xmlns:a="http://schemas.openxmlformats.org/drawingml/2006/main" xmlns:r="http://schemas.openxmlformats.org/officeDocument/2006/relationships" xmlns:p="http://schemas.openxmlformats.org/presentationml/2006/main">
-  <p:cSld>
-    <p:spTree>
-      <p:nvGrpSpPr>
-        <p:cNvPr id="1" name=""/>
-        <p:cNvGrpSpPr/>
-        <p:nvPr/>
-      </p:nvGrpSpPr>
-      <p:grpSpPr>
-        <a:xfrm>
-          <a:off x="0" y="0"/>
-          <a:ext cx="0" cy="0"/>
-          <a:chOff x="0" y="0"/>
-          <a:chExt cx="0" cy="0"/>
-        </a:xfrm>
-      </p:grpSpPr>
-      <p:sp>
-        <p:nvSpPr>
-          <p:cNvPr id="2" name="Title 1">
-            <a:extLst>
-              <a:ext uri="{FF2B5EF4-FFF2-40B4-BE49-F238E27FC236}">
-                <a16:creationId xmlns:a16="http://schemas.microsoft.com/office/drawing/2014/main" id="{086197AE-A96C-7B3C-57E1-F23A841E3C4E}"/>
-              </a:ext>
-            </a:extLst>
-          </p:cNvPr>
-          <p:cNvSpPr>
-            <a:spLocks noGrp="1"/>
-          </p:cNvSpPr>
-          <p:nvPr>
-            <p:ph type="ctrTitle"/>
-          </p:nvPr>
-        </p:nvSpPr>
-        <p:spPr>
-          <a:xfrm>
-            <a:off x="312253" y="752136"/>
-            <a:ext cx="3936726" cy="3553163"/>
-          </a:xfrm>
-        </p:spPr>
-        <p:txBody>
-          <a:bodyPr anchor="t">
-            <a:normAutofit/>
-          </a:bodyPr>
-          <a:lstStyle/>
-          <a:p>
-            <a:r>
-              <a:rPr lang="en-US" sz="1900" b="0" i="0">
-                <a:effectLst/>
-              </a:rPr>
-              <a:t>Introduction</a:t>
-            </a:r>
-            <a:br>
-              <a:rPr lang="en-US" sz="1900" b="0" i="0">
-                <a:effectLst/>
-              </a:rPr>
-            </a:br>
-            <a:r>
-              <a:rPr lang="en-US" sz="1900" b="0" i="0">
-                <a:effectLst/>
-              </a:rPr>
-              <a:t>Image: A collage showcasing different types of data - text, code, audio, image, and video</a:t>
-            </a:r>
-            <a:br>
-              <a:rPr lang="en-US" sz="1900" b="0" i="0">
-                <a:effectLst/>
-              </a:rPr>
-            </a:br>
-            <a:r>
-              <a:rPr lang="en-US" sz="1900" b="0" i="0">
-                <a:effectLst/>
-              </a:rPr>
-              <a:t>What is Gemini? Briefly introduce Gemini as a family of multimodal large language models developed by Google DeepMind. Highlight its position as the successor to LaMDA and PaLM 2.</a:t>
-            </a:r>
-            <a:br>
-              <a:rPr lang="en-US" sz="1900" b="0" i="0">
-                <a:effectLst/>
-              </a:rPr>
-            </a:br>
-            <a:endParaRPr lang="en-IN" sz="1900"/>
-          </a:p>
-        </p:txBody>
-      </p:sp>
-      <p:sp>
-        <p:nvSpPr>
-          <p:cNvPr id="17" name="Subtitle 2">
-            <a:extLst>
-              <a:ext uri="{FF2B5EF4-FFF2-40B4-BE49-F238E27FC236}">
-                <a16:creationId xmlns:a16="http://schemas.microsoft.com/office/drawing/2014/main" id="{04C94D4B-2E88-0A95-68EA-01BC1B390F71}"/>
-              </a:ext>
-            </a:extLst>
-          </p:cNvPr>
-          <p:cNvSpPr>
-            <a:spLocks noGrp="1"/>
-          </p:cNvSpPr>
-          <p:nvPr>
-            <p:ph type="subTitle" idx="1"/>
-          </p:nvPr>
-        </p:nvSpPr>
-        <p:spPr>
-          <a:xfrm>
-            <a:off x="312252" y="4762123"/>
-            <a:ext cx="3698627" cy="1257678"/>
-          </a:xfrm>
-        </p:spPr>
-        <p:txBody>
-          <a:bodyPr anchor="b"/>
-          <a:lstStyle/>
-          <a:p>
-            <a:endParaRPr lang="en-US" dirty="0"/>
-          </a:p>
-        </p:txBody>
-      </p:sp>
-      <p:sp>
-        <p:nvSpPr>
-          <p:cNvPr id="4" name="Date Placeholder 3">
-            <a:extLst>
-              <a:ext uri="{FF2B5EF4-FFF2-40B4-BE49-F238E27FC236}">
-                <a16:creationId xmlns:a16="http://schemas.microsoft.com/office/drawing/2014/main" id="{CE0CBBD7-A80F-811D-293A-FEB562FE78DD}"/>
-              </a:ext>
-            </a:extLst>
-          </p:cNvPr>
-          <p:cNvSpPr>
-            <a:spLocks noGrp="1"/>
-          </p:cNvSpPr>
-          <p:nvPr>
-            <p:ph type="dt" sz="half" idx="10"/>
-          </p:nvPr>
-        </p:nvSpPr>
-        <p:spPr/>
-        <p:txBody>
-          <a:bodyPr>
-            <a:normAutofit/>
-          </a:bodyPr>
-          <a:lstStyle/>
-          <a:p>
-            <a:pPr>
-              <a:spcAft>
-                <a:spcPts val="600"/>
-              </a:spcAft>
-            </a:pPr>
-            <a:fld id="{0F996519-E62D-4F8C-AE1E-36928EC7D15C}" type="datetime1">
-              <a:rPr lang="en-US" smtClean="0"/>
-              <a:pPr>
-                <a:spcAft>
-                  <a:spcPts val="600"/>
-                </a:spcAft>
-              </a:pPr>
-              <a:t>1/8/2024</a:t>
-            </a:fld>
-            <a:endParaRPr lang="en-US"/>
-          </a:p>
-        </p:txBody>
-      </p:sp>
-      <p:sp>
-        <p:nvSpPr>
-          <p:cNvPr id="5" name="Footer Placeholder 4">
-            <a:extLst>
-              <a:ext uri="{FF2B5EF4-FFF2-40B4-BE49-F238E27FC236}">
-                <a16:creationId xmlns:a16="http://schemas.microsoft.com/office/drawing/2014/main" id="{6FF52E27-946A-E629-9C6C-0F8356C241DF}"/>
-              </a:ext>
-            </a:extLst>
-          </p:cNvPr>
-          <p:cNvSpPr>
-            <a:spLocks noGrp="1"/>
-          </p:cNvSpPr>
-          <p:nvPr>
-            <p:ph type="ftr" sz="quarter" idx="11"/>
-          </p:nvPr>
-        </p:nvSpPr>
-        <p:spPr/>
-        <p:txBody>
-          <a:bodyPr>
-            <a:normAutofit/>
-          </a:bodyPr>
-          <a:lstStyle/>
-          <a:p>
-            <a:pPr>
-              <a:spcAft>
-                <a:spcPts val="600"/>
-              </a:spcAft>
-            </a:pPr>
-            <a:r>
-              <a:rPr lang="en-US">
-                <a:solidFill>
-                  <a:schemeClr val="bg1"/>
-                </a:solidFill>
-              </a:rPr>
-              <a:t>Sample Footer Text</a:t>
-            </a:r>
-          </a:p>
-        </p:txBody>
-      </p:sp>
-      <p:sp>
-        <p:nvSpPr>
-          <p:cNvPr id="6" name="Slide Number Placeholder 5">
-            <a:extLst>
-              <a:ext uri="{FF2B5EF4-FFF2-40B4-BE49-F238E27FC236}">
-                <a16:creationId xmlns:a16="http://schemas.microsoft.com/office/drawing/2014/main" id="{43D9561A-C48B-C09A-8C2E-D6C1119506B5}"/>
-              </a:ext>
-            </a:extLst>
-          </p:cNvPr>
-          <p:cNvSpPr>
-            <a:spLocks noGrp="1"/>
-          </p:cNvSpPr>
-          <p:nvPr>
-            <p:ph type="sldNum" sz="quarter" idx="12"/>
-          </p:nvPr>
-        </p:nvSpPr>
-        <p:spPr/>
-        <p:txBody>
-          <a:bodyPr>
-            <a:normAutofit/>
-          </a:bodyPr>
-          <a:lstStyle/>
-          <a:p>
-            <a:pPr>
-              <a:spcAft>
-                <a:spcPts val="600"/>
-              </a:spcAft>
-            </a:pPr>
-            <a:fld id="{6E91CC32-6A6B-4E2E-BBA1-6864F305DA26}" type="slidenum">
-              <a:rPr lang="en-US">
-                <a:solidFill>
-                  <a:schemeClr val="bg1"/>
-                </a:solidFill>
-              </a:rPr>
-              <a:pPr>
-                <a:spcAft>
-                  <a:spcPts val="600"/>
-                </a:spcAft>
-              </a:pPr>
-              <a:t>2</a:t>
-            </a:fld>
-            <a:endParaRPr lang="en-US">
-              <a:solidFill>
-                <a:schemeClr val="bg1"/>
-              </a:solidFill>
-            </a:endParaRPr>
-          </a:p>
-        </p:txBody>
-      </p:sp>
-      <p:pic>
-        <p:nvPicPr>
-          <p:cNvPr id="8" name="Picture 7" descr="Sound wave pattern on pixilated monitor">
-            <a:extLst>
-              <a:ext uri="{FF2B5EF4-FFF2-40B4-BE49-F238E27FC236}">
-                <a16:creationId xmlns:a16="http://schemas.microsoft.com/office/drawing/2014/main" id="{DBB9C1E1-0367-9E9F-1734-FAB35EE86B0A}"/>
-              </a:ext>
-            </a:extLst>
-          </p:cNvPr>
-          <p:cNvPicPr>
-            <a:picLocks noChangeAspect="1"/>
-          </p:cNvPicPr>
-          <p:nvPr/>
-        </p:nvPicPr>
-        <p:blipFill rotWithShape="1">
-          <a:blip r:embed="rId2"/>
-          <a:srcRect l="15781" r="24885" b="-1"/>
-          <a:stretch/>
-        </p:blipFill>
-        <p:spPr>
-          <a:xfrm>
-            <a:off x="6272752" y="838200"/>
-            <a:ext cx="4592612" cy="5166683"/>
-          </a:xfrm>
-          <a:prstGeom prst="rect">
-            <a:avLst/>
-          </a:prstGeom>
-          <a:noFill/>
-        </p:spPr>
-      </p:pic>
-    </p:spTree>
-    <p:extLst>
-      <p:ext uri="{BB962C8B-B14F-4D97-AF65-F5344CB8AC3E}">
-        <p14:creationId xmlns:p14="http://schemas.microsoft.com/office/powerpoint/2010/main" val="606856158"/>
-      </p:ext>
-    </p:extLst>
-  </p:cSld>
-  <p:clrMapOvr>
-    <a:masterClrMapping/>
-  </p:clrMapOvr>
-</p:sld>
-</file>
-
 <file path=ppt/slides/slide3.xml><?xml version="1.0" encoding="utf-8"?>
 <p:sld xmlns:a="http://schemas.openxmlformats.org/drawingml/2006/main" xmlns:r="http://schemas.openxmlformats.org/officeDocument/2006/relationships" xmlns:p="http://schemas.openxmlformats.org/presentationml/2006/main">
   <p:cSld>
@@ -5131,96 +5507,26 @@
           <a:chExt cx="0" cy="0"/>
         </a:xfrm>
       </p:grpSpPr>
-      <p:pic>
-        <p:nvPicPr>
-          <p:cNvPr id="8" name="Picture 7" descr="Black and white spheres suspended in mid-air">
-            <a:extLst>
-              <a:ext uri="{FF2B5EF4-FFF2-40B4-BE49-F238E27FC236}">
-                <a16:creationId xmlns:a16="http://schemas.microsoft.com/office/drawing/2014/main" id="{47B13D93-526B-C315-6002-49A2F153A655}"/>
-              </a:ext>
-            </a:extLst>
-          </p:cNvPr>
-          <p:cNvPicPr>
-            <a:picLocks noChangeAspect="1"/>
-          </p:cNvPicPr>
-          <p:nvPr/>
-        </p:nvPicPr>
-        <p:blipFill rotWithShape="1">
-          <a:blip r:embed="rId2"/>
-          <a:srcRect r="2" b="43100"/>
-          <a:stretch/>
-        </p:blipFill>
+      <p:sp>
+        <p:nvSpPr>
+          <p:cNvPr id="2" name="Title 1">
+            <a:extLst>
+              <a:ext uri="{FF2B5EF4-FFF2-40B4-BE49-F238E27FC236}">
+                <a16:creationId xmlns:a16="http://schemas.microsoft.com/office/drawing/2014/main" id="{086197AE-A96C-7B3C-57E1-F23A841E3C4E}"/>
+              </a:ext>
+            </a:extLst>
+          </p:cNvPr>
+          <p:cNvSpPr>
+            <a:spLocks noGrp="1"/>
+          </p:cNvSpPr>
+          <p:nvPr>
+            <p:ph type="ctrTitle"/>
+          </p:nvPr>
+        </p:nvSpPr>
         <p:spPr>
           <a:xfrm>
-            <a:off x="4157001" y="-1"/>
-            <a:ext cx="8035000" cy="6858001"/>
-          </a:xfrm>
-          <a:custGeom>
-            <a:avLst/>
-            <a:gdLst/>
-            <a:ahLst/>
-            <a:cxnLst/>
-            <a:rect l="l" t="t" r="r" b="b"/>
-            <a:pathLst>
-              <a:path w="8035000" h="6858001">
-                <a:moveTo>
-                  <a:pt x="0" y="0"/>
-                </a:moveTo>
-                <a:lnTo>
-                  <a:pt x="8035000" y="0"/>
-                </a:lnTo>
-                <a:lnTo>
-                  <a:pt x="8035000" y="6858001"/>
-                </a:lnTo>
-                <a:lnTo>
-                  <a:pt x="137897" y="6858001"/>
-                </a:lnTo>
-                <a:lnTo>
-                  <a:pt x="274509" y="6844229"/>
-                </a:lnTo>
-                <a:cubicBezTo>
-                  <a:pt x="583423" y="6781017"/>
-                  <a:pt x="815799" y="6507690"/>
-                  <a:pt x="815799" y="6180089"/>
-                </a:cubicBezTo>
-                <a:lnTo>
-                  <a:pt x="815799" y="677915"/>
-                </a:lnTo>
-                <a:cubicBezTo>
-                  <a:pt x="815799" y="303514"/>
-                  <a:pt x="512287" y="2"/>
-                  <a:pt x="137886" y="2"/>
-                </a:cubicBezTo>
-                <a:lnTo>
-                  <a:pt x="0" y="2"/>
-                </a:lnTo>
-                <a:close/>
-              </a:path>
-            </a:pathLst>
-          </a:custGeom>
-          <a:noFill/>
-        </p:spPr>
-      </p:pic>
-      <p:sp>
-        <p:nvSpPr>
-          <p:cNvPr id="2" name="Title 1">
-            <a:extLst>
-              <a:ext uri="{FF2B5EF4-FFF2-40B4-BE49-F238E27FC236}">
-                <a16:creationId xmlns:a16="http://schemas.microsoft.com/office/drawing/2014/main" id="{608C7251-BDC6-18EB-76B2-22077F4671EC}"/>
-              </a:ext>
-            </a:extLst>
-          </p:cNvPr>
-          <p:cNvSpPr>
-            <a:spLocks noGrp="1"/>
-          </p:cNvSpPr>
-          <p:nvPr>
-            <p:ph type="ctrTitle"/>
-          </p:nvPr>
-        </p:nvSpPr>
-        <p:spPr>
-          <a:xfrm>
-            <a:off x="312252" y="752136"/>
-            <a:ext cx="3944703" cy="3553163"/>
+            <a:off x="732129" y="602847"/>
+            <a:ext cx="8402539" cy="3553163"/>
           </a:xfrm>
         </p:spPr>
         <p:txBody>
@@ -5230,192 +5536,33 @@
           <a:lstStyle/>
           <a:p>
             <a:r>
-              <a:rPr lang="en-US" sz="1200" b="0" i="0">
-                <a:effectLst/>
+              <a:rPr lang="en-US" sz="6000" dirty="0">
+                <a:solidFill>
+                  <a:srgbClr val="FFFF00"/>
+                </a:solidFill>
               </a:rPr>
-              <a:t>Unveiling the Trifecta: Gemini Ultra, Pro, and Nano</a:t>
+              <a:t>Introduction</a:t>
             </a:r>
             <a:br>
-              <a:rPr lang="en-US" sz="1200" b="0" i="0">
+              <a:rPr lang="en-US" sz="6000" dirty="0">
+                <a:solidFill>
+                  <a:srgbClr val="FFFF00"/>
+                </a:solidFill>
+              </a:rPr>
+            </a:br>
+            <a:br>
+              <a:rPr lang="en-US" sz="6000" b="0" i="0" dirty="0">
+                <a:solidFill>
+                  <a:srgbClr val="FFFF00"/>
+                </a:solidFill>
                 <a:effectLst/>
               </a:rPr>
             </a:br>
-            <a:r>
-              <a:rPr lang="en-US" sz="1200" b="0" i="0">
-                <a:effectLst/>
-              </a:rPr>
-              <a:t>Image: Three circles representing Gemini Ultra, Pro, and Nano, each with icons indicating their respective strengths</a:t>
-            </a:r>
-            <a:br>
-              <a:rPr lang="en-US" sz="1200" b="0" i="0">
-                <a:effectLst/>
-              </a:rPr>
-            </a:br>
-            <a:r>
-              <a:rPr lang="en-US" sz="1200" b="0" i="0">
-                <a:effectLst/>
-              </a:rPr>
-              <a:t>Explain the three variants of Gemini:</a:t>
-            </a:r>
-            <a:br>
-              <a:rPr lang="en-US" sz="1200" b="0" i="0">
-                <a:effectLst/>
-              </a:rPr>
-            </a:br>
-            <a:r>
-              <a:rPr lang="en-US" sz="1200" b="0" i="0">
-                <a:effectLst/>
-              </a:rPr>
-              <a:t>Ultra: For highly complex tasks, boasting the most capability and size.</a:t>
-            </a:r>
-            <a:br>
-              <a:rPr lang="en-US" sz="1200" b="0" i="0">
-                <a:effectLst/>
-              </a:rPr>
-            </a:br>
-            <a:r>
-              <a:rPr lang="en-US" sz="1200" b="0" i="0">
-                <a:effectLst/>
-              </a:rPr>
-              <a:t>Pro: Best for scaling across a wide range of tasks, offering a balance of power and efficiency.</a:t>
-            </a:r>
-            <a:br>
-              <a:rPr lang="en-US" sz="1200" b="0" i="0">
-                <a:effectLst/>
-              </a:rPr>
-            </a:br>
-            <a:r>
-              <a:rPr lang="en-US" sz="1200" b="0" i="0">
-                <a:effectLst/>
-              </a:rPr>
-              <a:t>Nano: Most efficient model for on-device tasks, designed for lightweight applications.</a:t>
-            </a:r>
-            <a:br>
-              <a:rPr lang="en-US" sz="1200" b="0" i="0">
-                <a:effectLst/>
-              </a:rPr>
-            </a:br>
-            <a:endParaRPr lang="en-IN" sz="1200"/>
-          </a:p>
-        </p:txBody>
-      </p:sp>
-      <p:sp>
-        <p:nvSpPr>
-          <p:cNvPr id="12" name="Subtitle 2">
-            <a:extLst>
-              <a:ext uri="{FF2B5EF4-FFF2-40B4-BE49-F238E27FC236}">
-                <a16:creationId xmlns:a16="http://schemas.microsoft.com/office/drawing/2014/main" id="{04C94D4B-2E88-0A95-68EA-01BC1B390F71}"/>
-              </a:ext>
-            </a:extLst>
-          </p:cNvPr>
-          <p:cNvSpPr>
-            <a:spLocks noGrp="1"/>
-          </p:cNvSpPr>
-          <p:nvPr>
-            <p:ph type="subTitle" idx="1"/>
-          </p:nvPr>
-        </p:nvSpPr>
-        <p:spPr>
-          <a:xfrm>
-            <a:off x="312252" y="4762123"/>
-            <a:ext cx="3698627" cy="1257678"/>
-          </a:xfrm>
-        </p:spPr>
-        <p:txBody>
-          <a:bodyPr anchor="b"/>
-          <a:lstStyle/>
-          <a:p>
-            <a:endParaRPr lang="en-US" dirty="0"/>
-          </a:p>
-        </p:txBody>
-      </p:sp>
-      <p:sp>
-        <p:nvSpPr>
-          <p:cNvPr id="4" name="Date Placeholder 3">
-            <a:extLst>
-              <a:ext uri="{FF2B5EF4-FFF2-40B4-BE49-F238E27FC236}">
-                <a16:creationId xmlns:a16="http://schemas.microsoft.com/office/drawing/2014/main" id="{5BC0E2CD-C6B9-85C0-9A52-F65A19F704B4}"/>
-              </a:ext>
-            </a:extLst>
-          </p:cNvPr>
-          <p:cNvSpPr>
-            <a:spLocks noGrp="1"/>
-          </p:cNvSpPr>
-          <p:nvPr>
-            <p:ph type="dt" sz="half" idx="10"/>
-          </p:nvPr>
-        </p:nvSpPr>
-        <p:spPr>
-          <a:xfrm>
-            <a:off x="340137" y="63202"/>
-            <a:ext cx="2743200" cy="318221"/>
-          </a:xfrm>
-        </p:spPr>
-        <p:txBody>
-          <a:bodyPr>
-            <a:normAutofit/>
-          </a:bodyPr>
-          <a:lstStyle/>
-          <a:p>
-            <a:pPr>
-              <a:spcAft>
-                <a:spcPts val="600"/>
-              </a:spcAft>
-            </a:pPr>
-            <a:fld id="{0F996519-E62D-4F8C-AE1E-36928EC7D15C}" type="datetime1">
-              <a:rPr lang="en-US" smtClean="0"/>
-              <a:pPr>
-                <a:spcAft>
-                  <a:spcPts val="600"/>
-                </a:spcAft>
-              </a:pPr>
-              <a:t>1/8/2024</a:t>
-            </a:fld>
-            <a:endParaRPr lang="en-US"/>
-          </a:p>
-        </p:txBody>
-      </p:sp>
-      <p:sp>
-        <p:nvSpPr>
-          <p:cNvPr id="5" name="Footer Placeholder 4">
-            <a:extLst>
-              <a:ext uri="{FF2B5EF4-FFF2-40B4-BE49-F238E27FC236}">
-                <a16:creationId xmlns:a16="http://schemas.microsoft.com/office/drawing/2014/main" id="{9F5E6310-6215-BA15-83F0-6799ED5ED8C3}"/>
-              </a:ext>
-            </a:extLst>
-          </p:cNvPr>
-          <p:cNvSpPr>
-            <a:spLocks noGrp="1"/>
-          </p:cNvSpPr>
-          <p:nvPr>
-            <p:ph type="ftr" sz="quarter" idx="11"/>
-          </p:nvPr>
-        </p:nvSpPr>
-        <p:spPr>
-          <a:xfrm>
-            <a:off x="7344016" y="6424761"/>
-            <a:ext cx="4059936" cy="365125"/>
-          </a:xfrm>
-        </p:spPr>
-        <p:txBody>
-          <a:bodyPr>
-            <a:normAutofit/>
-          </a:bodyPr>
-          <a:lstStyle/>
-          <a:p>
-            <a:pPr>
-              <a:spcAft>
-                <a:spcPts val="600"/>
-              </a:spcAft>
-            </a:pPr>
-            <a:r>
-              <a:rPr lang="en-US">
-                <a:solidFill>
-                  <a:srgbClr val="FFFFFF"/>
-                </a:solidFill>
-              </a:rPr>
-              <a:t>Sample Footer Text</a:t>
-            </a:r>
+            <a:endParaRPr lang="en-IN" sz="6000" dirty="0">
+              <a:solidFill>
+                <a:srgbClr val="FFFF00"/>
+              </a:solidFill>
+            </a:endParaRPr>
           </a:p>
         </p:txBody>
       </p:sp>
@@ -5424,7 +5571,7 @@
           <p:cNvPr id="6" name="Slide Number Placeholder 5">
             <a:extLst>
               <a:ext uri="{FF2B5EF4-FFF2-40B4-BE49-F238E27FC236}">
-                <a16:creationId xmlns:a16="http://schemas.microsoft.com/office/drawing/2014/main" id="{B36FC6FB-D032-9800-F32A-FA0601529E32}"/>
+                <a16:creationId xmlns:a16="http://schemas.microsoft.com/office/drawing/2014/main" id="{43D9561A-C48B-C09A-8C2E-D6C1119506B5}"/>
               </a:ext>
             </a:extLst>
           </p:cNvPr>
@@ -5435,12 +5582,7 @@
             <p:ph type="sldNum" sz="quarter" idx="12"/>
           </p:nvPr>
         </p:nvSpPr>
-        <p:spPr>
-          <a:xfrm>
-            <a:off x="11403951" y="6425816"/>
-            <a:ext cx="429768" cy="365125"/>
-          </a:xfrm>
-        </p:spPr>
+        <p:spPr/>
         <p:txBody>
           <a:bodyPr>
             <a:normAutofit/>
@@ -5455,7 +5597,7 @@
             <a:fld id="{6E91CC32-6A6B-4E2E-BBA1-6864F305DA26}" type="slidenum">
               <a:rPr lang="en-US">
                 <a:solidFill>
-                  <a:srgbClr val="FFFFFF"/>
+                  <a:schemeClr val="bg1"/>
                 </a:solidFill>
               </a:rPr>
               <a:pPr>
@@ -5467,22 +5609,162 @@
             </a:fld>
             <a:endParaRPr lang="en-US">
               <a:solidFill>
-                <a:srgbClr val="FFFFFF"/>
+                <a:schemeClr val="bg1"/>
               </a:solidFill>
             </a:endParaRPr>
           </a:p>
         </p:txBody>
       </p:sp>
+      <p:sp>
+        <p:nvSpPr>
+          <p:cNvPr id="3" name="TextBox 2">
+            <a:extLst>
+              <a:ext uri="{FF2B5EF4-FFF2-40B4-BE49-F238E27FC236}">
+                <a16:creationId xmlns:a16="http://schemas.microsoft.com/office/drawing/2014/main" id="{1DB72E2D-4A40-081F-806A-011002266367}"/>
+              </a:ext>
+            </a:extLst>
+          </p:cNvPr>
+          <p:cNvSpPr txBox="1"/>
+          <p:nvPr/>
+        </p:nvSpPr>
+        <p:spPr>
+          <a:xfrm>
+            <a:off x="358282" y="1655279"/>
+            <a:ext cx="8160568" cy="4770537"/>
+          </a:xfrm>
+          <a:prstGeom prst="rect">
+            <a:avLst/>
+          </a:prstGeom>
+          <a:noFill/>
+        </p:spPr>
+        <p:txBody>
+          <a:bodyPr wrap="square" rtlCol="0">
+            <a:spAutoFit/>
+          </a:bodyPr>
+          <a:lstStyle/>
+          <a:p>
+            <a:endParaRPr lang="en-US" sz="2800" b="1" dirty="0">
+              <a:solidFill>
+                <a:srgbClr val="21EA06"/>
+              </a:solidFill>
+            </a:endParaRPr>
+          </a:p>
+          <a:p>
+            <a:r>
+              <a:rPr lang="en-US" sz="2800" b="1" dirty="0">
+                <a:solidFill>
+                  <a:srgbClr val="21EA06"/>
+                </a:solidFill>
+              </a:rPr>
+              <a:t>- What is Gemini?</a:t>
+            </a:r>
+          </a:p>
+          <a:p>
+            <a:endParaRPr lang="en-US" sz="2800" dirty="0">
+              <a:solidFill>
+                <a:srgbClr val="FFFF00"/>
+              </a:solidFill>
+            </a:endParaRPr>
+          </a:p>
+          <a:p>
+            <a:r>
+              <a:rPr lang="en-US" sz="2800" dirty="0"/>
+              <a:t>  </a:t>
+            </a:r>
+            <a:r>
+              <a:rPr lang="en-US" sz="2400" dirty="0"/>
+              <a:t>- Gemini is a family of multimodal large language models developed by Google DeepMind</a:t>
+            </a:r>
+          </a:p>
+          <a:p>
+            <a:endParaRPr lang="en-US" sz="2400" dirty="0"/>
+          </a:p>
+          <a:p>
+            <a:r>
+              <a:rPr lang="en-US" sz="2400" dirty="0"/>
+              <a:t>  - Gemini can understand and generate natural language across different modalities, such as text, speech, and vision</a:t>
+            </a:r>
+          </a:p>
+          <a:p>
+            <a:endParaRPr lang="en-US" sz="2400" dirty="0"/>
+          </a:p>
+          <a:p>
+            <a:r>
+              <a:rPr lang="en-US" sz="2400" dirty="0"/>
+              <a:t>  - Gemini is the successor to </a:t>
+            </a:r>
+            <a:r>
+              <a:rPr lang="en-US" sz="2400" dirty="0" err="1"/>
+              <a:t>LaMDA</a:t>
+            </a:r>
+            <a:r>
+              <a:rPr lang="en-US" sz="2400" dirty="0"/>
+              <a:t> and </a:t>
+            </a:r>
+            <a:r>
+              <a:rPr lang="en-US" sz="2400" dirty="0" err="1"/>
+              <a:t>PaLM</a:t>
+            </a:r>
+            <a:r>
+              <a:rPr lang="en-US" sz="2400" dirty="0"/>
+              <a:t> 2  (SOTA)</a:t>
+            </a:r>
+            <a:endParaRPr lang="en-IN" sz="2400" dirty="0"/>
+          </a:p>
+        </p:txBody>
+      </p:sp>
+      <p:pic>
+        <p:nvPicPr>
+          <p:cNvPr id="10" name="Picture 9">
+            <a:extLst>
+              <a:ext uri="{FF2B5EF4-FFF2-40B4-BE49-F238E27FC236}">
+                <a16:creationId xmlns:a16="http://schemas.microsoft.com/office/drawing/2014/main" id="{A3199D71-C6C9-7FB8-99A5-10F5FA29424F}"/>
+              </a:ext>
+            </a:extLst>
+          </p:cNvPr>
+          <p:cNvPicPr>
+            <a:picLocks noChangeAspect="1"/>
+          </p:cNvPicPr>
+          <p:nvPr/>
+        </p:nvPicPr>
+        <p:blipFill>
+          <a:blip r:embed="rId2"/>
+          <a:stretch>
+            <a:fillRect/>
+          </a:stretch>
+        </p:blipFill>
+        <p:spPr>
+          <a:xfrm>
+            <a:off x="8145446" y="2516634"/>
+            <a:ext cx="2726138" cy="4091744"/>
+          </a:xfrm>
+          <a:prstGeom prst="rect">
+            <a:avLst/>
+          </a:prstGeom>
+        </p:spPr>
+      </p:pic>
     </p:spTree>
     <p:extLst>
       <p:ext uri="{BB962C8B-B14F-4D97-AF65-F5344CB8AC3E}">
-        <p14:creationId xmlns:p14="http://schemas.microsoft.com/office/powerpoint/2010/main" val="2179013468"/>
+        <p14:creationId xmlns:p14="http://schemas.microsoft.com/office/powerpoint/2010/main" val="606856158"/>
       </p:ext>
     </p:extLst>
   </p:cSld>
   <p:clrMapOvr>
     <a:masterClrMapping/>
   </p:clrMapOvr>
+  <mc:AlternateContent xmlns:mc="http://schemas.openxmlformats.org/markup-compatibility/2006">
+    <mc:Choice xmlns:p159="http://schemas.microsoft.com/office/powerpoint/2015/09/main" Requires="p159">
+      <p:transition xmlns:p14="http://schemas.microsoft.com/office/powerpoint/2010/main" spd="slow" p14:dur="2000">
+        <p159:morph option="byObject"/>
+      </p:transition>
+    </mc:Choice>
+    <mc:Fallback>
+      <p:transition spd="slow">
+        <p:fade/>
+      </p:transition>
+    </mc:Fallback>
+  </mc:AlternateContent>
 </p:sld>
 </file>
 
@@ -5503,96 +5785,26 @@
           <a:chExt cx="0" cy="0"/>
         </a:xfrm>
       </p:grpSpPr>
-      <p:pic>
-        <p:nvPicPr>
-          <p:cNvPr id="8" name="Picture 7">
-            <a:extLst>
-              <a:ext uri="{FF2B5EF4-FFF2-40B4-BE49-F238E27FC236}">
-                <a16:creationId xmlns:a16="http://schemas.microsoft.com/office/drawing/2014/main" id="{2D1A68C9-265D-7856-D1A8-4B0C69443CAD}"/>
-              </a:ext>
-            </a:extLst>
-          </p:cNvPr>
-          <p:cNvPicPr>
-            <a:picLocks noChangeAspect="1"/>
-          </p:cNvPicPr>
-          <p:nvPr/>
-        </p:nvPicPr>
-        <p:blipFill rotWithShape="1">
-          <a:blip r:embed="rId2"/>
-          <a:srcRect t="12460" r="2" b="2"/>
-          <a:stretch/>
-        </p:blipFill>
+      <p:sp>
+        <p:nvSpPr>
+          <p:cNvPr id="2" name="Title 1">
+            <a:extLst>
+              <a:ext uri="{FF2B5EF4-FFF2-40B4-BE49-F238E27FC236}">
+                <a16:creationId xmlns:a16="http://schemas.microsoft.com/office/drawing/2014/main" id="{086197AE-A96C-7B3C-57E1-F23A841E3C4E}"/>
+              </a:ext>
+            </a:extLst>
+          </p:cNvPr>
+          <p:cNvSpPr>
+            <a:spLocks noGrp="1"/>
+          </p:cNvSpPr>
+          <p:nvPr>
+            <p:ph type="ctrTitle"/>
+          </p:nvPr>
+        </p:nvSpPr>
         <p:spPr>
           <a:xfrm>
-            <a:off x="4157001" y="-1"/>
-            <a:ext cx="8035000" cy="6858001"/>
-          </a:xfrm>
-          <a:custGeom>
-            <a:avLst/>
-            <a:gdLst/>
-            <a:ahLst/>
-            <a:cxnLst/>
-            <a:rect l="l" t="t" r="r" b="b"/>
-            <a:pathLst>
-              <a:path w="8035000" h="6858001">
-                <a:moveTo>
-                  <a:pt x="0" y="0"/>
-                </a:moveTo>
-                <a:lnTo>
-                  <a:pt x="8035000" y="0"/>
-                </a:lnTo>
-                <a:lnTo>
-                  <a:pt x="8035000" y="6858001"/>
-                </a:lnTo>
-                <a:lnTo>
-                  <a:pt x="137897" y="6858001"/>
-                </a:lnTo>
-                <a:lnTo>
-                  <a:pt x="274509" y="6844229"/>
-                </a:lnTo>
-                <a:cubicBezTo>
-                  <a:pt x="583423" y="6781017"/>
-                  <a:pt x="815799" y="6507690"/>
-                  <a:pt x="815799" y="6180089"/>
-                </a:cubicBezTo>
-                <a:lnTo>
-                  <a:pt x="815799" y="677915"/>
-                </a:lnTo>
-                <a:cubicBezTo>
-                  <a:pt x="815799" y="303514"/>
-                  <a:pt x="512287" y="2"/>
-                  <a:pt x="137886" y="2"/>
-                </a:cubicBezTo>
-                <a:lnTo>
-                  <a:pt x="0" y="2"/>
-                </a:lnTo>
-                <a:close/>
-              </a:path>
-            </a:pathLst>
-          </a:custGeom>
-          <a:noFill/>
-        </p:spPr>
-      </p:pic>
-      <p:sp>
-        <p:nvSpPr>
-          <p:cNvPr id="2" name="Title 1">
-            <a:extLst>
-              <a:ext uri="{FF2B5EF4-FFF2-40B4-BE49-F238E27FC236}">
-                <a16:creationId xmlns:a16="http://schemas.microsoft.com/office/drawing/2014/main" id="{850742A3-0B6C-CF18-505E-CADB2F1D2AFB}"/>
-              </a:ext>
-            </a:extLst>
-          </p:cNvPr>
-          <p:cNvSpPr>
-            <a:spLocks noGrp="1"/>
-          </p:cNvSpPr>
-          <p:nvPr>
-            <p:ph type="ctrTitle"/>
-          </p:nvPr>
-        </p:nvSpPr>
-        <p:spPr>
-          <a:xfrm>
-            <a:off x="312252" y="752136"/>
-            <a:ext cx="3944703" cy="3553163"/>
+            <a:off x="332793" y="249622"/>
+            <a:ext cx="10789298" cy="3553163"/>
           </a:xfrm>
         </p:spPr>
         <p:txBody>
@@ -5602,170 +5814,33 @@
           <a:lstStyle/>
           <a:p>
             <a:r>
-              <a:rPr lang="en-US" sz="1600" b="0" i="0">
-                <a:effectLst/>
+              <a:rPr lang="en-US" sz="6000" dirty="0">
+                <a:solidFill>
+                  <a:srgbClr val="FFFF00"/>
+                </a:solidFill>
               </a:rPr>
-              <a:t>Multimodality at its Core</a:t>
+              <a:t>What’s special about Gemini?</a:t>
             </a:r>
             <a:br>
-              <a:rPr lang="en-US" sz="1600" b="0" i="0">
+              <a:rPr lang="en-US" sz="6000" dirty="0">
+                <a:solidFill>
+                  <a:srgbClr val="FFFF00"/>
+                </a:solidFill>
+              </a:rPr>
+            </a:br>
+            <a:br>
+              <a:rPr lang="en-US" sz="6000" b="0" i="0" dirty="0">
+                <a:solidFill>
+                  <a:srgbClr val="FFFF00"/>
+                </a:solidFill>
                 <a:effectLst/>
               </a:rPr>
             </a:br>
-            <a:r>
-              <a:rPr lang="en-US" sz="1600" b="0" i="0">
-                <a:effectLst/>
-              </a:rPr>
-              <a:t>Image: A diagram illustrating how Gemini seamlessly integrates and processes different types of data</a:t>
-            </a:r>
-            <a:br>
-              <a:rPr lang="en-US" sz="1600" b="0" i="0">
-                <a:effectLst/>
-              </a:rPr>
-            </a:br>
-            <a:r>
-              <a:rPr lang="en-US" sz="1600" b="0" i="0">
-                <a:effectLst/>
-              </a:rPr>
-              <a:t>Emphasize Gemini's ability to understand, operate across, and combine various information formats, including text, code, audio, image, and video.</a:t>
-            </a:r>
-            <a:br>
-              <a:rPr lang="en-US" sz="1600" b="0" i="0">
-                <a:effectLst/>
-              </a:rPr>
-            </a:br>
-            <a:r>
-              <a:rPr lang="en-US" sz="1600" b="0" i="0">
-                <a:effectLst/>
-              </a:rPr>
-              <a:t>Briefly explain how this enables tasks like reasoning visually across languages.</a:t>
-            </a:r>
-            <a:br>
-              <a:rPr lang="en-US" sz="1600" b="0" i="0">
-                <a:effectLst/>
-              </a:rPr>
-            </a:br>
-            <a:endParaRPr lang="en-IN" sz="1600"/>
-          </a:p>
-        </p:txBody>
-      </p:sp>
-      <p:sp>
-        <p:nvSpPr>
-          <p:cNvPr id="12" name="Subtitle 2">
-            <a:extLst>
-              <a:ext uri="{FF2B5EF4-FFF2-40B4-BE49-F238E27FC236}">
-                <a16:creationId xmlns:a16="http://schemas.microsoft.com/office/drawing/2014/main" id="{04C94D4B-2E88-0A95-68EA-01BC1B390F71}"/>
-              </a:ext>
-            </a:extLst>
-          </p:cNvPr>
-          <p:cNvSpPr>
-            <a:spLocks noGrp="1"/>
-          </p:cNvSpPr>
-          <p:nvPr>
-            <p:ph type="subTitle" idx="1"/>
-          </p:nvPr>
-        </p:nvSpPr>
-        <p:spPr>
-          <a:xfrm>
-            <a:off x="312252" y="4762123"/>
-            <a:ext cx="3698627" cy="1257678"/>
-          </a:xfrm>
-        </p:spPr>
-        <p:txBody>
-          <a:bodyPr anchor="b"/>
-          <a:lstStyle/>
-          <a:p>
-            <a:endParaRPr lang="en-US" dirty="0"/>
-          </a:p>
-        </p:txBody>
-      </p:sp>
-      <p:sp>
-        <p:nvSpPr>
-          <p:cNvPr id="4" name="Date Placeholder 3">
-            <a:extLst>
-              <a:ext uri="{FF2B5EF4-FFF2-40B4-BE49-F238E27FC236}">
-                <a16:creationId xmlns:a16="http://schemas.microsoft.com/office/drawing/2014/main" id="{ACBEB3A4-68DD-8F7C-4E9D-EE73A7E8A449}"/>
-              </a:ext>
-            </a:extLst>
-          </p:cNvPr>
-          <p:cNvSpPr>
-            <a:spLocks noGrp="1"/>
-          </p:cNvSpPr>
-          <p:nvPr>
-            <p:ph type="dt" sz="half" idx="10"/>
-          </p:nvPr>
-        </p:nvSpPr>
-        <p:spPr>
-          <a:xfrm>
-            <a:off x="340137" y="63202"/>
-            <a:ext cx="2743200" cy="318221"/>
-          </a:xfrm>
-        </p:spPr>
-        <p:txBody>
-          <a:bodyPr>
-            <a:normAutofit/>
-          </a:bodyPr>
-          <a:lstStyle/>
-          <a:p>
-            <a:pPr>
-              <a:spcAft>
-                <a:spcPts val="600"/>
-              </a:spcAft>
-            </a:pPr>
-            <a:fld id="{0F996519-E62D-4F8C-AE1E-36928EC7D15C}" type="datetime1">
-              <a:rPr lang="en-US" smtClean="0"/>
-              <a:pPr>
-                <a:spcAft>
-                  <a:spcPts val="600"/>
-                </a:spcAft>
-              </a:pPr>
-              <a:t>1/8/2024</a:t>
-            </a:fld>
-            <a:endParaRPr lang="en-US"/>
-          </a:p>
-        </p:txBody>
-      </p:sp>
-      <p:sp>
-        <p:nvSpPr>
-          <p:cNvPr id="5" name="Footer Placeholder 4">
-            <a:extLst>
-              <a:ext uri="{FF2B5EF4-FFF2-40B4-BE49-F238E27FC236}">
-                <a16:creationId xmlns:a16="http://schemas.microsoft.com/office/drawing/2014/main" id="{D49258C8-E26D-4FFD-2BF8-15BF28676454}"/>
-              </a:ext>
-            </a:extLst>
-          </p:cNvPr>
-          <p:cNvSpPr>
-            <a:spLocks noGrp="1"/>
-          </p:cNvSpPr>
-          <p:nvPr>
-            <p:ph type="ftr" sz="quarter" idx="11"/>
-          </p:nvPr>
-        </p:nvSpPr>
-        <p:spPr>
-          <a:xfrm>
-            <a:off x="7344016" y="6424761"/>
-            <a:ext cx="4059936" cy="365125"/>
-          </a:xfrm>
-        </p:spPr>
-        <p:txBody>
-          <a:bodyPr>
-            <a:normAutofit/>
-          </a:bodyPr>
-          <a:lstStyle/>
-          <a:p>
-            <a:pPr>
-              <a:spcAft>
-                <a:spcPts val="600"/>
-              </a:spcAft>
-            </a:pPr>
-            <a:r>
-              <a:rPr lang="en-US">
-                <a:solidFill>
-                  <a:srgbClr val="FFFFFF"/>
-                </a:solidFill>
-              </a:rPr>
-              <a:t>Sample Footer Text</a:t>
-            </a:r>
+            <a:endParaRPr lang="en-IN" sz="6000" dirty="0">
+              <a:solidFill>
+                <a:srgbClr val="FFFF00"/>
+              </a:solidFill>
+            </a:endParaRPr>
           </a:p>
         </p:txBody>
       </p:sp>
@@ -5774,7 +5849,7 @@
           <p:cNvPr id="6" name="Slide Number Placeholder 5">
             <a:extLst>
               <a:ext uri="{FF2B5EF4-FFF2-40B4-BE49-F238E27FC236}">
-                <a16:creationId xmlns:a16="http://schemas.microsoft.com/office/drawing/2014/main" id="{69EA4681-1132-0331-5ACC-92DE35BCF171}"/>
+                <a16:creationId xmlns:a16="http://schemas.microsoft.com/office/drawing/2014/main" id="{43D9561A-C48B-C09A-8C2E-D6C1119506B5}"/>
               </a:ext>
             </a:extLst>
           </p:cNvPr>
@@ -5785,12 +5860,7 @@
             <p:ph type="sldNum" sz="quarter" idx="12"/>
           </p:nvPr>
         </p:nvSpPr>
-        <p:spPr>
-          <a:xfrm>
-            <a:off x="11403951" y="6425816"/>
-            <a:ext cx="429768" cy="365125"/>
-          </a:xfrm>
-        </p:spPr>
+        <p:spPr/>
         <p:txBody>
           <a:bodyPr>
             <a:normAutofit/>
@@ -5805,7 +5875,7 @@
             <a:fld id="{6E91CC32-6A6B-4E2E-BBA1-6864F305DA26}" type="slidenum">
               <a:rPr lang="en-US">
                 <a:solidFill>
-                  <a:srgbClr val="FFFFFF"/>
+                  <a:schemeClr val="bg1"/>
                 </a:solidFill>
               </a:rPr>
               <a:pPr>
@@ -5817,22 +5887,64 @@
             </a:fld>
             <a:endParaRPr lang="en-US">
               <a:solidFill>
-                <a:srgbClr val="FFFFFF"/>
+                <a:schemeClr val="bg1"/>
               </a:solidFill>
             </a:endParaRPr>
           </a:p>
         </p:txBody>
       </p:sp>
+      <p:pic>
+        <p:nvPicPr>
+          <p:cNvPr id="5" name="Picture 4">
+            <a:extLst>
+              <a:ext uri="{FF2B5EF4-FFF2-40B4-BE49-F238E27FC236}">
+                <a16:creationId xmlns:a16="http://schemas.microsoft.com/office/drawing/2014/main" id="{B3D3C5B3-7575-F6BA-187D-E2BACFD668AE}"/>
+              </a:ext>
+            </a:extLst>
+          </p:cNvPr>
+          <p:cNvPicPr>
+            <a:picLocks noChangeAspect="1"/>
+          </p:cNvPicPr>
+          <p:nvPr/>
+        </p:nvPicPr>
+        <p:blipFill>
+          <a:blip r:embed="rId2"/>
+          <a:stretch>
+            <a:fillRect/>
+          </a:stretch>
+        </p:blipFill>
+        <p:spPr>
+          <a:xfrm>
+            <a:off x="750790" y="2184738"/>
+            <a:ext cx="8775765" cy="4423640"/>
+          </a:xfrm>
+          <a:prstGeom prst="rect">
+            <a:avLst/>
+          </a:prstGeom>
+        </p:spPr>
+      </p:pic>
     </p:spTree>
     <p:extLst>
       <p:ext uri="{BB962C8B-B14F-4D97-AF65-F5344CB8AC3E}">
-        <p14:creationId xmlns:p14="http://schemas.microsoft.com/office/powerpoint/2010/main" val="3039934639"/>
+        <p14:creationId xmlns:p14="http://schemas.microsoft.com/office/powerpoint/2010/main" val="3399782189"/>
       </p:ext>
     </p:extLst>
   </p:cSld>
   <p:clrMapOvr>
     <a:masterClrMapping/>
   </p:clrMapOvr>
+  <mc:AlternateContent xmlns:mc="http://schemas.openxmlformats.org/markup-compatibility/2006">
+    <mc:Choice xmlns:p159="http://schemas.microsoft.com/office/powerpoint/2015/09/main" Requires="p159">
+      <p:transition xmlns:p14="http://schemas.microsoft.com/office/powerpoint/2010/main" spd="slow" p14:dur="2000">
+        <p159:morph option="byObject"/>
+      </p:transition>
+    </mc:Choice>
+    <mc:Fallback>
+      <p:transition spd="slow">
+        <p:fade/>
+      </p:transition>
+    </mc:Fallback>
+  </mc:AlternateContent>
 </p:sld>
 </file>
 
@@ -5858,21 +5970,21 @@
           <p:cNvPr id="2" name="Title 1">
             <a:extLst>
               <a:ext uri="{FF2B5EF4-FFF2-40B4-BE49-F238E27FC236}">
-                <a16:creationId xmlns:a16="http://schemas.microsoft.com/office/drawing/2014/main" id="{34949624-3058-5D2E-DA0F-B1920E015E99}"/>
-              </a:ext>
-            </a:extLst>
-          </p:cNvPr>
-          <p:cNvSpPr>
-            <a:spLocks noGrp="1"/>
-          </p:cNvSpPr>
-          <p:nvPr>
-            <p:ph type="title"/>
+                <a16:creationId xmlns:a16="http://schemas.microsoft.com/office/drawing/2014/main" id="{086197AE-A96C-7B3C-57E1-F23A841E3C4E}"/>
+              </a:ext>
+            </a:extLst>
+          </p:cNvPr>
+          <p:cNvSpPr>
+            <a:spLocks noGrp="1"/>
+          </p:cNvSpPr>
+          <p:nvPr>
+            <p:ph type="ctrTitle"/>
           </p:nvPr>
         </p:nvSpPr>
         <p:spPr>
           <a:xfrm>
-            <a:off x="308389" y="750626"/>
-            <a:ext cx="5015852" cy="1805607"/>
+            <a:off x="340137" y="397574"/>
+            <a:ext cx="7842810" cy="3553163"/>
           </a:xfrm>
         </p:spPr>
         <p:txBody>
@@ -5882,119 +5994,38 @@
           <a:lstStyle/>
           <a:p>
             <a:r>
-              <a:rPr lang="en-US" sz="1100" b="0" i="0">
-                <a:effectLst/>
+              <a:rPr lang="en-US" sz="6000" dirty="0">
+                <a:solidFill>
+                  <a:srgbClr val="FFFF00"/>
+                </a:solidFill>
               </a:rPr>
-              <a:t>Beyond Text Generation: A Spectrum of Capabilities</a:t>
-            </a:r>
-            <a:br>
-              <a:rPr lang="en-US" sz="1100" b="0" i="0">
-                <a:effectLst/>
-              </a:rPr>
-            </a:br>
-            <a:r>
-              <a:rPr lang="en-US" sz="1100" b="0" i="0">
-                <a:effectLst/>
-              </a:rPr>
-              <a:t>Images: Icons representing different capabilities - translation, code generation, image captioning, video summarization, etc.</a:t>
-            </a:r>
-            <a:br>
-              <a:rPr lang="en-US" sz="1100" b="0" i="0">
-                <a:effectLst/>
-              </a:rPr>
-            </a:br>
-            <a:r>
-              <a:rPr lang="en-US" sz="1100" b="0" i="0">
-                <a:effectLst/>
-              </a:rPr>
-              <a:t>Showcase Gemini's diverse skillset beyond text generation, including:</a:t>
-            </a:r>
-            <a:br>
-              <a:rPr lang="en-US" sz="1100" b="0" i="0">
-                <a:effectLst/>
-              </a:rPr>
-            </a:br>
-            <a:r>
-              <a:rPr lang="en-US" sz="1100" b="0" i="0">
-                <a:effectLst/>
-              </a:rPr>
-              <a:t>Translation between languages.</a:t>
-            </a:r>
-            <a:br>
-              <a:rPr lang="en-US" sz="1100" b="0" i="0">
-                <a:effectLst/>
-              </a:rPr>
-            </a:br>
-            <a:r>
-              <a:rPr lang="en-US" sz="1100" b="0" i="0">
-                <a:effectLst/>
-              </a:rPr>
-              <a:t>Generating code based on natural language descriptions.</a:t>
-            </a:r>
-            <a:br>
-              <a:rPr lang="en-US" sz="1100" b="0" i="0">
-                <a:effectLst/>
-              </a:rPr>
-            </a:br>
-            <a:r>
-              <a:rPr lang="en-US" sz="1100" b="0" i="0">
-                <a:effectLst/>
-              </a:rPr>
-              <a:t>Creating captions for images and videos.</a:t>
-            </a:r>
-            <a:br>
-              <a:rPr lang="en-US" sz="1100" b="0" i="0">
-                <a:effectLst/>
-              </a:rPr>
-            </a:br>
-            <a:r>
-              <a:rPr lang="en-US" sz="1100" b="0" i="0">
-                <a:effectLst/>
-              </a:rPr>
-              <a:t>Summarizing video content.</a:t>
-            </a:r>
-            <a:br>
-              <a:rPr lang="en-US" sz="1100" b="0" i="0">
-                <a:effectLst/>
-              </a:rPr>
-            </a:br>
-            <a:r>
-              <a:rPr lang="en-US" sz="1100" b="0" i="0">
-                <a:effectLst/>
-              </a:rPr>
-              <a:t>Answering questions in an informative way, even if they are open ended, challenging, or strange.</a:t>
-            </a:r>
-            <a:br>
-              <a:rPr lang="en-US" sz="1100" b="0" i="0">
-                <a:effectLst/>
-              </a:rPr>
-            </a:br>
-            <a:endParaRPr lang="en-IN" sz="1100"/>
-          </a:p>
-        </p:txBody>
-      </p:sp>
-      <p:sp>
-        <p:nvSpPr>
-          <p:cNvPr id="4" name="Date Placeholder 3">
-            <a:extLst>
-              <a:ext uri="{FF2B5EF4-FFF2-40B4-BE49-F238E27FC236}">
-                <a16:creationId xmlns:a16="http://schemas.microsoft.com/office/drawing/2014/main" id="{6D9674A8-8829-E27B-588D-4AFEB70C97EE}"/>
-              </a:ext>
-            </a:extLst>
-          </p:cNvPr>
-          <p:cNvSpPr>
-            <a:spLocks noGrp="1"/>
-          </p:cNvSpPr>
-          <p:nvPr>
-            <p:ph type="dt" sz="half" idx="10"/>
-          </p:nvPr>
-        </p:nvSpPr>
-        <p:spPr>
-          <a:xfrm>
-            <a:off x="340137" y="63202"/>
-            <a:ext cx="2743200" cy="318221"/>
-          </a:xfrm>
-        </p:spPr>
+              <a:t>Gemini Ultra, Pro, and Nano</a:t>
+            </a:r>
+            <a:endParaRPr lang="en-IN" sz="6000" dirty="0">
+              <a:solidFill>
+                <a:srgbClr val="FFFF00"/>
+              </a:solidFill>
+            </a:endParaRPr>
+          </a:p>
+        </p:txBody>
+      </p:sp>
+      <p:sp>
+        <p:nvSpPr>
+          <p:cNvPr id="5" name="Footer Placeholder 4">
+            <a:extLst>
+              <a:ext uri="{FF2B5EF4-FFF2-40B4-BE49-F238E27FC236}">
+                <a16:creationId xmlns:a16="http://schemas.microsoft.com/office/drawing/2014/main" id="{6FF52E27-946A-E629-9C6C-0F8356C241DF}"/>
+              </a:ext>
+            </a:extLst>
+          </p:cNvPr>
+          <p:cNvSpPr>
+            <a:spLocks noGrp="1"/>
+          </p:cNvSpPr>
+          <p:nvPr>
+            <p:ph type="ftr" sz="quarter" idx="11"/>
+          </p:nvPr>
+        </p:nvSpPr>
+        <p:spPr/>
         <p:txBody>
           <a:bodyPr>
             <a:normAutofit/>
@@ -6006,120 +6037,10 @@
                 <a:spcPts val="600"/>
               </a:spcAft>
             </a:pPr>
-            <a:fld id="{0F996519-E62D-4F8C-AE1E-36928EC7D15C}" type="datetime1">
-              <a:rPr lang="en-US" smtClean="0"/>
-              <a:pPr>
-                <a:spcAft>
-                  <a:spcPts val="600"/>
-                </a:spcAft>
-              </a:pPr>
-              <a:t>1/8/2024</a:t>
-            </a:fld>
-            <a:endParaRPr lang="en-US"/>
-          </a:p>
-        </p:txBody>
-      </p:sp>
-      <p:pic>
-        <p:nvPicPr>
-          <p:cNvPr id="8" name="Picture 7" descr="Sphere of mesh and nodes">
-            <a:extLst>
-              <a:ext uri="{FF2B5EF4-FFF2-40B4-BE49-F238E27FC236}">
-                <a16:creationId xmlns:a16="http://schemas.microsoft.com/office/drawing/2014/main" id="{6FC8C824-A380-6182-4E47-590B5EAC6E65}"/>
-              </a:ext>
-            </a:extLst>
-          </p:cNvPr>
-          <p:cNvPicPr>
-            <a:picLocks noChangeAspect="1"/>
-          </p:cNvPicPr>
-          <p:nvPr/>
-        </p:nvPicPr>
-        <p:blipFill rotWithShape="1">
-          <a:blip r:embed="rId2"/>
-          <a:srcRect l="32161" r="1172"/>
-          <a:stretch/>
-        </p:blipFill>
-        <p:spPr>
-          <a:xfrm>
-            <a:off x="6096000" y="10"/>
-            <a:ext cx="6096000" cy="6857990"/>
-          </a:xfrm>
-          <a:custGeom>
-            <a:avLst/>
-            <a:gdLst/>
-            <a:ahLst/>
-            <a:cxnLst/>
-            <a:rect l="l" t="t" r="r" b="b"/>
-            <a:pathLst>
-              <a:path w="6096000" h="6858000">
-                <a:moveTo>
-                  <a:pt x="677913" y="0"/>
-                </a:moveTo>
-                <a:lnTo>
-                  <a:pt x="6096000" y="0"/>
-                </a:lnTo>
-                <a:lnTo>
-                  <a:pt x="6096000" y="6858000"/>
-                </a:lnTo>
-                <a:lnTo>
-                  <a:pt x="677913" y="6858000"/>
-                </a:lnTo>
-                <a:cubicBezTo>
-                  <a:pt x="303512" y="6858000"/>
-                  <a:pt x="0" y="6554488"/>
-                  <a:pt x="0" y="6180087"/>
-                </a:cubicBezTo>
-                <a:lnTo>
-                  <a:pt x="0" y="677913"/>
-                </a:lnTo>
-                <a:cubicBezTo>
-                  <a:pt x="0" y="303512"/>
-                  <a:pt x="303512" y="0"/>
-                  <a:pt x="677913" y="0"/>
-                </a:cubicBezTo>
-                <a:close/>
-              </a:path>
-            </a:pathLst>
-          </a:custGeom>
-          <a:noFill/>
-        </p:spPr>
-      </p:pic>
-      <p:sp>
-        <p:nvSpPr>
-          <p:cNvPr id="5" name="Footer Placeholder 4">
-            <a:extLst>
-              <a:ext uri="{FF2B5EF4-FFF2-40B4-BE49-F238E27FC236}">
-                <a16:creationId xmlns:a16="http://schemas.microsoft.com/office/drawing/2014/main" id="{2A7514E9-4601-B0D6-7050-C584B64D0E4C}"/>
-              </a:ext>
-            </a:extLst>
-          </p:cNvPr>
-          <p:cNvSpPr>
-            <a:spLocks noGrp="1"/>
-          </p:cNvSpPr>
-          <p:nvPr>
-            <p:ph type="ftr" sz="quarter" idx="11"/>
-          </p:nvPr>
-        </p:nvSpPr>
-        <p:spPr>
-          <a:xfrm>
-            <a:off x="7344016" y="6424761"/>
-            <a:ext cx="4059936" cy="365125"/>
-          </a:xfrm>
-        </p:spPr>
-        <p:txBody>
-          <a:bodyPr>
-            <a:normAutofit/>
-          </a:bodyPr>
-          <a:lstStyle/>
-          <a:p>
-            <a:pPr>
-              <a:spcAft>
-                <a:spcPts val="600"/>
-              </a:spcAft>
-            </a:pPr>
             <a:r>
               <a:rPr lang="en-US">
                 <a:solidFill>
-                  <a:srgbClr val="FFFFFF"/>
+                  <a:schemeClr val="bg1"/>
                 </a:solidFill>
               </a:rPr>
               <a:t>Sample Footer Text</a:t>
@@ -6132,7 +6053,7 @@
           <p:cNvPr id="6" name="Slide Number Placeholder 5">
             <a:extLst>
               <a:ext uri="{FF2B5EF4-FFF2-40B4-BE49-F238E27FC236}">
-                <a16:creationId xmlns:a16="http://schemas.microsoft.com/office/drawing/2014/main" id="{6E0193B9-228F-3378-81D2-381157605466}"/>
+                <a16:creationId xmlns:a16="http://schemas.microsoft.com/office/drawing/2014/main" id="{43D9561A-C48B-C09A-8C2E-D6C1119506B5}"/>
               </a:ext>
             </a:extLst>
           </p:cNvPr>
@@ -6143,12 +6064,7 @@
             <p:ph type="sldNum" sz="quarter" idx="12"/>
           </p:nvPr>
         </p:nvSpPr>
-        <p:spPr>
-          <a:xfrm>
-            <a:off x="11403951" y="6425816"/>
-            <a:ext cx="429768" cy="365125"/>
-          </a:xfrm>
-        </p:spPr>
+        <p:spPr/>
         <p:txBody>
           <a:bodyPr>
             <a:normAutofit/>
@@ -6163,7 +6079,7 @@
             <a:fld id="{6E91CC32-6A6B-4E2E-BBA1-6864F305DA26}" type="slidenum">
               <a:rPr lang="en-US">
                 <a:solidFill>
-                  <a:srgbClr val="FFFFFF"/>
+                  <a:schemeClr val="bg1"/>
                 </a:solidFill>
               </a:rPr>
               <a:pPr>
@@ -6175,22 +6091,120 @@
             </a:fld>
             <a:endParaRPr lang="en-US">
               <a:solidFill>
-                <a:srgbClr val="FFFFFF"/>
+                <a:schemeClr val="bg1"/>
               </a:solidFill>
             </a:endParaRPr>
+          </a:p>
+        </p:txBody>
+      </p:sp>
+      <p:sp>
+        <p:nvSpPr>
+          <p:cNvPr id="3" name="TextBox 2">
+            <a:extLst>
+              <a:ext uri="{FF2B5EF4-FFF2-40B4-BE49-F238E27FC236}">
+                <a16:creationId xmlns:a16="http://schemas.microsoft.com/office/drawing/2014/main" id="{1DB72E2D-4A40-081F-806A-011002266367}"/>
+              </a:ext>
+            </a:extLst>
+          </p:cNvPr>
+          <p:cNvSpPr txBox="1"/>
+          <p:nvPr/>
+        </p:nvSpPr>
+        <p:spPr>
+          <a:xfrm>
+            <a:off x="246831" y="2267673"/>
+            <a:ext cx="10091487" cy="4339650"/>
+          </a:xfrm>
+          <a:prstGeom prst="rect">
+            <a:avLst/>
+          </a:prstGeom>
+          <a:noFill/>
+        </p:spPr>
+        <p:txBody>
+          <a:bodyPr wrap="square" rtlCol="0">
+            <a:spAutoFit/>
+          </a:bodyPr>
+          <a:lstStyle/>
+          <a:p>
+            <a:r>
+              <a:rPr lang="en-US" sz="2400" dirty="0"/>
+              <a:t>- Three innovative models of Gemini, each tailored for different needs and scenarios</a:t>
+            </a:r>
+          </a:p>
+          <a:p>
+            <a:endParaRPr lang="en-US" sz="2400" dirty="0"/>
+          </a:p>
+          <a:p>
+            <a:r>
+              <a:rPr lang="en-US" sz="2800" b="1" dirty="0">
+                <a:solidFill>
+                  <a:srgbClr val="21EA06"/>
+                </a:solidFill>
+              </a:rPr>
+              <a:t>- Gemini Ultra: </a:t>
+            </a:r>
+            <a:r>
+              <a:rPr lang="en-US" sz="2400" dirty="0"/>
+              <a:t>The ultimate solution for complex and demanding tasks, with the highest performance and capacity</a:t>
+            </a:r>
+          </a:p>
+          <a:p>
+            <a:endParaRPr lang="en-US" sz="2400" dirty="0"/>
+          </a:p>
+          <a:p>
+            <a:r>
+              <a:rPr lang="en-US" sz="2800" b="1" dirty="0">
+                <a:solidFill>
+                  <a:srgbClr val="21EA06"/>
+                </a:solidFill>
+              </a:rPr>
+              <a:t>- Gemini Pro: </a:t>
+            </a:r>
+            <a:r>
+              <a:rPr lang="en-US" sz="2400" dirty="0"/>
+              <a:t>The versatile solution for diverse and scalable tasks, with a balanced trade-off between power and efficiency</a:t>
+            </a:r>
+          </a:p>
+          <a:p>
+            <a:endParaRPr lang="en-US" sz="2400" dirty="0"/>
+          </a:p>
+          <a:p>
+            <a:r>
+              <a:rPr lang="en-US" sz="2800" b="1" dirty="0">
+                <a:solidFill>
+                  <a:srgbClr val="21EA06"/>
+                </a:solidFill>
+              </a:rPr>
+              <a:t>- Gemini Nano: </a:t>
+            </a:r>
+            <a:r>
+              <a:rPr lang="en-US" sz="2400" dirty="0"/>
+              <a:t>The efficient solution for simple and on-device tasks, with a minimal footprint and low energy consumption</a:t>
+            </a:r>
           </a:p>
         </p:txBody>
       </p:sp>
     </p:spTree>
     <p:extLst>
       <p:ext uri="{BB962C8B-B14F-4D97-AF65-F5344CB8AC3E}">
-        <p14:creationId xmlns:p14="http://schemas.microsoft.com/office/powerpoint/2010/main" val="1012923863"/>
+        <p14:creationId xmlns:p14="http://schemas.microsoft.com/office/powerpoint/2010/main" val="965951860"/>
       </p:ext>
     </p:extLst>
   </p:cSld>
   <p:clrMapOvr>
     <a:masterClrMapping/>
   </p:clrMapOvr>
+  <mc:AlternateContent xmlns:mc="http://schemas.openxmlformats.org/markup-compatibility/2006">
+    <mc:Choice xmlns:p159="http://schemas.microsoft.com/office/powerpoint/2015/09/main" Requires="p159">
+      <p:transition xmlns:p14="http://schemas.microsoft.com/office/powerpoint/2010/main" spd="slow" p14:dur="2000">
+        <p159:morph option="byObject"/>
+      </p:transition>
+    </mc:Choice>
+    <mc:Fallback>
+      <p:transition spd="slow">
+        <p:fade/>
+      </p:transition>
+    </mc:Fallback>
+  </mc:AlternateContent>
 </p:sld>
 </file>
 
@@ -6211,96 +6225,26 @@
           <a:chExt cx="0" cy="0"/>
         </a:xfrm>
       </p:grpSpPr>
-      <p:pic>
-        <p:nvPicPr>
-          <p:cNvPr id="8" name="Picture 7" descr="Wi-Fi logo art">
-            <a:extLst>
-              <a:ext uri="{FF2B5EF4-FFF2-40B4-BE49-F238E27FC236}">
-                <a16:creationId xmlns:a16="http://schemas.microsoft.com/office/drawing/2014/main" id="{82DAE1A9-3528-8644-40B2-101360706797}"/>
-              </a:ext>
-            </a:extLst>
-          </p:cNvPr>
-          <p:cNvPicPr>
-            <a:picLocks noChangeAspect="1"/>
-          </p:cNvPicPr>
-          <p:nvPr/>
-        </p:nvPicPr>
-        <p:blipFill rotWithShape="1">
-          <a:blip r:embed="rId2"/>
-          <a:srcRect l="9650" r="8336" b="1"/>
-          <a:stretch/>
-        </p:blipFill>
+      <p:sp>
+        <p:nvSpPr>
+          <p:cNvPr id="2" name="Title 1">
+            <a:extLst>
+              <a:ext uri="{FF2B5EF4-FFF2-40B4-BE49-F238E27FC236}">
+                <a16:creationId xmlns:a16="http://schemas.microsoft.com/office/drawing/2014/main" id="{086197AE-A96C-7B3C-57E1-F23A841E3C4E}"/>
+              </a:ext>
+            </a:extLst>
+          </p:cNvPr>
+          <p:cNvSpPr>
+            <a:spLocks noGrp="1"/>
+          </p:cNvSpPr>
+          <p:nvPr>
+            <p:ph type="ctrTitle"/>
+          </p:nvPr>
+        </p:nvSpPr>
         <p:spPr>
           <a:xfrm>
-            <a:off x="4157001" y="-1"/>
-            <a:ext cx="8035000" cy="6858001"/>
-          </a:xfrm>
-          <a:custGeom>
-            <a:avLst/>
-            <a:gdLst/>
-            <a:ahLst/>
-            <a:cxnLst/>
-            <a:rect l="l" t="t" r="r" b="b"/>
-            <a:pathLst>
-              <a:path w="8035000" h="6858001">
-                <a:moveTo>
-                  <a:pt x="0" y="0"/>
-                </a:moveTo>
-                <a:lnTo>
-                  <a:pt x="8035000" y="0"/>
-                </a:lnTo>
-                <a:lnTo>
-                  <a:pt x="8035000" y="6858001"/>
-                </a:lnTo>
-                <a:lnTo>
-                  <a:pt x="137897" y="6858001"/>
-                </a:lnTo>
-                <a:lnTo>
-                  <a:pt x="274509" y="6844229"/>
-                </a:lnTo>
-                <a:cubicBezTo>
-                  <a:pt x="583423" y="6781017"/>
-                  <a:pt x="815799" y="6507690"/>
-                  <a:pt x="815799" y="6180089"/>
-                </a:cubicBezTo>
-                <a:lnTo>
-                  <a:pt x="815799" y="677915"/>
-                </a:lnTo>
-                <a:cubicBezTo>
-                  <a:pt x="815799" y="303514"/>
-                  <a:pt x="512287" y="2"/>
-                  <a:pt x="137886" y="2"/>
-                </a:cubicBezTo>
-                <a:lnTo>
-                  <a:pt x="0" y="2"/>
-                </a:lnTo>
-                <a:close/>
-              </a:path>
-            </a:pathLst>
-          </a:custGeom>
-          <a:noFill/>
-        </p:spPr>
-      </p:pic>
-      <p:sp>
-        <p:nvSpPr>
-          <p:cNvPr id="2" name="Title 1">
-            <a:extLst>
-              <a:ext uri="{FF2B5EF4-FFF2-40B4-BE49-F238E27FC236}">
-                <a16:creationId xmlns:a16="http://schemas.microsoft.com/office/drawing/2014/main" id="{6C5DF2F7-F67A-FA8F-8A5D-307CA3779F17}"/>
-              </a:ext>
-            </a:extLst>
-          </p:cNvPr>
-          <p:cNvSpPr>
-            <a:spLocks noGrp="1"/>
-          </p:cNvSpPr>
-          <p:nvPr>
-            <p:ph type="ctrTitle"/>
-          </p:nvPr>
-        </p:nvSpPr>
-        <p:spPr>
-          <a:xfrm>
-            <a:off x="312252" y="752136"/>
-            <a:ext cx="3944703" cy="3553163"/>
+            <a:off x="732129" y="602847"/>
+            <a:ext cx="8402539" cy="3553163"/>
           </a:xfrm>
         </p:spPr>
         <p:txBody>
@@ -6310,94 +6254,53 @@
           <a:lstStyle/>
           <a:p>
             <a:r>
-              <a:rPr lang="en-US" sz="1900" b="0" i="0" dirty="0">
-                <a:effectLst/>
+              <a:rPr lang="en-US" sz="6000" dirty="0">
+                <a:solidFill>
+                  <a:srgbClr val="FFFF00"/>
+                </a:solidFill>
               </a:rPr>
-              <a:t>Efficiency and Flexibility: Running Everywhere</a:t>
+              <a:t>Multimodality At Core</a:t>
             </a:r>
             <a:br>
-              <a:rPr lang="en-US" sz="1900" b="0" i="0" dirty="0">
+              <a:rPr lang="en-US" sz="6000" dirty="0">
+                <a:solidFill>
+                  <a:srgbClr val="FFFF00"/>
+                </a:solidFill>
+              </a:rPr>
+            </a:br>
+            <a:br>
+              <a:rPr lang="en-US" sz="6000" b="0" i="0" dirty="0">
+                <a:solidFill>
+                  <a:srgbClr val="FFFF00"/>
+                </a:solidFill>
                 <a:effectLst/>
               </a:rPr>
             </a:br>
-            <a:r>
-              <a:rPr lang="en-US" sz="1900" b="0" i="0" dirty="0">
-                <a:effectLst/>
-              </a:rPr>
-              <a:t>Image: A spectrum showing Gemini running on various devices, from data centers to mobile phones</a:t>
-            </a:r>
-            <a:br>
-              <a:rPr lang="en-US" sz="1900" b="0" i="0" dirty="0">
-                <a:effectLst/>
-              </a:rPr>
-            </a:br>
-            <a:r>
-              <a:rPr lang="en-US" sz="1900" b="0" i="0" dirty="0">
-                <a:effectLst/>
-              </a:rPr>
-              <a:t>Highlight Gemini's flexibility and efficiency, allowing it to run on a wide range of devices, from powerful data centers to resource-constrained mobile phones.</a:t>
-            </a:r>
-            <a:br>
-              <a:rPr lang="en-US" sz="1900" b="0" i="0" dirty="0">
-                <a:effectLst/>
-              </a:rPr>
-            </a:br>
-            <a:endParaRPr lang="en-IN" sz="1900" dirty="0"/>
-          </a:p>
-        </p:txBody>
-      </p:sp>
-      <p:sp>
-        <p:nvSpPr>
-          <p:cNvPr id="12" name="Subtitle 2">
-            <a:extLst>
-              <a:ext uri="{FF2B5EF4-FFF2-40B4-BE49-F238E27FC236}">
-                <a16:creationId xmlns:a16="http://schemas.microsoft.com/office/drawing/2014/main" id="{04C94D4B-2E88-0A95-68EA-01BC1B390F71}"/>
-              </a:ext>
-            </a:extLst>
-          </p:cNvPr>
-          <p:cNvSpPr>
-            <a:spLocks noGrp="1"/>
-          </p:cNvSpPr>
-          <p:nvPr>
-            <p:ph type="subTitle" idx="1"/>
-          </p:nvPr>
-        </p:nvSpPr>
-        <p:spPr>
-          <a:xfrm>
-            <a:off x="312252" y="4762123"/>
-            <a:ext cx="3698627" cy="1257678"/>
-          </a:xfrm>
-        </p:spPr>
-        <p:txBody>
-          <a:bodyPr anchor="b"/>
-          <a:lstStyle/>
-          <a:p>
-            <a:endParaRPr lang="en-US" dirty="0"/>
-          </a:p>
-        </p:txBody>
-      </p:sp>
-      <p:sp>
-        <p:nvSpPr>
-          <p:cNvPr id="4" name="Date Placeholder 3">
-            <a:extLst>
-              <a:ext uri="{FF2B5EF4-FFF2-40B4-BE49-F238E27FC236}">
-                <a16:creationId xmlns:a16="http://schemas.microsoft.com/office/drawing/2014/main" id="{C309CC58-D1BC-68F7-2A20-2E68FC2BADD5}"/>
-              </a:ext>
-            </a:extLst>
-          </p:cNvPr>
-          <p:cNvSpPr>
-            <a:spLocks noGrp="1"/>
-          </p:cNvSpPr>
-          <p:nvPr>
-            <p:ph type="dt" sz="half" idx="10"/>
-          </p:nvPr>
-        </p:nvSpPr>
-        <p:spPr>
-          <a:xfrm>
-            <a:off x="340137" y="63202"/>
-            <a:ext cx="2743200" cy="318221"/>
-          </a:xfrm>
-        </p:spPr>
+            <a:endParaRPr lang="en-IN" sz="6000" dirty="0">
+              <a:solidFill>
+                <a:srgbClr val="FFFF00"/>
+              </a:solidFill>
+            </a:endParaRPr>
+          </a:p>
+        </p:txBody>
+      </p:sp>
+      <p:sp>
+        <p:nvSpPr>
+          <p:cNvPr id="5" name="Footer Placeholder 4">
+            <a:extLst>
+              <a:ext uri="{FF2B5EF4-FFF2-40B4-BE49-F238E27FC236}">
+                <a16:creationId xmlns:a16="http://schemas.microsoft.com/office/drawing/2014/main" id="{6FF52E27-946A-E629-9C6C-0F8356C241DF}"/>
+              </a:ext>
+            </a:extLst>
+          </p:cNvPr>
+          <p:cNvSpPr>
+            <a:spLocks noGrp="1"/>
+          </p:cNvSpPr>
+          <p:nvPr>
+            <p:ph type="ftr" sz="quarter" idx="11"/>
+          </p:nvPr>
+        </p:nvSpPr>
+        <p:spPr/>
         <p:txBody>
           <a:bodyPr>
             <a:normAutofit/>
@@ -6409,56 +6312,10 @@
                 <a:spcPts val="600"/>
               </a:spcAft>
             </a:pPr>
-            <a:fld id="{0F996519-E62D-4F8C-AE1E-36928EC7D15C}" type="datetime1">
-              <a:rPr lang="en-US" smtClean="0"/>
-              <a:pPr>
-                <a:spcAft>
-                  <a:spcPts val="600"/>
-                </a:spcAft>
-              </a:pPr>
-              <a:t>1/8/2024</a:t>
-            </a:fld>
-            <a:endParaRPr lang="en-US"/>
-          </a:p>
-        </p:txBody>
-      </p:sp>
-      <p:sp>
-        <p:nvSpPr>
-          <p:cNvPr id="5" name="Footer Placeholder 4">
-            <a:extLst>
-              <a:ext uri="{FF2B5EF4-FFF2-40B4-BE49-F238E27FC236}">
-                <a16:creationId xmlns:a16="http://schemas.microsoft.com/office/drawing/2014/main" id="{0E02516D-AB87-890E-6A8F-D17927005AAC}"/>
-              </a:ext>
-            </a:extLst>
-          </p:cNvPr>
-          <p:cNvSpPr>
-            <a:spLocks noGrp="1"/>
-          </p:cNvSpPr>
-          <p:nvPr>
-            <p:ph type="ftr" sz="quarter" idx="11"/>
-          </p:nvPr>
-        </p:nvSpPr>
-        <p:spPr>
-          <a:xfrm>
-            <a:off x="7344016" y="6424761"/>
-            <a:ext cx="4059936" cy="365125"/>
-          </a:xfrm>
-        </p:spPr>
-        <p:txBody>
-          <a:bodyPr>
-            <a:normAutofit/>
-          </a:bodyPr>
-          <a:lstStyle/>
-          <a:p>
-            <a:pPr>
-              <a:spcAft>
-                <a:spcPts val="600"/>
-              </a:spcAft>
-            </a:pPr>
             <a:r>
               <a:rPr lang="en-US">
                 <a:solidFill>
-                  <a:srgbClr val="FFFFFF"/>
+                  <a:schemeClr val="bg1"/>
                 </a:solidFill>
               </a:rPr>
               <a:t>Sample Footer Text</a:t>
@@ -6471,7 +6328,7 @@
           <p:cNvPr id="6" name="Slide Number Placeholder 5">
             <a:extLst>
               <a:ext uri="{FF2B5EF4-FFF2-40B4-BE49-F238E27FC236}">
-                <a16:creationId xmlns:a16="http://schemas.microsoft.com/office/drawing/2014/main" id="{BE4D09C0-2EEF-E7F9-04EF-474FF1E5CC19}"/>
+                <a16:creationId xmlns:a16="http://schemas.microsoft.com/office/drawing/2014/main" id="{43D9561A-C48B-C09A-8C2E-D6C1119506B5}"/>
               </a:ext>
             </a:extLst>
           </p:cNvPr>
@@ -6482,12 +6339,7 @@
             <p:ph type="sldNum" sz="quarter" idx="12"/>
           </p:nvPr>
         </p:nvSpPr>
-        <p:spPr>
-          <a:xfrm>
-            <a:off x="11403951" y="6425816"/>
-            <a:ext cx="429768" cy="365125"/>
-          </a:xfrm>
-        </p:spPr>
+        <p:spPr/>
         <p:txBody>
           <a:bodyPr>
             <a:normAutofit/>
@@ -6502,7 +6354,7 @@
             <a:fld id="{6E91CC32-6A6B-4E2E-BBA1-6864F305DA26}" type="slidenum">
               <a:rPr lang="en-US">
                 <a:solidFill>
-                  <a:srgbClr val="FFFFFF"/>
+                  <a:schemeClr val="bg1"/>
                 </a:solidFill>
               </a:rPr>
               <a:pPr>
@@ -6514,22 +6366,109 @@
             </a:fld>
             <a:endParaRPr lang="en-US">
               <a:solidFill>
-                <a:srgbClr val="FFFFFF"/>
+                <a:schemeClr val="bg1"/>
               </a:solidFill>
             </a:endParaRPr>
           </a:p>
         </p:txBody>
       </p:sp>
+      <p:sp>
+        <p:nvSpPr>
+          <p:cNvPr id="3" name="TextBox 2">
+            <a:extLst>
+              <a:ext uri="{FF2B5EF4-FFF2-40B4-BE49-F238E27FC236}">
+                <a16:creationId xmlns:a16="http://schemas.microsoft.com/office/drawing/2014/main" id="{1DB72E2D-4A40-081F-806A-011002266367}"/>
+              </a:ext>
+            </a:extLst>
+          </p:cNvPr>
+          <p:cNvSpPr txBox="1"/>
+          <p:nvPr/>
+        </p:nvSpPr>
+        <p:spPr>
+          <a:xfrm>
+            <a:off x="732129" y="2282221"/>
+            <a:ext cx="5255013" cy="3108543"/>
+          </a:xfrm>
+          <a:prstGeom prst="rect">
+            <a:avLst/>
+          </a:prstGeom>
+          <a:noFill/>
+        </p:spPr>
+        <p:txBody>
+          <a:bodyPr wrap="square" rtlCol="0">
+            <a:spAutoFit/>
+          </a:bodyPr>
+          <a:lstStyle/>
+          <a:p>
+            <a:r>
+              <a:rPr lang="en-US" sz="2800" dirty="0"/>
+              <a:t>- Gemini can understand, operate across, and combine various information formats</a:t>
+            </a:r>
+          </a:p>
+          <a:p>
+            <a:endParaRPr lang="en-US" sz="2800" dirty="0"/>
+          </a:p>
+          <a:p>
+            <a:r>
+              <a:rPr lang="en-US" sz="2800" dirty="0"/>
+              <a:t>- This enables tasks like reasoning visually across languages</a:t>
+            </a:r>
+            <a:endParaRPr lang="en-IN" sz="2400" dirty="0"/>
+          </a:p>
+        </p:txBody>
+      </p:sp>
+      <p:pic>
+        <p:nvPicPr>
+          <p:cNvPr id="7" name="Picture 6">
+            <a:extLst>
+              <a:ext uri="{FF2B5EF4-FFF2-40B4-BE49-F238E27FC236}">
+                <a16:creationId xmlns:a16="http://schemas.microsoft.com/office/drawing/2014/main" id="{E359F44D-4779-E02D-8F9F-DA49FBCDE54D}"/>
+              </a:ext>
+            </a:extLst>
+          </p:cNvPr>
+          <p:cNvPicPr>
+            <a:picLocks noChangeAspect="1"/>
+          </p:cNvPicPr>
+          <p:nvPr/>
+        </p:nvPicPr>
+        <p:blipFill>
+          <a:blip r:embed="rId2"/>
+          <a:stretch>
+            <a:fillRect/>
+          </a:stretch>
+        </p:blipFill>
+        <p:spPr>
+          <a:xfrm>
+            <a:off x="5718931" y="2179497"/>
+            <a:ext cx="6203218" cy="4359018"/>
+          </a:xfrm>
+          <a:prstGeom prst="rect">
+            <a:avLst/>
+          </a:prstGeom>
+        </p:spPr>
+      </p:pic>
     </p:spTree>
     <p:extLst>
       <p:ext uri="{BB962C8B-B14F-4D97-AF65-F5344CB8AC3E}">
-        <p14:creationId xmlns:p14="http://schemas.microsoft.com/office/powerpoint/2010/main" val="1055441006"/>
+        <p14:creationId xmlns:p14="http://schemas.microsoft.com/office/powerpoint/2010/main" val="78089098"/>
       </p:ext>
     </p:extLst>
   </p:cSld>
   <p:clrMapOvr>
     <a:masterClrMapping/>
   </p:clrMapOvr>
+  <mc:AlternateContent xmlns:mc="http://schemas.openxmlformats.org/markup-compatibility/2006">
+    <mc:Choice xmlns:p159="http://schemas.microsoft.com/office/powerpoint/2015/09/main" Requires="p159">
+      <p:transition xmlns:p14="http://schemas.microsoft.com/office/powerpoint/2010/main" spd="slow" p14:dur="2000">
+        <p159:morph option="byObject"/>
+      </p:transition>
+    </mc:Choice>
+    <mc:Fallback>
+      <p:transition spd="slow">
+        <p:fade/>
+      </p:transition>
+    </mc:Fallback>
+  </mc:AlternateContent>
 </p:sld>
 </file>
 
@@ -6555,234 +6494,299 @@
           <p:cNvPr id="2" name="Title 1">
             <a:extLst>
               <a:ext uri="{FF2B5EF4-FFF2-40B4-BE49-F238E27FC236}">
-                <a16:creationId xmlns:a16="http://schemas.microsoft.com/office/drawing/2014/main" id="{ED1DDFAA-155F-6F34-8186-6D44D16499AF}"/>
-              </a:ext>
-            </a:extLst>
-          </p:cNvPr>
-          <p:cNvSpPr>
-            <a:spLocks noGrp="1"/>
-          </p:cNvSpPr>
-          <p:nvPr>
-            <p:ph type="title"/>
+                <a16:creationId xmlns:a16="http://schemas.microsoft.com/office/drawing/2014/main" id="{086197AE-A96C-7B3C-57E1-F23A841E3C4E}"/>
+              </a:ext>
+            </a:extLst>
+          </p:cNvPr>
+          <p:cNvSpPr>
+            <a:spLocks noGrp="1"/>
+          </p:cNvSpPr>
+          <p:nvPr>
+            <p:ph type="ctrTitle"/>
+          </p:nvPr>
+        </p:nvSpPr>
+        <p:spPr>
+          <a:xfrm>
+            <a:off x="330913" y="897115"/>
+            <a:ext cx="10501928" cy="3553163"/>
+          </a:xfrm>
+        </p:spPr>
+        <p:txBody>
+          <a:bodyPr anchor="t">
+            <a:normAutofit/>
+          </a:bodyPr>
+          <a:lstStyle/>
+          <a:p>
+            <a:r>
+              <a:rPr lang="en-US" sz="6000" dirty="0">
+                <a:solidFill>
+                  <a:srgbClr val="FFFF00"/>
+                </a:solidFill>
+              </a:rPr>
+              <a:t>Beyond Text Generation</a:t>
+            </a:r>
+            <a:endParaRPr lang="en-IN" sz="6000" dirty="0">
+              <a:solidFill>
+                <a:srgbClr val="FFFF00"/>
+              </a:solidFill>
+            </a:endParaRPr>
+          </a:p>
+        </p:txBody>
+      </p:sp>
+      <p:sp>
+        <p:nvSpPr>
+          <p:cNvPr id="5" name="Footer Placeholder 4">
+            <a:extLst>
+              <a:ext uri="{FF2B5EF4-FFF2-40B4-BE49-F238E27FC236}">
+                <a16:creationId xmlns:a16="http://schemas.microsoft.com/office/drawing/2014/main" id="{6FF52E27-946A-E629-9C6C-0F8356C241DF}"/>
+              </a:ext>
+            </a:extLst>
+          </p:cNvPr>
+          <p:cNvSpPr>
+            <a:spLocks noGrp="1"/>
+          </p:cNvSpPr>
+          <p:nvPr>
+            <p:ph type="ftr" sz="quarter" idx="11"/>
           </p:nvPr>
         </p:nvSpPr>
         <p:spPr/>
         <p:txBody>
           <a:bodyPr>
-            <a:normAutofit fontScale="90000"/>
+            <a:normAutofit/>
           </a:bodyPr>
           <a:lstStyle/>
           <a:p>
-            <a:r>
-              <a:rPr lang="en-US" b="0" i="0" dirty="0">
+            <a:pPr>
+              <a:spcAft>
+                <a:spcPts val="600"/>
+              </a:spcAft>
+            </a:pPr>
+            <a:r>
+              <a:rPr lang="en-US">
                 <a:solidFill>
-                  <a:srgbClr val="E3E3E3"/>
+                  <a:schemeClr val="bg1"/>
                 </a:solidFill>
-                <a:effectLst/>
-                <a:latin typeface="Google Sans"/>
               </a:rPr>
-              <a:t>Safety First: Unwavering Commitment to Responsible AI</a:t>
-            </a:r>
-            <a:br>
-              <a:rPr lang="en-US" b="0" i="0" dirty="0">
+              <a:t>Sample Footer Text</a:t>
+            </a:r>
+          </a:p>
+        </p:txBody>
+      </p:sp>
+      <p:sp>
+        <p:nvSpPr>
+          <p:cNvPr id="6" name="Slide Number Placeholder 5">
+            <a:extLst>
+              <a:ext uri="{FF2B5EF4-FFF2-40B4-BE49-F238E27FC236}">
+                <a16:creationId xmlns:a16="http://schemas.microsoft.com/office/drawing/2014/main" id="{43D9561A-C48B-C09A-8C2E-D6C1119506B5}"/>
+              </a:ext>
+            </a:extLst>
+          </p:cNvPr>
+          <p:cNvSpPr>
+            <a:spLocks noGrp="1"/>
+          </p:cNvSpPr>
+          <p:nvPr>
+            <p:ph type="sldNum" sz="quarter" idx="12"/>
+          </p:nvPr>
+        </p:nvSpPr>
+        <p:spPr/>
+        <p:txBody>
+          <a:bodyPr>
+            <a:normAutofit/>
+          </a:bodyPr>
+          <a:lstStyle/>
+          <a:p>
+            <a:pPr>
+              <a:spcAft>
+                <a:spcPts val="600"/>
+              </a:spcAft>
+            </a:pPr>
+            <a:fld id="{6E91CC32-6A6B-4E2E-BBA1-6864F305DA26}" type="slidenum">
+              <a:rPr lang="en-US">
                 <a:solidFill>
-                  <a:srgbClr val="E3E3E3"/>
+                  <a:schemeClr val="bg1"/>
                 </a:solidFill>
-                <a:effectLst/>
-                <a:latin typeface="Google Sans"/>
               </a:rPr>
-            </a:br>
-            <a:r>
-              <a:rPr lang="en-US" b="0" i="0" dirty="0">
-                <a:solidFill>
-                  <a:srgbClr val="E3E3E3"/>
-                </a:solidFill>
-                <a:effectLst/>
-                <a:latin typeface="Google Sans"/>
-              </a:rPr>
-              <a:t>Image: A shield icon representing safety and security</a:t>
-            </a:r>
-            <a:br>
-              <a:rPr lang="en-US" b="0" i="0" dirty="0">
-                <a:solidFill>
-                  <a:srgbClr val="E3E3E3"/>
-                </a:solidFill>
-                <a:effectLst/>
-                <a:latin typeface="Google Sans"/>
-              </a:rPr>
-            </a:br>
-            <a:r>
-              <a:rPr lang="en-US" b="0" i="0" dirty="0">
-                <a:solidFill>
-                  <a:srgbClr val="E3E3E3"/>
-                </a:solidFill>
-                <a:effectLst/>
-                <a:latin typeface="Google Sans"/>
-              </a:rPr>
-              <a:t>Underscore Google's commitment to responsible AI development, highlighting Gemini's comprehensive safety evaluations, including bias and toxicity checks.</a:t>
-            </a:r>
-            <a:br>
-              <a:rPr lang="en-US" b="0" i="0" dirty="0">
-                <a:solidFill>
-                  <a:srgbClr val="E3E3E3"/>
-                </a:solidFill>
-                <a:effectLst/>
-                <a:latin typeface="Google Sans"/>
-              </a:rPr>
-            </a:br>
-            <a:r>
-              <a:rPr lang="en-US" b="0" i="0" dirty="0">
-                <a:solidFill>
-                  <a:srgbClr val="E3E3E3"/>
-                </a:solidFill>
-                <a:effectLst/>
-                <a:latin typeface="Google Sans"/>
-              </a:rPr>
-              <a:t>Briefly mention the research into potential risk areas and the application of rigorous testing techniques.</a:t>
-            </a:r>
-            <a:br>
-              <a:rPr lang="en-US" b="0" i="0" dirty="0">
-                <a:solidFill>
-                  <a:srgbClr val="E3E3E3"/>
-                </a:solidFill>
-                <a:effectLst/>
-                <a:latin typeface="Google Sans"/>
-              </a:rPr>
-            </a:br>
-            <a:br>
-              <a:rPr lang="en-US" b="0" i="0" dirty="0">
-                <a:solidFill>
-                  <a:srgbClr val="E3E3E3"/>
-                </a:solidFill>
-                <a:effectLst/>
-                <a:latin typeface="Google Sans"/>
-              </a:rPr>
-            </a:br>
-            <a:endParaRPr lang="en-IN" dirty="0"/>
-          </a:p>
-        </p:txBody>
-      </p:sp>
-      <p:sp>
-        <p:nvSpPr>
-          <p:cNvPr id="3" name="Content Placeholder 2">
-            <a:extLst>
-              <a:ext uri="{FF2B5EF4-FFF2-40B4-BE49-F238E27FC236}">
-                <a16:creationId xmlns:a16="http://schemas.microsoft.com/office/drawing/2014/main" id="{7A93CA10-86F6-7A97-99CE-46508626B1C8}"/>
-              </a:ext>
-            </a:extLst>
-          </p:cNvPr>
-          <p:cNvSpPr>
-            <a:spLocks noGrp="1"/>
-          </p:cNvSpPr>
-          <p:nvPr>
-            <p:ph idx="1"/>
-          </p:nvPr>
-        </p:nvSpPr>
-        <p:spPr/>
-        <p:txBody>
-          <a:bodyPr/>
-          <a:lstStyle/>
-          <a:p>
-            <a:endParaRPr lang="en-IN"/>
-          </a:p>
-        </p:txBody>
-      </p:sp>
-      <p:sp>
-        <p:nvSpPr>
-          <p:cNvPr id="4" name="Date Placeholder 3">
-            <a:extLst>
-              <a:ext uri="{FF2B5EF4-FFF2-40B4-BE49-F238E27FC236}">
-                <a16:creationId xmlns:a16="http://schemas.microsoft.com/office/drawing/2014/main" id="{43FB0CCD-CD02-37F5-B865-B68DA18B6BF6}"/>
-              </a:ext>
-            </a:extLst>
-          </p:cNvPr>
-          <p:cNvSpPr>
-            <a:spLocks noGrp="1"/>
-          </p:cNvSpPr>
-          <p:nvPr>
-            <p:ph type="dt" sz="half" idx="10"/>
-          </p:nvPr>
-        </p:nvSpPr>
-        <p:spPr/>
-        <p:txBody>
-          <a:bodyPr/>
-          <a:lstStyle/>
-          <a:p>
-            <a:fld id="{0F996519-E62D-4F8C-AE1E-36928EC7D15C}" type="datetime1">
-              <a:rPr lang="en-US" smtClean="0"/>
-              <a:t>1/8/2024</a:t>
-            </a:fld>
-            <a:endParaRPr lang="en-US"/>
-          </a:p>
-        </p:txBody>
-      </p:sp>
-      <p:sp>
-        <p:nvSpPr>
-          <p:cNvPr id="5" name="Footer Placeholder 4">
-            <a:extLst>
-              <a:ext uri="{FF2B5EF4-FFF2-40B4-BE49-F238E27FC236}">
-                <a16:creationId xmlns:a16="http://schemas.microsoft.com/office/drawing/2014/main" id="{2F0D9693-F298-60F5-2C67-30A6AB0CA33E}"/>
-              </a:ext>
-            </a:extLst>
-          </p:cNvPr>
-          <p:cNvSpPr>
-            <a:spLocks noGrp="1"/>
-          </p:cNvSpPr>
-          <p:nvPr>
-            <p:ph type="ftr" sz="quarter" idx="11"/>
-          </p:nvPr>
-        </p:nvSpPr>
-        <p:spPr/>
-        <p:txBody>
-          <a:bodyPr/>
-          <a:lstStyle/>
-          <a:p>
-            <a:r>
-              <a:rPr lang="en-US"/>
-              <a:t>Sample Footer Text</a:t>
-            </a:r>
-          </a:p>
-        </p:txBody>
-      </p:sp>
-      <p:sp>
-        <p:nvSpPr>
-          <p:cNvPr id="6" name="Slide Number Placeholder 5">
-            <a:extLst>
-              <a:ext uri="{FF2B5EF4-FFF2-40B4-BE49-F238E27FC236}">
-                <a16:creationId xmlns:a16="http://schemas.microsoft.com/office/drawing/2014/main" id="{7432E536-0F71-471C-B3B6-46C9FA9D9E2D}"/>
-              </a:ext>
-            </a:extLst>
-          </p:cNvPr>
-          <p:cNvSpPr>
-            <a:spLocks noGrp="1"/>
-          </p:cNvSpPr>
-          <p:nvPr>
-            <p:ph type="sldNum" sz="quarter" idx="12"/>
-          </p:nvPr>
-        </p:nvSpPr>
-        <p:spPr/>
-        <p:txBody>
-          <a:bodyPr/>
-          <a:lstStyle/>
-          <a:p>
-            <a:fld id="{6E91CC32-6A6B-4E2E-BBA1-6864F305DA26}" type="slidenum">
-              <a:rPr lang="en-US" smtClean="0"/>
+              <a:pPr>
+                <a:spcAft>
+                  <a:spcPts val="600"/>
+                </a:spcAft>
+              </a:pPr>
               <a:t>7</a:t>
             </a:fld>
-            <a:endParaRPr lang="en-US"/>
-          </a:p>
-        </p:txBody>
-      </p:sp>
+            <a:endParaRPr lang="en-US">
+              <a:solidFill>
+                <a:schemeClr val="bg1"/>
+              </a:solidFill>
+            </a:endParaRPr>
+          </a:p>
+        </p:txBody>
+      </p:sp>
+      <p:sp>
+        <p:nvSpPr>
+          <p:cNvPr id="3" name="TextBox 2">
+            <a:extLst>
+              <a:ext uri="{FF2B5EF4-FFF2-40B4-BE49-F238E27FC236}">
+                <a16:creationId xmlns:a16="http://schemas.microsoft.com/office/drawing/2014/main" id="{1DB72E2D-4A40-081F-806A-011002266367}"/>
+              </a:ext>
+            </a:extLst>
+          </p:cNvPr>
+          <p:cNvSpPr txBox="1"/>
+          <p:nvPr/>
+        </p:nvSpPr>
+        <p:spPr>
+          <a:xfrm>
+            <a:off x="957943" y="1915579"/>
+            <a:ext cx="5360867" cy="4154984"/>
+          </a:xfrm>
+          <a:prstGeom prst="rect">
+            <a:avLst/>
+          </a:prstGeom>
+          <a:noFill/>
+        </p:spPr>
+        <p:txBody>
+          <a:bodyPr wrap="square" rtlCol="0">
+            <a:spAutoFit/>
+          </a:bodyPr>
+          <a:lstStyle/>
+          <a:p>
+            <a:r>
+              <a:rPr lang="en-US" sz="2400" dirty="0"/>
+              <a:t>	</a:t>
+            </a:r>
+          </a:p>
+          <a:p>
+            <a:r>
+              <a:rPr lang="en-US" sz="2400" dirty="0"/>
+              <a:t>- Translation between languages.</a:t>
+            </a:r>
+          </a:p>
+          <a:p>
+            <a:r>
+              <a:rPr lang="en-US" sz="2400" dirty="0"/>
+              <a:t>  </a:t>
+            </a:r>
+          </a:p>
+          <a:p>
+            <a:r>
+              <a:rPr lang="en-US" sz="2400" dirty="0"/>
+              <a:t>- Generating code based on natural language descriptions.</a:t>
+            </a:r>
+          </a:p>
+          <a:p>
+            <a:r>
+              <a:rPr lang="en-US" sz="2400" dirty="0"/>
+              <a:t> </a:t>
+            </a:r>
+          </a:p>
+          <a:p>
+            <a:r>
+              <a:rPr lang="en-US" sz="2400" dirty="0"/>
+              <a:t>- Creating captions for images and videos.</a:t>
+            </a:r>
+          </a:p>
+          <a:p>
+            <a:r>
+              <a:rPr lang="en-US" sz="2400" dirty="0"/>
+              <a:t>  </a:t>
+            </a:r>
+          </a:p>
+          <a:p>
+            <a:r>
+              <a:rPr lang="en-US" sz="2400" dirty="0"/>
+              <a:t>- Summarizing video content.</a:t>
+            </a:r>
+          </a:p>
+          <a:p>
+            <a:r>
+              <a:rPr lang="en-US" sz="2400" dirty="0"/>
+              <a:t>  </a:t>
+            </a:r>
+            <a:endParaRPr lang="en-IN" sz="2400" dirty="0"/>
+          </a:p>
+        </p:txBody>
+      </p:sp>
+      <p:pic>
+        <p:nvPicPr>
+          <p:cNvPr id="7" name="Picture 6">
+            <a:extLst>
+              <a:ext uri="{FF2B5EF4-FFF2-40B4-BE49-F238E27FC236}">
+                <a16:creationId xmlns:a16="http://schemas.microsoft.com/office/drawing/2014/main" id="{812DBC67-F03C-F5EA-27B0-C7FE410E2A8B}"/>
+              </a:ext>
+            </a:extLst>
+          </p:cNvPr>
+          <p:cNvPicPr>
+            <a:picLocks noChangeAspect="1"/>
+          </p:cNvPicPr>
+          <p:nvPr/>
+        </p:nvPicPr>
+        <p:blipFill>
+          <a:blip r:embed="rId2"/>
+          <a:stretch>
+            <a:fillRect/>
+          </a:stretch>
+        </p:blipFill>
+        <p:spPr>
+          <a:xfrm>
+            <a:off x="7256354" y="4085566"/>
+            <a:ext cx="2415363" cy="2484222"/>
+          </a:xfrm>
+          <a:prstGeom prst="rect">
+            <a:avLst/>
+          </a:prstGeom>
+        </p:spPr>
+      </p:pic>
+      <p:pic>
+        <p:nvPicPr>
+          <p:cNvPr id="9" name="Picture 8">
+            <a:extLst>
+              <a:ext uri="{FF2B5EF4-FFF2-40B4-BE49-F238E27FC236}">
+                <a16:creationId xmlns:a16="http://schemas.microsoft.com/office/drawing/2014/main" id="{CABACEF8-CDD2-D928-204E-9EF474308BFC}"/>
+              </a:ext>
+            </a:extLst>
+          </p:cNvPr>
+          <p:cNvPicPr>
+            <a:picLocks noChangeAspect="1"/>
+          </p:cNvPicPr>
+          <p:nvPr/>
+        </p:nvPicPr>
+        <p:blipFill>
+          <a:blip r:embed="rId3"/>
+          <a:stretch>
+            <a:fillRect/>
+          </a:stretch>
+        </p:blipFill>
+        <p:spPr>
+          <a:xfrm>
+            <a:off x="7344016" y="2443191"/>
+            <a:ext cx="2415363" cy="1338410"/>
+          </a:xfrm>
+          <a:prstGeom prst="rect">
+            <a:avLst/>
+          </a:prstGeom>
+        </p:spPr>
+      </p:pic>
     </p:spTree>
     <p:extLst>
       <p:ext uri="{BB962C8B-B14F-4D97-AF65-F5344CB8AC3E}">
-        <p14:creationId xmlns:p14="http://schemas.microsoft.com/office/powerpoint/2010/main" val="2830518659"/>
+        <p14:creationId xmlns:p14="http://schemas.microsoft.com/office/powerpoint/2010/main" val="2176501106"/>
       </p:ext>
     </p:extLst>
   </p:cSld>
   <p:clrMapOvr>
     <a:masterClrMapping/>
   </p:clrMapOvr>
+  <mc:AlternateContent xmlns:mc="http://schemas.openxmlformats.org/markup-compatibility/2006">
+    <mc:Choice xmlns:p159="http://schemas.microsoft.com/office/powerpoint/2015/09/main" Requires="p159">
+      <p:transition xmlns:p14="http://schemas.microsoft.com/office/powerpoint/2010/main" spd="slow" p14:dur="2000">
+        <p159:morph option="byObject"/>
+      </p:transition>
+    </mc:Choice>
+    <mc:Fallback>
+      <p:transition spd="slow">
+        <p:fade/>
+      </p:transition>
+    </mc:Fallback>
+  </mc:AlternateContent>
 </p:sld>
 </file>
 
@@ -6803,96 +6807,26 @@
           <a:chExt cx="0" cy="0"/>
         </a:xfrm>
       </p:grpSpPr>
-      <p:pic>
-        <p:nvPicPr>
-          <p:cNvPr id="8" name="Picture 7" descr="Light bulb on yellow background with sketched light beams and cord">
-            <a:extLst>
-              <a:ext uri="{FF2B5EF4-FFF2-40B4-BE49-F238E27FC236}">
-                <a16:creationId xmlns:a16="http://schemas.microsoft.com/office/drawing/2014/main" id="{63EA3457-00BB-4ACD-B593-944993B2015B}"/>
-              </a:ext>
-            </a:extLst>
-          </p:cNvPr>
-          <p:cNvPicPr>
-            <a:picLocks noChangeAspect="1"/>
-          </p:cNvPicPr>
-          <p:nvPr/>
-        </p:nvPicPr>
-        <p:blipFill rotWithShape="1">
-          <a:blip r:embed="rId2"/>
-          <a:srcRect l="27945"/>
-          <a:stretch/>
-        </p:blipFill>
+      <p:sp>
+        <p:nvSpPr>
+          <p:cNvPr id="2" name="Title 1">
+            <a:extLst>
+              <a:ext uri="{FF2B5EF4-FFF2-40B4-BE49-F238E27FC236}">
+                <a16:creationId xmlns:a16="http://schemas.microsoft.com/office/drawing/2014/main" id="{086197AE-A96C-7B3C-57E1-F23A841E3C4E}"/>
+              </a:ext>
+            </a:extLst>
+          </p:cNvPr>
+          <p:cNvSpPr>
+            <a:spLocks noGrp="1"/>
+          </p:cNvSpPr>
+          <p:nvPr>
+            <p:ph type="ctrTitle"/>
+          </p:nvPr>
+        </p:nvSpPr>
         <p:spPr>
           <a:xfrm>
-            <a:off x="4157001" y="-1"/>
-            <a:ext cx="8035000" cy="6858001"/>
-          </a:xfrm>
-          <a:custGeom>
-            <a:avLst/>
-            <a:gdLst/>
-            <a:ahLst/>
-            <a:cxnLst/>
-            <a:rect l="l" t="t" r="r" b="b"/>
-            <a:pathLst>
-              <a:path w="8035000" h="6858001">
-                <a:moveTo>
-                  <a:pt x="0" y="0"/>
-                </a:moveTo>
-                <a:lnTo>
-                  <a:pt x="8035000" y="0"/>
-                </a:lnTo>
-                <a:lnTo>
-                  <a:pt x="8035000" y="6858001"/>
-                </a:lnTo>
-                <a:lnTo>
-                  <a:pt x="137897" y="6858001"/>
-                </a:lnTo>
-                <a:lnTo>
-                  <a:pt x="274509" y="6844229"/>
-                </a:lnTo>
-                <a:cubicBezTo>
-                  <a:pt x="583423" y="6781017"/>
-                  <a:pt x="815799" y="6507690"/>
-                  <a:pt x="815799" y="6180089"/>
-                </a:cubicBezTo>
-                <a:lnTo>
-                  <a:pt x="815799" y="677915"/>
-                </a:lnTo>
-                <a:cubicBezTo>
-                  <a:pt x="815799" y="303514"/>
-                  <a:pt x="512287" y="2"/>
-                  <a:pt x="137886" y="2"/>
-                </a:cubicBezTo>
-                <a:lnTo>
-                  <a:pt x="0" y="2"/>
-                </a:lnTo>
-                <a:close/>
-              </a:path>
-            </a:pathLst>
-          </a:custGeom>
-          <a:noFill/>
-        </p:spPr>
-      </p:pic>
-      <p:sp>
-        <p:nvSpPr>
-          <p:cNvPr id="2" name="Title 1">
-            <a:extLst>
-              <a:ext uri="{FF2B5EF4-FFF2-40B4-BE49-F238E27FC236}">
-                <a16:creationId xmlns:a16="http://schemas.microsoft.com/office/drawing/2014/main" id="{9001B658-FEA9-249E-F3A4-5CFC1700302A}"/>
-              </a:ext>
-            </a:extLst>
-          </p:cNvPr>
-          <p:cNvSpPr>
-            <a:spLocks noGrp="1"/>
-          </p:cNvSpPr>
-          <p:nvPr>
-            <p:ph type="ctrTitle"/>
-          </p:nvPr>
-        </p:nvSpPr>
-        <p:spPr>
-          <a:xfrm>
-            <a:off x="312252" y="752136"/>
-            <a:ext cx="3944703" cy="3553163"/>
+            <a:off x="517245" y="376502"/>
+            <a:ext cx="11101590" cy="3553163"/>
           </a:xfrm>
         </p:spPr>
         <p:txBody>
@@ -6902,108 +6836,33 @@
           <a:lstStyle/>
           <a:p>
             <a:r>
-              <a:rPr lang="en-US" sz="1600" b="0" i="0">
-                <a:effectLst/>
+              <a:rPr lang="en-US" sz="6000" dirty="0">
+                <a:solidFill>
+                  <a:srgbClr val="FFFF00"/>
+                </a:solidFill>
               </a:rPr>
-              <a:t>Collaboration and Openness: Building the Future Together</a:t>
-            </a:r>
-            <a:br>
-              <a:rPr lang="en-US" sz="1600" b="0" i="0">
-                <a:effectLst/>
-              </a:rPr>
-            </a:br>
-            <a:r>
-              <a:rPr lang="en-US" sz="1600" b="0" i="0">
-                <a:effectLst/>
-              </a:rPr>
-              <a:t>Image: A diverse group of people working together around a table</a:t>
-            </a:r>
-            <a:br>
-              <a:rPr lang="en-US" sz="1600" b="0" i="0">
-                <a:effectLst/>
-              </a:rPr>
-            </a:br>
-            <a:r>
-              <a:rPr lang="en-US" sz="1600" b="0" i="0">
-                <a:effectLst/>
-              </a:rPr>
-              <a:t>Emphasize Google's collaborative approach to Gemini's development, involving teams across Google and external experts.</a:t>
-            </a:r>
-            <a:br>
-              <a:rPr lang="en-US" sz="1600" b="0" i="0">
-                <a:effectLst/>
-              </a:rPr>
-            </a:br>
-            <a:r>
-              <a:rPr lang="en-US" sz="1600" b="0" i="0">
-                <a:effectLst/>
-              </a:rPr>
-              <a:t>Mention the ongoing work with partners to stress-test models and identify blind spots.</a:t>
-            </a:r>
-            <a:br>
-              <a:rPr lang="en-US" sz="1600" b="0" i="0">
-                <a:effectLst/>
-              </a:rPr>
-            </a:br>
-            <a:br>
-              <a:rPr lang="en-US" sz="1600"/>
-            </a:br>
-            <a:endParaRPr lang="en-IN" sz="1600"/>
-          </a:p>
-        </p:txBody>
-      </p:sp>
-      <p:sp>
-        <p:nvSpPr>
-          <p:cNvPr id="12" name="Subtitle 2">
-            <a:extLst>
-              <a:ext uri="{FF2B5EF4-FFF2-40B4-BE49-F238E27FC236}">
-                <a16:creationId xmlns:a16="http://schemas.microsoft.com/office/drawing/2014/main" id="{04C94D4B-2E88-0A95-68EA-01BC1B390F71}"/>
-              </a:ext>
-            </a:extLst>
-          </p:cNvPr>
-          <p:cNvSpPr>
-            <a:spLocks noGrp="1"/>
-          </p:cNvSpPr>
-          <p:nvPr>
-            <p:ph type="subTitle" idx="1"/>
-          </p:nvPr>
-        </p:nvSpPr>
-        <p:spPr>
-          <a:xfrm>
-            <a:off x="312252" y="4762123"/>
-            <a:ext cx="3698627" cy="1257678"/>
-          </a:xfrm>
-        </p:spPr>
-        <p:txBody>
-          <a:bodyPr anchor="b"/>
-          <a:lstStyle/>
-          <a:p>
-            <a:endParaRPr lang="en-US" dirty="0"/>
-          </a:p>
-        </p:txBody>
-      </p:sp>
-      <p:sp>
-        <p:nvSpPr>
-          <p:cNvPr id="4" name="Date Placeholder 3">
-            <a:extLst>
-              <a:ext uri="{FF2B5EF4-FFF2-40B4-BE49-F238E27FC236}">
-                <a16:creationId xmlns:a16="http://schemas.microsoft.com/office/drawing/2014/main" id="{804A3B9D-44B0-87BF-D624-4E0251986277}"/>
-              </a:ext>
-            </a:extLst>
-          </p:cNvPr>
-          <p:cNvSpPr>
-            <a:spLocks noGrp="1"/>
-          </p:cNvSpPr>
-          <p:nvPr>
-            <p:ph type="dt" sz="half" idx="10"/>
-          </p:nvPr>
-        </p:nvSpPr>
-        <p:spPr>
-          <a:xfrm>
-            <a:off x="340137" y="63202"/>
-            <a:ext cx="2743200" cy="318221"/>
-          </a:xfrm>
-        </p:spPr>
+              <a:t>Gemini: flexibility</a:t>
+            </a:r>
+          </a:p>
+        </p:txBody>
+      </p:sp>
+      <p:sp>
+        <p:nvSpPr>
+          <p:cNvPr id="5" name="Footer Placeholder 4">
+            <a:extLst>
+              <a:ext uri="{FF2B5EF4-FFF2-40B4-BE49-F238E27FC236}">
+                <a16:creationId xmlns:a16="http://schemas.microsoft.com/office/drawing/2014/main" id="{6FF52E27-946A-E629-9C6C-0F8356C241DF}"/>
+              </a:ext>
+            </a:extLst>
+          </p:cNvPr>
+          <p:cNvSpPr>
+            <a:spLocks noGrp="1"/>
+          </p:cNvSpPr>
+          <p:nvPr>
+            <p:ph type="ftr" sz="quarter" idx="11"/>
+          </p:nvPr>
+        </p:nvSpPr>
+        <p:spPr/>
         <p:txBody>
           <a:bodyPr>
             <a:normAutofit/>
@@ -7015,56 +6874,10 @@
                 <a:spcPts val="600"/>
               </a:spcAft>
             </a:pPr>
-            <a:fld id="{0F996519-E62D-4F8C-AE1E-36928EC7D15C}" type="datetime1">
-              <a:rPr lang="en-US" smtClean="0"/>
-              <a:pPr>
-                <a:spcAft>
-                  <a:spcPts val="600"/>
-                </a:spcAft>
-              </a:pPr>
-              <a:t>1/8/2024</a:t>
-            </a:fld>
-            <a:endParaRPr lang="en-US"/>
-          </a:p>
-        </p:txBody>
-      </p:sp>
-      <p:sp>
-        <p:nvSpPr>
-          <p:cNvPr id="5" name="Footer Placeholder 4">
-            <a:extLst>
-              <a:ext uri="{FF2B5EF4-FFF2-40B4-BE49-F238E27FC236}">
-                <a16:creationId xmlns:a16="http://schemas.microsoft.com/office/drawing/2014/main" id="{AFE24221-83BF-9820-6F8E-829A9EEF9C25}"/>
-              </a:ext>
-            </a:extLst>
-          </p:cNvPr>
-          <p:cNvSpPr>
-            <a:spLocks noGrp="1"/>
-          </p:cNvSpPr>
-          <p:nvPr>
-            <p:ph type="ftr" sz="quarter" idx="11"/>
-          </p:nvPr>
-        </p:nvSpPr>
-        <p:spPr>
-          <a:xfrm>
-            <a:off x="7344016" y="6424761"/>
-            <a:ext cx="4059936" cy="365125"/>
-          </a:xfrm>
-        </p:spPr>
-        <p:txBody>
-          <a:bodyPr>
-            <a:normAutofit/>
-          </a:bodyPr>
-          <a:lstStyle/>
-          <a:p>
-            <a:pPr>
-              <a:spcAft>
-                <a:spcPts val="600"/>
-              </a:spcAft>
-            </a:pPr>
             <a:r>
               <a:rPr lang="en-US">
                 <a:solidFill>
-                  <a:srgbClr val="FFFFFF"/>
+                  <a:schemeClr val="bg1"/>
                 </a:solidFill>
               </a:rPr>
               <a:t>Sample Footer Text</a:t>
@@ -7077,7 +6890,7 @@
           <p:cNvPr id="6" name="Slide Number Placeholder 5">
             <a:extLst>
               <a:ext uri="{FF2B5EF4-FFF2-40B4-BE49-F238E27FC236}">
-                <a16:creationId xmlns:a16="http://schemas.microsoft.com/office/drawing/2014/main" id="{4CFB703C-E066-156C-21A5-724C256DC7F4}"/>
+                <a16:creationId xmlns:a16="http://schemas.microsoft.com/office/drawing/2014/main" id="{43D9561A-C48B-C09A-8C2E-D6C1119506B5}"/>
               </a:ext>
             </a:extLst>
           </p:cNvPr>
@@ -7088,12 +6901,7 @@
             <p:ph type="sldNum" sz="quarter" idx="12"/>
           </p:nvPr>
         </p:nvSpPr>
-        <p:spPr>
-          <a:xfrm>
-            <a:off x="11403951" y="6425816"/>
-            <a:ext cx="429768" cy="365125"/>
-          </a:xfrm>
-        </p:spPr>
+        <p:spPr/>
         <p:txBody>
           <a:bodyPr>
             <a:normAutofit/>
@@ -7108,7 +6916,7 @@
             <a:fld id="{6E91CC32-6A6B-4E2E-BBA1-6864F305DA26}" type="slidenum">
               <a:rPr lang="en-US">
                 <a:solidFill>
-                  <a:srgbClr val="FFFFFF"/>
+                  <a:schemeClr val="bg1"/>
                 </a:solidFill>
               </a:rPr>
               <a:pPr>
@@ -7120,22 +6928,115 @@
             </a:fld>
             <a:endParaRPr lang="en-US">
               <a:solidFill>
-                <a:srgbClr val="FFFFFF"/>
+                <a:schemeClr val="bg1"/>
               </a:solidFill>
             </a:endParaRPr>
           </a:p>
         </p:txBody>
       </p:sp>
+      <p:sp>
+        <p:nvSpPr>
+          <p:cNvPr id="3" name="TextBox 2">
+            <a:extLst>
+              <a:ext uri="{FF2B5EF4-FFF2-40B4-BE49-F238E27FC236}">
+                <a16:creationId xmlns:a16="http://schemas.microsoft.com/office/drawing/2014/main" id="{1DB72E2D-4A40-081F-806A-011002266367}"/>
+              </a:ext>
+            </a:extLst>
+          </p:cNvPr>
+          <p:cNvSpPr txBox="1"/>
+          <p:nvPr/>
+        </p:nvSpPr>
+        <p:spPr>
+          <a:xfrm>
+            <a:off x="668999" y="4145634"/>
+            <a:ext cx="10462422" cy="2369880"/>
+          </a:xfrm>
+          <a:prstGeom prst="rect">
+            <a:avLst/>
+          </a:prstGeom>
+          <a:noFill/>
+        </p:spPr>
+        <p:txBody>
+          <a:bodyPr wrap="square" rtlCol="0">
+            <a:spAutoFit/>
+          </a:bodyPr>
+          <a:lstStyle/>
+          <a:p>
+            <a:endParaRPr lang="en-US" sz="2800" dirty="0">
+              <a:solidFill>
+                <a:srgbClr val="FFFF00"/>
+              </a:solidFill>
+            </a:endParaRPr>
+          </a:p>
+          <a:p>
+            <a:r>
+              <a:rPr lang="en-US" sz="2400" dirty="0"/>
+              <a:t>- Supports various devices and platforms, from data centers to mobile phones</a:t>
+            </a:r>
+          </a:p>
+          <a:p>
+            <a:endParaRPr lang="en-US" sz="2400" dirty="0"/>
+          </a:p>
+          <a:p>
+            <a:r>
+              <a:rPr lang="en-US" sz="2400" dirty="0"/>
+              <a:t>- Optimizes performance and resource utilization, adapting to different hardware capabilities and constraints</a:t>
+            </a:r>
+          </a:p>
+        </p:txBody>
+      </p:sp>
+      <p:pic>
+        <p:nvPicPr>
+          <p:cNvPr id="7" name="Picture 6">
+            <a:extLst>
+              <a:ext uri="{FF2B5EF4-FFF2-40B4-BE49-F238E27FC236}">
+                <a16:creationId xmlns:a16="http://schemas.microsoft.com/office/drawing/2014/main" id="{A8E86C6E-33F4-9BE9-DC31-0E7DB9658275}"/>
+              </a:ext>
+            </a:extLst>
+          </p:cNvPr>
+          <p:cNvPicPr>
+            <a:picLocks noChangeAspect="1"/>
+          </p:cNvPicPr>
+          <p:nvPr/>
+        </p:nvPicPr>
+        <p:blipFill>
+          <a:blip r:embed="rId2"/>
+          <a:stretch>
+            <a:fillRect/>
+          </a:stretch>
+        </p:blipFill>
+        <p:spPr>
+          <a:xfrm>
+            <a:off x="1365259" y="1387828"/>
+            <a:ext cx="7159639" cy="2961317"/>
+          </a:xfrm>
+          <a:prstGeom prst="rect">
+            <a:avLst/>
+          </a:prstGeom>
+        </p:spPr>
+      </p:pic>
     </p:spTree>
     <p:extLst>
       <p:ext uri="{BB962C8B-B14F-4D97-AF65-F5344CB8AC3E}">
-        <p14:creationId xmlns:p14="http://schemas.microsoft.com/office/powerpoint/2010/main" val="1735336758"/>
+        <p14:creationId xmlns:p14="http://schemas.microsoft.com/office/powerpoint/2010/main" val="540400667"/>
       </p:ext>
     </p:extLst>
   </p:cSld>
   <p:clrMapOvr>
     <a:masterClrMapping/>
   </p:clrMapOvr>
+  <mc:AlternateContent xmlns:mc="http://schemas.openxmlformats.org/markup-compatibility/2006">
+    <mc:Choice xmlns:p159="http://schemas.microsoft.com/office/powerpoint/2015/09/main" Requires="p159">
+      <p:transition xmlns:p14="http://schemas.microsoft.com/office/powerpoint/2010/main" spd="slow" p14:dur="2000">
+        <p159:morph option="byObject"/>
+      </p:transition>
+    </mc:Choice>
+    <mc:Fallback>
+      <p:transition spd="slow">
+        <p:fade/>
+      </p:transition>
+    </mc:Fallback>
+  </mc:AlternateContent>
 </p:sld>
 </file>
 
@@ -7161,178 +7062,57 @@
           <p:cNvPr id="2" name="Title 1">
             <a:extLst>
               <a:ext uri="{FF2B5EF4-FFF2-40B4-BE49-F238E27FC236}">
-                <a16:creationId xmlns:a16="http://schemas.microsoft.com/office/drawing/2014/main" id="{B6A765D2-D64F-F243-EE97-ED3E14A8566C}"/>
-              </a:ext>
-            </a:extLst>
-          </p:cNvPr>
-          <p:cNvSpPr>
-            <a:spLocks noGrp="1"/>
-          </p:cNvSpPr>
-          <p:nvPr>
-            <p:ph type="title"/>
+                <a16:creationId xmlns:a16="http://schemas.microsoft.com/office/drawing/2014/main" id="{086197AE-A96C-7B3C-57E1-F23A841E3C4E}"/>
+              </a:ext>
+            </a:extLst>
+          </p:cNvPr>
+          <p:cNvSpPr>
+            <a:spLocks noGrp="1"/>
+          </p:cNvSpPr>
+          <p:nvPr>
+            <p:ph type="ctrTitle"/>
           </p:nvPr>
         </p:nvSpPr>
         <p:spPr>
           <a:xfrm>
-            <a:off x="310896" y="838200"/>
-            <a:ext cx="5016177" cy="5364823"/>
+            <a:off x="340137" y="350920"/>
+            <a:ext cx="11332353" cy="3553163"/>
           </a:xfrm>
         </p:spPr>
         <p:txBody>
-          <a:bodyPr anchor="b">
+          <a:bodyPr anchor="t">
             <a:normAutofit/>
           </a:bodyPr>
           <a:lstStyle/>
           <a:p>
             <a:r>
-              <a:rPr lang="en-US" sz="1800" b="0" i="0">
+              <a:rPr lang="en-US" sz="6000" dirty="0">
                 <a:solidFill>
-                  <a:schemeClr val="bg1"/>
+                  <a:srgbClr val="FFFF00"/>
                 </a:solidFill>
-                <a:effectLst/>
               </a:rPr>
-              <a:t>Unveiling the Potential: Real-World Applications</a:t>
-            </a:r>
-            <a:br>
-              <a:rPr lang="en-US" sz="1800" b="0" i="0">
-                <a:solidFill>
-                  <a:schemeClr val="bg1"/>
-                </a:solidFill>
-                <a:effectLst/>
-              </a:rPr>
-            </a:br>
-            <a:r>
-              <a:rPr lang="en-US" sz="1800" b="0" i="0">
-                <a:solidFill>
-                  <a:schemeClr val="bg1"/>
-                </a:solidFill>
-                <a:effectLst/>
-              </a:rPr>
-              <a:t>Images: Showcasing various applications of Gemini across different fields - education, healthcare, creative industries, etc.</a:t>
-            </a:r>
-            <a:br>
-              <a:rPr lang="en-US" sz="1800" b="0" i="0">
-                <a:solidFill>
-                  <a:schemeClr val="bg1"/>
-                </a:solidFill>
-                <a:effectLst/>
-              </a:rPr>
-            </a:br>
-            <a:r>
-              <a:rPr lang="en-US" sz="1800" b="0" i="0">
-                <a:solidFill>
-                  <a:schemeClr val="bg1"/>
-                </a:solidFill>
-                <a:effectLst/>
-              </a:rPr>
-              <a:t>Provide some concrete examples of how Gemini is being used in real-world scenarios, such as:</a:t>
-            </a:r>
-            <a:br>
-              <a:rPr lang="en-US" sz="1800" b="0" i="0">
-                <a:solidFill>
-                  <a:schemeClr val="bg1"/>
-                </a:solidFill>
-                <a:effectLst/>
-              </a:rPr>
-            </a:br>
-            <a:r>
-              <a:rPr lang="en-US" sz="1800" b="0" i="0">
-                <a:solidFill>
-                  <a:schemeClr val="bg1"/>
-                </a:solidFill>
-                <a:effectLst/>
-              </a:rPr>
-              <a:t>Personalized learning experiences in education.</a:t>
-            </a:r>
-            <a:br>
-              <a:rPr lang="en-US" sz="1800" b="0" i="0">
-                <a:solidFill>
-                  <a:schemeClr val="bg1"/>
-                </a:solidFill>
-                <a:effectLst/>
-              </a:rPr>
-            </a:br>
-            <a:r>
-              <a:rPr lang="en-US" sz="1800" b="0" i="0">
-                <a:solidFill>
-                  <a:schemeClr val="bg1"/>
-                </a:solidFill>
-                <a:effectLst/>
-              </a:rPr>
-              <a:t>Medical diagnosis and treatment assistance in healthcare.</a:t>
-            </a:r>
-            <a:br>
-              <a:rPr lang="en-US" sz="1800" b="0" i="0">
-                <a:solidFill>
-                  <a:schemeClr val="bg1"/>
-                </a:solidFill>
-                <a:effectLst/>
-              </a:rPr>
-            </a:br>
-            <a:r>
-              <a:rPr lang="en-US" sz="1800" b="0" i="0">
-                <a:solidFill>
-                  <a:schemeClr val="bg1"/>
-                </a:solidFill>
-                <a:effectLst/>
-              </a:rPr>
-              <a:t>Content creation and editing tools in the creative industries.</a:t>
-            </a:r>
-            <a:br>
-              <a:rPr lang="en-US" sz="1800" b="0" i="0">
-                <a:solidFill>
-                  <a:schemeClr val="bg1"/>
-                </a:solidFill>
-                <a:effectLst/>
-              </a:rPr>
-            </a:br>
-            <a:r>
-              <a:rPr lang="en-US" sz="1800" b="0" i="0">
-                <a:solidFill>
-                  <a:schemeClr val="bg1"/>
-                </a:solidFill>
-                <a:effectLst/>
-              </a:rPr>
-              <a:t>Customer service chatbots and virtual assistants.</a:t>
-            </a:r>
-            <a:br>
-              <a:rPr lang="en-US" sz="1800" b="0" i="0">
-                <a:solidFill>
-                  <a:schemeClr val="bg1"/>
-                </a:solidFill>
-                <a:effectLst/>
-              </a:rPr>
-            </a:br>
-            <a:endParaRPr lang="en-IN" sz="1800">
-              <a:solidFill>
-                <a:schemeClr val="bg1"/>
-              </a:solidFill>
-            </a:endParaRPr>
-          </a:p>
-        </p:txBody>
-      </p:sp>
-      <p:sp>
-        <p:nvSpPr>
-          <p:cNvPr id="4" name="Date Placeholder 3">
-            <a:extLst>
-              <a:ext uri="{FF2B5EF4-FFF2-40B4-BE49-F238E27FC236}">
-                <a16:creationId xmlns:a16="http://schemas.microsoft.com/office/drawing/2014/main" id="{45EA1F9A-B8AD-71A0-5E45-BEDED491CF05}"/>
-              </a:ext>
-            </a:extLst>
-          </p:cNvPr>
-          <p:cNvSpPr>
-            <a:spLocks noGrp="1"/>
-          </p:cNvSpPr>
-          <p:nvPr>
-            <p:ph type="dt" sz="half" idx="10"/>
-          </p:nvPr>
-        </p:nvSpPr>
-        <p:spPr>
-          <a:xfrm>
-            <a:off x="340137" y="63202"/>
-            <a:ext cx="2743200" cy="318221"/>
-          </a:xfrm>
-        </p:spPr>
+              <a:t>Responsible AI</a:t>
+            </a:r>
+          </a:p>
+        </p:txBody>
+      </p:sp>
+      <p:sp>
+        <p:nvSpPr>
+          <p:cNvPr id="5" name="Footer Placeholder 4">
+            <a:extLst>
+              <a:ext uri="{FF2B5EF4-FFF2-40B4-BE49-F238E27FC236}">
+                <a16:creationId xmlns:a16="http://schemas.microsoft.com/office/drawing/2014/main" id="{6FF52E27-946A-E629-9C6C-0F8356C241DF}"/>
+              </a:ext>
+            </a:extLst>
+          </p:cNvPr>
+          <p:cNvSpPr>
+            <a:spLocks noGrp="1"/>
+          </p:cNvSpPr>
+          <p:nvPr>
+            <p:ph type="ftr" sz="quarter" idx="11"/>
+          </p:nvPr>
+        </p:nvSpPr>
+        <p:spPr/>
         <p:txBody>
           <a:bodyPr>
             <a:normAutofit/>
@@ -7344,7 +7124,46 @@
                 <a:spcPts val="600"/>
               </a:spcAft>
             </a:pPr>
-            <a:fld id="{0F996519-E62D-4F8C-AE1E-36928EC7D15C}" type="datetime1">
+            <a:r>
+              <a:rPr lang="en-US">
+                <a:solidFill>
+                  <a:schemeClr val="bg1"/>
+                </a:solidFill>
+              </a:rPr>
+              <a:t>Sample Footer Text</a:t>
+            </a:r>
+          </a:p>
+        </p:txBody>
+      </p:sp>
+      <p:sp>
+        <p:nvSpPr>
+          <p:cNvPr id="6" name="Slide Number Placeholder 5">
+            <a:extLst>
+              <a:ext uri="{FF2B5EF4-FFF2-40B4-BE49-F238E27FC236}">
+                <a16:creationId xmlns:a16="http://schemas.microsoft.com/office/drawing/2014/main" id="{43D9561A-C48B-C09A-8C2E-D6C1119506B5}"/>
+              </a:ext>
+            </a:extLst>
+          </p:cNvPr>
+          <p:cNvSpPr>
+            <a:spLocks noGrp="1"/>
+          </p:cNvSpPr>
+          <p:nvPr>
+            <p:ph type="sldNum" sz="quarter" idx="12"/>
+          </p:nvPr>
+        </p:nvSpPr>
+        <p:spPr/>
+        <p:txBody>
+          <a:bodyPr>
+            <a:normAutofit/>
+          </a:bodyPr>
+          <a:lstStyle/>
+          <a:p>
+            <a:pPr>
+              <a:spcAft>
+                <a:spcPts val="600"/>
+              </a:spcAft>
+            </a:pPr>
+            <a:fld id="{6E91CC32-6A6B-4E2E-BBA1-6864F305DA26}" type="slidenum">
               <a:rPr lang="en-US">
                 <a:solidFill>
                   <a:schemeClr val="bg1"/>
@@ -7355,7 +7174,7 @@
                   <a:spcPts val="600"/>
                 </a:spcAft>
               </a:pPr>
-              <a:t>1/8/2024</a:t>
+              <a:t>9</a:t>
             </a:fld>
             <a:endParaRPr lang="en-US">
               <a:solidFill>
@@ -7367,139 +7186,80 @@
       </p:sp>
       <p:sp>
         <p:nvSpPr>
-          <p:cNvPr id="11" name="Content Placeholder 2">
-            <a:extLst>
-              <a:ext uri="{FF2B5EF4-FFF2-40B4-BE49-F238E27FC236}">
-                <a16:creationId xmlns:a16="http://schemas.microsoft.com/office/drawing/2014/main" id="{78469A58-7580-1D9F-14EB-6F9CD55D5352}"/>
-              </a:ext>
-            </a:extLst>
-          </p:cNvPr>
-          <p:cNvSpPr>
-            <a:spLocks noGrp="1"/>
-          </p:cNvSpPr>
-          <p:nvPr>
-            <p:ph idx="1"/>
-          </p:nvPr>
+          <p:cNvPr id="3" name="TextBox 2">
+            <a:extLst>
+              <a:ext uri="{FF2B5EF4-FFF2-40B4-BE49-F238E27FC236}">
+                <a16:creationId xmlns:a16="http://schemas.microsoft.com/office/drawing/2014/main" id="{1DB72E2D-4A40-081F-806A-011002266367}"/>
+              </a:ext>
+            </a:extLst>
+          </p:cNvPr>
+          <p:cNvSpPr txBox="1"/>
+          <p:nvPr/>
         </p:nvSpPr>
         <p:spPr>
           <a:xfrm>
-            <a:off x="6885354" y="709672"/>
-            <a:ext cx="4354857" cy="5278821"/>
+            <a:off x="340137" y="2044492"/>
+            <a:ext cx="8229771" cy="3539430"/>
           </a:xfrm>
+          <a:prstGeom prst="rect">
+            <a:avLst/>
+          </a:prstGeom>
+          <a:noFill/>
         </p:spPr>
         <p:txBody>
-          <a:bodyPr anchor="t">
-            <a:normAutofit/>
+          <a:bodyPr wrap="square" rtlCol="0">
+            <a:spAutoFit/>
           </a:bodyPr>
           <a:lstStyle/>
           <a:p>
-            <a:pPr marL="0" indent="0">
-              <a:buNone/>
-            </a:pPr>
-            <a:endParaRPr lang="en-US" dirty="0"/>
-          </a:p>
-        </p:txBody>
-      </p:sp>
-      <p:sp>
-        <p:nvSpPr>
-          <p:cNvPr id="5" name="Footer Placeholder 4">
-            <a:extLst>
-              <a:ext uri="{FF2B5EF4-FFF2-40B4-BE49-F238E27FC236}">
-                <a16:creationId xmlns:a16="http://schemas.microsoft.com/office/drawing/2014/main" id="{43F8F086-6092-A095-0091-5913F9C8C781}"/>
-              </a:ext>
-            </a:extLst>
-          </p:cNvPr>
-          <p:cNvSpPr>
-            <a:spLocks noGrp="1"/>
-          </p:cNvSpPr>
-          <p:nvPr>
-            <p:ph type="ftr" sz="quarter" idx="11"/>
-          </p:nvPr>
-        </p:nvSpPr>
-        <p:spPr>
-          <a:xfrm>
-            <a:off x="7344016" y="6424761"/>
-            <a:ext cx="4059936" cy="365125"/>
-          </a:xfrm>
-        </p:spPr>
-        <p:txBody>
-          <a:bodyPr>
-            <a:normAutofit/>
-          </a:bodyPr>
-          <a:lstStyle/>
-          <a:p>
-            <a:pPr>
-              <a:spcAft>
-                <a:spcPts val="600"/>
-              </a:spcAft>
-            </a:pPr>
-            <a:r>
-              <a:rPr lang="en-US">
-                <a:solidFill>
-                  <a:schemeClr val="bg1"/>
-                </a:solidFill>
-              </a:rPr>
-              <a:t>Sample Footer Text</a:t>
-            </a:r>
-          </a:p>
-        </p:txBody>
-      </p:sp>
-      <p:sp>
-        <p:nvSpPr>
-          <p:cNvPr id="6" name="Slide Number Placeholder 5">
-            <a:extLst>
-              <a:ext uri="{FF2B5EF4-FFF2-40B4-BE49-F238E27FC236}">
-                <a16:creationId xmlns:a16="http://schemas.microsoft.com/office/drawing/2014/main" id="{ABAD7B45-7080-6653-F31C-7A2C321C0D9D}"/>
-              </a:ext>
-            </a:extLst>
-          </p:cNvPr>
-          <p:cNvSpPr>
-            <a:spLocks noGrp="1"/>
-          </p:cNvSpPr>
-          <p:nvPr>
-            <p:ph type="sldNum" sz="quarter" idx="12"/>
-          </p:nvPr>
-        </p:nvSpPr>
-        <p:spPr>
-          <a:xfrm>
-            <a:off x="11403951" y="6425816"/>
-            <a:ext cx="429768" cy="365125"/>
-          </a:xfrm>
-        </p:spPr>
-        <p:txBody>
-          <a:bodyPr>
-            <a:normAutofit/>
-          </a:bodyPr>
-          <a:lstStyle/>
-          <a:p>
-            <a:pPr>
-              <a:spcAft>
-                <a:spcPts val="600"/>
-              </a:spcAft>
-            </a:pPr>
-            <a:fld id="{6E91CC32-6A6B-4E2E-BBA1-6864F305DA26}" type="slidenum">
-              <a:rPr lang="en-US" smtClean="0"/>
-              <a:pPr>
-                <a:spcAft>
-                  <a:spcPts val="600"/>
-                </a:spcAft>
-              </a:pPr>
-              <a:t>9</a:t>
-            </a:fld>
-            <a:endParaRPr lang="en-US"/>
+            <a:r>
+              <a:rPr lang="en-US" sz="2800" dirty="0"/>
+              <a:t>- Google develops AI responsibly, with Gemini's comprehensive safety evaluations</a:t>
+            </a:r>
+          </a:p>
+          <a:p>
+            <a:endParaRPr lang="en-US" sz="2800" dirty="0"/>
+          </a:p>
+          <a:p>
+            <a:r>
+              <a:rPr lang="en-US" sz="2800" dirty="0"/>
+              <a:t>- Gemini checks for bias and toxicity in AI models and outputs</a:t>
+            </a:r>
+          </a:p>
+          <a:p>
+            <a:endParaRPr lang="en-US" sz="2800" dirty="0"/>
+          </a:p>
+          <a:p>
+            <a:r>
+              <a:rPr lang="en-US" sz="2800" dirty="0"/>
+              <a:t>- Google researches potential risk areas and applies rigorous testing techniques</a:t>
+            </a:r>
+            <a:endParaRPr lang="en-IN" sz="2400" dirty="0"/>
           </a:p>
         </p:txBody>
       </p:sp>
     </p:spTree>
     <p:extLst>
       <p:ext uri="{BB962C8B-B14F-4D97-AF65-F5344CB8AC3E}">
-        <p14:creationId xmlns:p14="http://schemas.microsoft.com/office/powerpoint/2010/main" val="892661218"/>
+        <p14:creationId xmlns:p14="http://schemas.microsoft.com/office/powerpoint/2010/main" val="3380134468"/>
       </p:ext>
     </p:extLst>
   </p:cSld>
   <p:clrMapOvr>
     <a:masterClrMapping/>
   </p:clrMapOvr>
+  <mc:AlternateContent xmlns:mc="http://schemas.openxmlformats.org/markup-compatibility/2006">
+    <mc:Choice xmlns:p159="http://schemas.microsoft.com/office/powerpoint/2015/09/main" Requires="p159">
+      <p:transition xmlns:p14="http://schemas.microsoft.com/office/powerpoint/2010/main" spd="slow" p14:dur="2000">
+        <p159:morph option="byObject"/>
+      </p:transition>
+    </mc:Choice>
+    <mc:Fallback>
+      <p:transition spd="slow">
+        <p:fade/>
+      </p:transition>
+    </mc:Fallback>
+  </mc:AlternateContent>
 </p:sld>
 </file>
 
@@ -7702,4 +7462,299 @@
     </a:ext>
   </a:extLst>
 </a:theme>
+</file>
+
+<file path=ppt/theme/theme2.xml><?xml version="1.0" encoding="utf-8"?>
+<a:theme xmlns:a="http://schemas.openxmlformats.org/drawingml/2006/main" name="Office Theme">
+  <a:themeElements>
+    <a:clrScheme name="Office">
+      <a:dk1>
+        <a:sysClr val="windowText" lastClr="000000"/>
+      </a:dk1>
+      <a:lt1>
+        <a:sysClr val="window" lastClr="FFFFFF"/>
+      </a:lt1>
+      <a:dk2>
+        <a:srgbClr val="44546A"/>
+      </a:dk2>
+      <a:lt2>
+        <a:srgbClr val="E7E6E6"/>
+      </a:lt2>
+      <a:accent1>
+        <a:srgbClr val="4472C4"/>
+      </a:accent1>
+      <a:accent2>
+        <a:srgbClr val="ED7D31"/>
+      </a:accent2>
+      <a:accent3>
+        <a:srgbClr val="A5A5A5"/>
+      </a:accent3>
+      <a:accent4>
+        <a:srgbClr val="FFC000"/>
+      </a:accent4>
+      <a:accent5>
+        <a:srgbClr val="5B9BD5"/>
+      </a:accent5>
+      <a:accent6>
+        <a:srgbClr val="70AD47"/>
+      </a:accent6>
+      <a:hlink>
+        <a:srgbClr val="0563C1"/>
+      </a:hlink>
+      <a:folHlink>
+        <a:srgbClr val="954F72"/>
+      </a:folHlink>
+    </a:clrScheme>
+    <a:fontScheme name="Office">
+      <a:majorFont>
+        <a:latin typeface="Calibri Light" panose="020F0302020204030204"/>
+        <a:ea typeface=""/>
+        <a:cs typeface=""/>
+        <a:font script="Jpan" typeface="游ゴシック Light"/>
+        <a:font script="Hang" typeface="맑은 고딕"/>
+        <a:font script="Hans" typeface="等线 Light"/>
+        <a:font script="Hant" typeface="新細明體"/>
+        <a:font script="Arab" typeface="Times New Roman"/>
+        <a:font script="Hebr" typeface="Times New Roman"/>
+        <a:font script="Thai" typeface="Angsana New"/>
+        <a:font script="Ethi" typeface="Nyala"/>
+        <a:font script="Beng" typeface="Vrinda"/>
+        <a:font script="Gujr" typeface="Shruti"/>
+        <a:font script="Khmr" typeface="MoolBoran"/>
+        <a:font script="Knda" typeface="Tunga"/>
+        <a:font script="Guru" typeface="Raavi"/>
+        <a:font script="Cans" typeface="Euphemia"/>
+        <a:font script="Cher" typeface="Plantagenet Cherokee"/>
+        <a:font script="Yiii" typeface="Microsoft Yi Baiti"/>
+        <a:font script="Tibt" typeface="Microsoft Himalaya"/>
+        <a:font script="Thaa" typeface="MV Boli"/>
+        <a:font script="Deva" typeface="Mangal"/>
+        <a:font script="Telu" typeface="Gautami"/>
+        <a:font script="Taml" typeface="Latha"/>
+        <a:font script="Syrc" typeface="Estrangelo Edessa"/>
+        <a:font script="Orya" typeface="Kalinga"/>
+        <a:font script="Mlym" typeface="Kartika"/>
+        <a:font script="Laoo" typeface="DokChampa"/>
+        <a:font script="Sinh" typeface="Iskoola Pota"/>
+        <a:font script="Mong" typeface="Mongolian Baiti"/>
+        <a:font script="Viet" typeface="Times New Roman"/>
+        <a:font script="Uigh" typeface="Microsoft Uighur"/>
+        <a:font script="Geor" typeface="Sylfaen"/>
+        <a:font script="Armn" typeface="Arial"/>
+        <a:font script="Bugi" typeface="Leelawadee UI"/>
+        <a:font script="Bopo" typeface="Microsoft JhengHei"/>
+        <a:font script="Java" typeface="Javanese Text"/>
+        <a:font script="Lisu" typeface="Segoe UI"/>
+        <a:font script="Mymr" typeface="Myanmar Text"/>
+        <a:font script="Nkoo" typeface="Ebrima"/>
+        <a:font script="Olck" typeface="Nirmala UI"/>
+        <a:font script="Osma" typeface="Ebrima"/>
+        <a:font script="Phag" typeface="Phagspa"/>
+        <a:font script="Syrn" typeface="Estrangelo Edessa"/>
+        <a:font script="Syrj" typeface="Estrangelo Edessa"/>
+        <a:font script="Syre" typeface="Estrangelo Edessa"/>
+        <a:font script="Sora" typeface="Nirmala UI"/>
+        <a:font script="Tale" typeface="Microsoft Tai Le"/>
+        <a:font script="Talu" typeface="Microsoft New Tai Lue"/>
+        <a:font script="Tfng" typeface="Ebrima"/>
+      </a:majorFont>
+      <a:minorFont>
+        <a:latin typeface="Calibri" panose="020F0502020204030204"/>
+        <a:ea typeface=""/>
+        <a:cs typeface=""/>
+        <a:font script="Jpan" typeface="游ゴシック"/>
+        <a:font script="Hang" typeface="맑은 고딕"/>
+        <a:font script="Hans" typeface="等线"/>
+        <a:font script="Hant" typeface="新細明體"/>
+        <a:font script="Arab" typeface="Arial"/>
+        <a:font script="Hebr" typeface="Arial"/>
+        <a:font script="Thai" typeface="Cordia New"/>
+        <a:font script="Ethi" typeface="Nyala"/>
+        <a:font script="Beng" typeface="Vrinda"/>
+        <a:font script="Gujr" typeface="Shruti"/>
+        <a:font script="Khmr" typeface="DaunPenh"/>
+        <a:font script="Knda" typeface="Tunga"/>
+        <a:font script="Guru" typeface="Raavi"/>
+        <a:font script="Cans" typeface="Euphemia"/>
+        <a:font script="Cher" typeface="Plantagenet Cherokee"/>
+        <a:font script="Yiii" typeface="Microsoft Yi Baiti"/>
+        <a:font script="Tibt" typeface="Microsoft Himalaya"/>
+        <a:font script="Thaa" typeface="MV Boli"/>
+        <a:font script="Deva" typeface="Mangal"/>
+        <a:font script="Telu" typeface="Gautami"/>
+        <a:font script="Taml" typeface="Latha"/>
+        <a:font script="Syrc" typeface="Estrangelo Edessa"/>
+        <a:font script="Orya" typeface="Kalinga"/>
+        <a:font script="Mlym" typeface="Kartika"/>
+        <a:font script="Laoo" typeface="DokChampa"/>
+        <a:font script="Sinh" typeface="Iskoola Pota"/>
+        <a:font script="Mong" typeface="Mongolian Baiti"/>
+        <a:font script="Viet" typeface="Arial"/>
+        <a:font script="Uigh" typeface="Microsoft Uighur"/>
+        <a:font script="Geor" typeface="Sylfaen"/>
+        <a:font script="Armn" typeface="Arial"/>
+        <a:font script="Bugi" typeface="Leelawadee UI"/>
+        <a:font script="Bopo" typeface="Microsoft JhengHei"/>
+        <a:font script="Java" typeface="Javanese Text"/>
+        <a:font script="Lisu" typeface="Segoe UI"/>
+        <a:font script="Mymr" typeface="Myanmar Text"/>
+        <a:font script="Nkoo" typeface="Ebrima"/>
+        <a:font script="Olck" typeface="Nirmala UI"/>
+        <a:font script="Osma" typeface="Ebrima"/>
+        <a:font script="Phag" typeface="Phagspa"/>
+        <a:font script="Syrn" typeface="Estrangelo Edessa"/>
+        <a:font script="Syrj" typeface="Estrangelo Edessa"/>
+        <a:font script="Syre" typeface="Estrangelo Edessa"/>
+        <a:font script="Sora" typeface="Nirmala UI"/>
+        <a:font script="Tale" typeface="Microsoft Tai Le"/>
+        <a:font script="Talu" typeface="Microsoft New Tai Lue"/>
+        <a:font script="Tfng" typeface="Ebrima"/>
+      </a:minorFont>
+    </a:fontScheme>
+    <a:fmtScheme name="Office">
+      <a:fillStyleLst>
+        <a:solidFill>
+          <a:schemeClr val="phClr"/>
+        </a:solidFill>
+        <a:gradFill rotWithShape="1">
+          <a:gsLst>
+            <a:gs pos="0">
+              <a:schemeClr val="phClr">
+                <a:lumMod val="110000"/>
+                <a:satMod val="105000"/>
+                <a:tint val="67000"/>
+              </a:schemeClr>
+            </a:gs>
+            <a:gs pos="50000">
+              <a:schemeClr val="phClr">
+                <a:lumMod val="105000"/>
+                <a:satMod val="103000"/>
+                <a:tint val="73000"/>
+              </a:schemeClr>
+            </a:gs>
+            <a:gs pos="100000">
+              <a:schemeClr val="phClr">
+                <a:lumMod val="105000"/>
+                <a:satMod val="109000"/>
+                <a:tint val="81000"/>
+              </a:schemeClr>
+            </a:gs>
+          </a:gsLst>
+          <a:lin ang="5400000" scaled="0"/>
+        </a:gradFill>
+        <a:gradFill rotWithShape="1">
+          <a:gsLst>
+            <a:gs pos="0">
+              <a:schemeClr val="phClr">
+                <a:satMod val="103000"/>
+                <a:lumMod val="102000"/>
+                <a:tint val="94000"/>
+              </a:schemeClr>
+            </a:gs>
+            <a:gs pos="50000">
+              <a:schemeClr val="phClr">
+                <a:satMod val="110000"/>
+                <a:lumMod val="100000"/>
+                <a:shade val="100000"/>
+              </a:schemeClr>
+            </a:gs>
+            <a:gs pos="100000">
+              <a:schemeClr val="phClr">
+                <a:lumMod val="99000"/>
+                <a:satMod val="120000"/>
+                <a:shade val="78000"/>
+              </a:schemeClr>
+            </a:gs>
+          </a:gsLst>
+          <a:lin ang="5400000" scaled="0"/>
+        </a:gradFill>
+      </a:fillStyleLst>
+      <a:lnStyleLst>
+        <a:ln w="6350" cap="flat" cmpd="sng" algn="ctr">
+          <a:solidFill>
+            <a:schemeClr val="phClr"/>
+          </a:solidFill>
+          <a:prstDash val="solid"/>
+          <a:miter lim="800000"/>
+        </a:ln>
+        <a:ln w="12700" cap="flat" cmpd="sng" algn="ctr">
+          <a:solidFill>
+            <a:schemeClr val="phClr"/>
+          </a:solidFill>
+          <a:prstDash val="solid"/>
+          <a:miter lim="800000"/>
+        </a:ln>
+        <a:ln w="19050" cap="flat" cmpd="sng" algn="ctr">
+          <a:solidFill>
+            <a:schemeClr val="phClr"/>
+          </a:solidFill>
+          <a:prstDash val="solid"/>
+          <a:miter lim="800000"/>
+        </a:ln>
+      </a:lnStyleLst>
+      <a:effectStyleLst>
+        <a:effectStyle>
+          <a:effectLst/>
+        </a:effectStyle>
+        <a:effectStyle>
+          <a:effectLst/>
+        </a:effectStyle>
+        <a:effectStyle>
+          <a:effectLst>
+            <a:outerShdw blurRad="57150" dist="19050" dir="5400000" algn="ctr" rotWithShape="0">
+              <a:srgbClr val="000000">
+                <a:alpha val="63000"/>
+              </a:srgbClr>
+            </a:outerShdw>
+          </a:effectLst>
+        </a:effectStyle>
+      </a:effectStyleLst>
+      <a:bgFillStyleLst>
+        <a:solidFill>
+          <a:schemeClr val="phClr"/>
+        </a:solidFill>
+        <a:solidFill>
+          <a:schemeClr val="phClr">
+            <a:tint val="95000"/>
+            <a:satMod val="170000"/>
+          </a:schemeClr>
+        </a:solidFill>
+        <a:gradFill rotWithShape="1">
+          <a:gsLst>
+            <a:gs pos="0">
+              <a:schemeClr val="phClr">
+                <a:tint val="93000"/>
+                <a:satMod val="150000"/>
+                <a:shade val="98000"/>
+                <a:lumMod val="102000"/>
+              </a:schemeClr>
+            </a:gs>
+            <a:gs pos="50000">
+              <a:schemeClr val="phClr">
+                <a:tint val="98000"/>
+                <a:satMod val="130000"/>
+                <a:shade val="90000"/>
+                <a:lumMod val="103000"/>
+              </a:schemeClr>
+            </a:gs>
+            <a:gs pos="100000">
+              <a:schemeClr val="phClr">
+                <a:shade val="63000"/>
+                <a:satMod val="120000"/>
+              </a:schemeClr>
+            </a:gs>
+          </a:gsLst>
+          <a:lin ang="5400000" scaled="0"/>
+        </a:gradFill>
+      </a:bgFillStyleLst>
+    </a:fmtScheme>
+  </a:themeElements>
+  <a:objectDefaults/>
+  <a:extraClrSchemeLst/>
+  <a:extLst>
+    <a:ext uri="{05A4C25C-085E-4340-85A3-A5531E510DB2}">
+      <thm15:themeFamily xmlns:thm15="http://schemas.microsoft.com/office/thememl/2012/main" name="Office Theme" id="{62F939B6-93AF-4DB8-9C6B-D6C7DFDC589F}" vid="{4A3C46E8-61CC-4603-A589-7422A47A8E4A}"/>
+    </a:ext>
+  </a:extLst>
+</a:theme>
 </file>
--- a/Seminar/DeepankarSharma_233512013.pptx
+++ b/Seminar/DeepankarSharma_233512013.pptx
@@ -703,13 +703,13 @@
   <p:clrMapOvr>
     <a:masterClrMapping/>
   </p:clrMapOvr>
-  <mc:AlternateContent xmlns:mc="http://schemas.openxmlformats.org/markup-compatibility/2006">
-    <mc:Choice xmlns:p159="http://schemas.microsoft.com/office/powerpoint/2015/09/main" Requires="p159">
+  <mc:AlternateContent xmlns:mc="http://schemas.openxmlformats.org/markup-compatibility/2006" xmlns:p159="http://schemas.microsoft.com/office/powerpoint/2015/09/main">
+    <mc:Choice Requires="p159">
       <p:transition xmlns:p14="http://schemas.microsoft.com/office/powerpoint/2010/main" spd="slow" p14:dur="2000">
         <p159:morph option="byObject"/>
       </p:transition>
     </mc:Choice>
-    <mc:Fallback>
+    <mc:Fallback xmlns="">
       <p:transition spd="slow">
         <p:fade/>
       </p:transition>
@@ -928,13 +928,13 @@
   <p:clrMapOvr>
     <a:masterClrMapping/>
   </p:clrMapOvr>
-  <mc:AlternateContent xmlns:mc="http://schemas.openxmlformats.org/markup-compatibility/2006">
-    <mc:Choice xmlns:p159="http://schemas.microsoft.com/office/powerpoint/2015/09/main" Requires="p159">
+  <mc:AlternateContent xmlns:mc="http://schemas.openxmlformats.org/markup-compatibility/2006" xmlns:p159="http://schemas.microsoft.com/office/powerpoint/2015/09/main">
+    <mc:Choice Requires="p159">
       <p:transition xmlns:p14="http://schemas.microsoft.com/office/powerpoint/2010/main" spd="slow" p14:dur="2000">
         <p159:morph option="byObject"/>
       </p:transition>
     </mc:Choice>
-    <mc:Fallback>
+    <mc:Fallback xmlns="">
       <p:transition spd="slow">
         <p:fade/>
       </p:transition>
@@ -1152,13 +1152,13 @@
   <p:clrMapOvr>
     <a:masterClrMapping/>
   </p:clrMapOvr>
-  <mc:AlternateContent xmlns:mc="http://schemas.openxmlformats.org/markup-compatibility/2006">
-    <mc:Choice xmlns:p159="http://schemas.microsoft.com/office/powerpoint/2015/09/main" Requires="p159">
+  <mc:AlternateContent xmlns:mc="http://schemas.openxmlformats.org/markup-compatibility/2006" xmlns:p159="http://schemas.microsoft.com/office/powerpoint/2015/09/main">
+    <mc:Choice Requires="p159">
       <p:transition xmlns:p14="http://schemas.microsoft.com/office/powerpoint/2010/main" spd="slow" p14:dur="2000">
         <p159:morph option="byObject"/>
       </p:transition>
     </mc:Choice>
-    <mc:Fallback>
+    <mc:Fallback xmlns="">
       <p:transition spd="slow">
         <p:fade/>
       </p:transition>
@@ -1365,13 +1365,13 @@
   <p:clrMapOvr>
     <a:masterClrMapping/>
   </p:clrMapOvr>
-  <mc:AlternateContent xmlns:mc="http://schemas.openxmlformats.org/markup-compatibility/2006">
-    <mc:Choice xmlns:p159="http://schemas.microsoft.com/office/powerpoint/2015/09/main" Requires="p159">
+  <mc:AlternateContent xmlns:mc="http://schemas.openxmlformats.org/markup-compatibility/2006" xmlns:p159="http://schemas.microsoft.com/office/powerpoint/2015/09/main">
+    <mc:Choice Requires="p159">
       <p:transition xmlns:p14="http://schemas.microsoft.com/office/powerpoint/2010/main" spd="slow" p14:dur="2000">
         <p159:morph option="byObject"/>
       </p:transition>
     </mc:Choice>
-    <mc:Fallback>
+    <mc:Fallback xmlns="">
       <p:transition spd="slow">
         <p:fade/>
       </p:transition>
@@ -1660,13 +1660,13 @@
   <p:clrMapOvr>
     <a:masterClrMapping/>
   </p:clrMapOvr>
-  <mc:AlternateContent xmlns:mc="http://schemas.openxmlformats.org/markup-compatibility/2006">
-    <mc:Choice xmlns:p159="http://schemas.microsoft.com/office/powerpoint/2015/09/main" Requires="p159">
+  <mc:AlternateContent xmlns:mc="http://schemas.openxmlformats.org/markup-compatibility/2006" xmlns:p159="http://schemas.microsoft.com/office/powerpoint/2015/09/main">
+    <mc:Choice Requires="p159">
       <p:transition xmlns:p14="http://schemas.microsoft.com/office/powerpoint/2010/main" spd="slow" p14:dur="2000">
         <p159:morph option="byObject"/>
       </p:transition>
     </mc:Choice>
-    <mc:Fallback>
+    <mc:Fallback xmlns="">
       <p:transition spd="slow">
         <p:fade/>
       </p:transition>
@@ -1984,13 +1984,13 @@
   <p:clrMapOvr>
     <a:masterClrMapping/>
   </p:clrMapOvr>
-  <mc:AlternateContent xmlns:mc="http://schemas.openxmlformats.org/markup-compatibility/2006">
-    <mc:Choice xmlns:p159="http://schemas.microsoft.com/office/powerpoint/2015/09/main" Requires="p159">
+  <mc:AlternateContent xmlns:mc="http://schemas.openxmlformats.org/markup-compatibility/2006" xmlns:p159="http://schemas.microsoft.com/office/powerpoint/2015/09/main">
+    <mc:Choice Requires="p159">
       <p:transition xmlns:p14="http://schemas.microsoft.com/office/powerpoint/2010/main" spd="slow" p14:dur="2000">
         <p159:morph option="byObject"/>
       </p:transition>
     </mc:Choice>
-    <mc:Fallback>
+    <mc:Fallback xmlns="">
       <p:transition spd="slow">
         <p:fade/>
       </p:transition>
@@ -2417,13 +2417,13 @@
   <p:clrMapOvr>
     <a:masterClrMapping/>
   </p:clrMapOvr>
-  <mc:AlternateContent xmlns:mc="http://schemas.openxmlformats.org/markup-compatibility/2006">
-    <mc:Choice xmlns:p159="http://schemas.microsoft.com/office/powerpoint/2015/09/main" Requires="p159">
+  <mc:AlternateContent xmlns:mc="http://schemas.openxmlformats.org/markup-compatibility/2006" xmlns:p159="http://schemas.microsoft.com/office/powerpoint/2015/09/main">
+    <mc:Choice Requires="p159">
       <p:transition xmlns:p14="http://schemas.microsoft.com/office/powerpoint/2010/main" spd="slow" p14:dur="2000">
         <p159:morph option="byObject"/>
       </p:transition>
     </mc:Choice>
-    <mc:Fallback>
+    <mc:Fallback xmlns="">
       <p:transition spd="slow">
         <p:fade/>
       </p:transition>
@@ -2579,13 +2579,13 @@
   <p:clrMapOvr>
     <a:masterClrMapping/>
   </p:clrMapOvr>
-  <mc:AlternateContent xmlns:mc="http://schemas.openxmlformats.org/markup-compatibility/2006">
-    <mc:Choice xmlns:p159="http://schemas.microsoft.com/office/powerpoint/2015/09/main" Requires="p159">
+  <mc:AlternateContent xmlns:mc="http://schemas.openxmlformats.org/markup-compatibility/2006" xmlns:p159="http://schemas.microsoft.com/office/powerpoint/2015/09/main">
+    <mc:Choice Requires="p159">
       <p:transition xmlns:p14="http://schemas.microsoft.com/office/powerpoint/2010/main" spd="slow" p14:dur="2000">
         <p159:morph option="byObject"/>
       </p:transition>
     </mc:Choice>
-    <mc:Fallback>
+    <mc:Fallback xmlns="">
       <p:transition spd="slow">
         <p:fade/>
       </p:transition>
@@ -2707,13 +2707,13 @@
   <p:clrMapOvr>
     <a:masterClrMapping/>
   </p:clrMapOvr>
-  <mc:AlternateContent xmlns:mc="http://schemas.openxmlformats.org/markup-compatibility/2006">
-    <mc:Choice xmlns:p159="http://schemas.microsoft.com/office/powerpoint/2015/09/main" Requires="p159">
+  <mc:AlternateContent xmlns:mc="http://schemas.openxmlformats.org/markup-compatibility/2006" xmlns:p159="http://schemas.microsoft.com/office/powerpoint/2015/09/main">
+    <mc:Choice Requires="p159">
       <p:transition xmlns:p14="http://schemas.microsoft.com/office/powerpoint/2010/main" spd="slow" p14:dur="2000">
         <p159:morph option="byObject"/>
       </p:transition>
     </mc:Choice>
-    <mc:Fallback>
+    <mc:Fallback xmlns="">
       <p:transition spd="slow">
         <p:fade/>
       </p:transition>
@@ -3035,13 +3035,13 @@
   <p:clrMapOvr>
     <a:masterClrMapping/>
   </p:clrMapOvr>
-  <mc:AlternateContent xmlns:mc="http://schemas.openxmlformats.org/markup-compatibility/2006">
-    <mc:Choice xmlns:p159="http://schemas.microsoft.com/office/powerpoint/2015/09/main" Requires="p159">
+  <mc:AlternateContent xmlns:mc="http://schemas.openxmlformats.org/markup-compatibility/2006" xmlns:p159="http://schemas.microsoft.com/office/powerpoint/2015/09/main">
+    <mc:Choice Requires="p159">
       <p:transition xmlns:p14="http://schemas.microsoft.com/office/powerpoint/2010/main" spd="slow" p14:dur="2000">
         <p159:morph option="byObject"/>
       </p:transition>
     </mc:Choice>
-    <mc:Fallback>
+    <mc:Fallback xmlns="">
       <p:transition spd="slow">
         <p:fade/>
       </p:transition>
@@ -3347,13 +3347,13 @@
   <p:clrMapOvr>
     <a:masterClrMapping/>
   </p:clrMapOvr>
-  <mc:AlternateContent xmlns:mc="http://schemas.openxmlformats.org/markup-compatibility/2006">
-    <mc:Choice xmlns:p159="http://schemas.microsoft.com/office/powerpoint/2015/09/main" Requires="p159">
+  <mc:AlternateContent xmlns:mc="http://schemas.openxmlformats.org/markup-compatibility/2006" xmlns:p159="http://schemas.microsoft.com/office/powerpoint/2015/09/main">
+    <mc:Choice Requires="p159">
       <p:transition xmlns:p14="http://schemas.microsoft.com/office/powerpoint/2010/main" spd="slow" p14:dur="2000">
         <p159:morph option="byObject"/>
       </p:transition>
     </mc:Choice>
-    <mc:Fallback>
+    <mc:Fallback xmlns="">
       <p:transition spd="slow">
         <p:fade/>
       </p:transition>
@@ -3646,13 +3646,13 @@
     <p:sldLayoutId id="2147483662" r:id="rId10"/>
     <p:sldLayoutId id="2147483661" r:id="rId11"/>
   </p:sldLayoutIdLst>
-  <mc:AlternateContent xmlns:mc="http://schemas.openxmlformats.org/markup-compatibility/2006">
-    <mc:Choice xmlns:p159="http://schemas.microsoft.com/office/powerpoint/2015/09/main" Requires="p159">
+  <mc:AlternateContent xmlns:mc="http://schemas.openxmlformats.org/markup-compatibility/2006" xmlns:p159="http://schemas.microsoft.com/office/powerpoint/2015/09/main">
+    <mc:Choice Requires="p159">
       <p:transition xmlns:p14="http://schemas.microsoft.com/office/powerpoint/2010/main" spd="slow" p14:dur="2000">
         <p159:morph option="byObject"/>
       </p:transition>
     </mc:Choice>
-    <mc:Fallback>
+    <mc:Fallback xmlns="">
       <p:transition spd="slow">
         <p:fade/>
       </p:transition>
@@ -4293,13 +4293,13 @@
   <p:clrMapOvr>
     <a:masterClrMapping/>
   </p:clrMapOvr>
-  <mc:AlternateContent xmlns:mc="http://schemas.openxmlformats.org/markup-compatibility/2006">
-    <mc:Choice xmlns:p159="http://schemas.microsoft.com/office/powerpoint/2015/09/main" Requires="p159">
+  <mc:AlternateContent xmlns:mc="http://schemas.openxmlformats.org/markup-compatibility/2006" xmlns:p159="http://schemas.microsoft.com/office/powerpoint/2015/09/main">
+    <mc:Choice Requires="p159">
       <p:transition xmlns:p14="http://schemas.microsoft.com/office/powerpoint/2010/main" spd="slow" p14:dur="2000">
         <p159:morph option="byObject"/>
       </p:transition>
     </mc:Choice>
-    <mc:Fallback>
+    <mc:Fallback xmlns="">
       <p:transition spd="slow">
         <p:fade/>
       </p:transition>
@@ -4527,13 +4527,13 @@
   <p:clrMapOvr>
     <a:masterClrMapping/>
   </p:clrMapOvr>
-  <mc:AlternateContent xmlns:mc="http://schemas.openxmlformats.org/markup-compatibility/2006">
-    <mc:Choice xmlns:p159="http://schemas.microsoft.com/office/powerpoint/2015/09/main" Requires="p159">
+  <mc:AlternateContent xmlns:mc="http://schemas.openxmlformats.org/markup-compatibility/2006" xmlns:p159="http://schemas.microsoft.com/office/powerpoint/2015/09/main">
+    <mc:Choice Requires="p159">
       <p:transition xmlns:p14="http://schemas.microsoft.com/office/powerpoint/2010/main" spd="slow" p14:dur="2000">
         <p159:morph option="byObject"/>
       </p:transition>
     </mc:Choice>
-    <mc:Fallback>
+    <mc:Fallback xmlns="">
       <p:transition spd="slow">
         <p:fade/>
       </p:transition>
@@ -4772,13 +4772,13 @@
   <p:clrMapOvr>
     <a:masterClrMapping/>
   </p:clrMapOvr>
-  <mc:AlternateContent xmlns:mc="http://schemas.openxmlformats.org/markup-compatibility/2006">
-    <mc:Choice xmlns:p159="http://schemas.microsoft.com/office/powerpoint/2015/09/main" Requires="p159">
+  <mc:AlternateContent xmlns:mc="http://schemas.openxmlformats.org/markup-compatibility/2006" xmlns:p159="http://schemas.microsoft.com/office/powerpoint/2015/09/main">
+    <mc:Choice Requires="p159">
       <p:transition xmlns:p14="http://schemas.microsoft.com/office/powerpoint/2010/main" spd="slow" p14:dur="2000">
         <p159:morph option="byObject"/>
       </p:transition>
     </mc:Choice>
-    <mc:Fallback>
+    <mc:Fallback xmlns="">
       <p:transition spd="slow">
         <p:fade/>
       </p:transition>
@@ -5029,13 +5029,13 @@
   <p:clrMapOvr>
     <a:masterClrMapping/>
   </p:clrMapOvr>
-  <mc:AlternateContent xmlns:mc="http://schemas.openxmlformats.org/markup-compatibility/2006">
-    <mc:Choice xmlns:p159="http://schemas.microsoft.com/office/powerpoint/2015/09/main" Requires="p159">
+  <mc:AlternateContent xmlns:mc="http://schemas.openxmlformats.org/markup-compatibility/2006" xmlns:p159="http://schemas.microsoft.com/office/powerpoint/2015/09/main">
+    <mc:Choice Requires="p159">
       <p:transition xmlns:p14="http://schemas.microsoft.com/office/powerpoint/2010/main" spd="slow" p14:dur="2000">
         <p159:morph option="byObject"/>
       </p:transition>
     </mc:Choice>
-    <mc:Fallback>
+    <mc:Fallback xmlns="">
       <p:transition spd="slow">
         <p:fade/>
       </p:transition>
@@ -5198,13 +5198,13 @@
   <p:clrMapOvr>
     <a:masterClrMapping/>
   </p:clrMapOvr>
-  <mc:AlternateContent xmlns:mc="http://schemas.openxmlformats.org/markup-compatibility/2006">
-    <mc:Choice xmlns:p159="http://schemas.microsoft.com/office/powerpoint/2015/09/main" Requires="p159">
+  <mc:AlternateContent xmlns:mc="http://schemas.openxmlformats.org/markup-compatibility/2006" xmlns:p159="http://schemas.microsoft.com/office/powerpoint/2015/09/main">
+    <mc:Choice Requires="p159">
       <p:transition xmlns:p14="http://schemas.microsoft.com/office/powerpoint/2010/main" spd="slow" p14:dur="2000">
         <p159:morph option="byObject"/>
       </p:transition>
     </mc:Choice>
-    <mc:Fallback>
+    <mc:Fallback xmlns="">
       <p:transition spd="slow">
         <p:fade/>
       </p:transition>
@@ -5355,7 +5355,7 @@
         </p:blipFill>
         <p:spPr bwMode="auto">
           <a:xfrm>
-            <a:off x="6713209" y="298512"/>
+            <a:off x="5593535" y="1019176"/>
             <a:ext cx="5324726" cy="2679192"/>
           </a:xfrm>
           <a:prstGeom prst="rect">
@@ -5383,13 +5383,13 @@
   <p:clrMapOvr>
     <a:masterClrMapping/>
   </p:clrMapOvr>
-  <mc:AlternateContent xmlns:mc="http://schemas.openxmlformats.org/markup-compatibility/2006">
-    <mc:Choice xmlns:p159="http://schemas.microsoft.com/office/powerpoint/2015/09/main" Requires="p159">
+  <mc:AlternateContent xmlns:mc="http://schemas.openxmlformats.org/markup-compatibility/2006" xmlns:p159="http://schemas.microsoft.com/office/powerpoint/2015/09/main">
+    <mc:Choice Requires="p159">
       <p:transition xmlns:p14="http://schemas.microsoft.com/office/powerpoint/2010/main" spd="slow" p14:dur="2000">
         <p159:morph option="byObject"/>
       </p:transition>
     </mc:Choice>
-    <mc:Fallback>
+    <mc:Fallback xmlns="">
       <p:transition spd="slow">
         <p:fade/>
       </p:transition>
@@ -5753,13 +5753,13 @@
   <p:clrMapOvr>
     <a:masterClrMapping/>
   </p:clrMapOvr>
-  <mc:AlternateContent xmlns:mc="http://schemas.openxmlformats.org/markup-compatibility/2006">
-    <mc:Choice xmlns:p159="http://schemas.microsoft.com/office/powerpoint/2015/09/main" Requires="p159">
+  <mc:AlternateContent xmlns:mc="http://schemas.openxmlformats.org/markup-compatibility/2006" xmlns:p159="http://schemas.microsoft.com/office/powerpoint/2015/09/main">
+    <mc:Choice Requires="p159">
       <p:transition xmlns:p14="http://schemas.microsoft.com/office/powerpoint/2010/main" spd="slow" p14:dur="2000">
         <p159:morph option="byObject"/>
       </p:transition>
     </mc:Choice>
-    <mc:Fallback>
+    <mc:Fallback xmlns="">
       <p:transition spd="slow">
         <p:fade/>
       </p:transition>
@@ -5933,13 +5933,13 @@
   <p:clrMapOvr>
     <a:masterClrMapping/>
   </p:clrMapOvr>
-  <mc:AlternateContent xmlns:mc="http://schemas.openxmlformats.org/markup-compatibility/2006">
-    <mc:Choice xmlns:p159="http://schemas.microsoft.com/office/powerpoint/2015/09/main" Requires="p159">
+  <mc:AlternateContent xmlns:mc="http://schemas.openxmlformats.org/markup-compatibility/2006" xmlns:p159="http://schemas.microsoft.com/office/powerpoint/2015/09/main">
+    <mc:Choice Requires="p159">
       <p:transition xmlns:p14="http://schemas.microsoft.com/office/powerpoint/2010/main" spd="slow" p14:dur="2000">
         <p159:morph option="byObject"/>
       </p:transition>
     </mc:Choice>
-    <mc:Fallback>
+    <mc:Fallback xmlns="">
       <p:transition spd="slow">
         <p:fade/>
       </p:transition>
@@ -6193,13 +6193,13 @@
   <p:clrMapOvr>
     <a:masterClrMapping/>
   </p:clrMapOvr>
-  <mc:AlternateContent xmlns:mc="http://schemas.openxmlformats.org/markup-compatibility/2006">
-    <mc:Choice xmlns:p159="http://schemas.microsoft.com/office/powerpoint/2015/09/main" Requires="p159">
+  <mc:AlternateContent xmlns:mc="http://schemas.openxmlformats.org/markup-compatibility/2006" xmlns:p159="http://schemas.microsoft.com/office/powerpoint/2015/09/main">
+    <mc:Choice Requires="p159">
       <p:transition xmlns:p14="http://schemas.microsoft.com/office/powerpoint/2010/main" spd="slow" p14:dur="2000">
         <p159:morph option="byObject"/>
       </p:transition>
     </mc:Choice>
-    <mc:Fallback>
+    <mc:Fallback xmlns="">
       <p:transition spd="slow">
         <p:fade/>
       </p:transition>
@@ -6457,13 +6457,13 @@
   <p:clrMapOvr>
     <a:masterClrMapping/>
   </p:clrMapOvr>
-  <mc:AlternateContent xmlns:mc="http://schemas.openxmlformats.org/markup-compatibility/2006">
-    <mc:Choice xmlns:p159="http://schemas.microsoft.com/office/powerpoint/2015/09/main" Requires="p159">
+  <mc:AlternateContent xmlns:mc="http://schemas.openxmlformats.org/markup-compatibility/2006" xmlns:p159="http://schemas.microsoft.com/office/powerpoint/2015/09/main">
+    <mc:Choice Requires="p159">
       <p:transition xmlns:p14="http://schemas.microsoft.com/office/powerpoint/2010/main" spd="slow" p14:dur="2000">
         <p159:morph option="byObject"/>
       </p:transition>
     </mc:Choice>
-    <mc:Fallback>
+    <mc:Fallback xmlns="">
       <p:transition spd="slow">
         <p:fade/>
       </p:transition>
@@ -6775,13 +6775,13 @@
   <p:clrMapOvr>
     <a:masterClrMapping/>
   </p:clrMapOvr>
-  <mc:AlternateContent xmlns:mc="http://schemas.openxmlformats.org/markup-compatibility/2006">
-    <mc:Choice xmlns:p159="http://schemas.microsoft.com/office/powerpoint/2015/09/main" Requires="p159">
+  <mc:AlternateContent xmlns:mc="http://schemas.openxmlformats.org/markup-compatibility/2006" xmlns:p159="http://schemas.microsoft.com/office/powerpoint/2015/09/main">
+    <mc:Choice Requires="p159">
       <p:transition xmlns:p14="http://schemas.microsoft.com/office/powerpoint/2010/main" spd="slow" p14:dur="2000">
         <p159:morph option="byObject"/>
       </p:transition>
     </mc:Choice>
-    <mc:Fallback>
+    <mc:Fallback xmlns="">
       <p:transition spd="slow">
         <p:fade/>
       </p:transition>
@@ -7025,13 +7025,13 @@
   <p:clrMapOvr>
     <a:masterClrMapping/>
   </p:clrMapOvr>
-  <mc:AlternateContent xmlns:mc="http://schemas.openxmlformats.org/markup-compatibility/2006">
-    <mc:Choice xmlns:p159="http://schemas.microsoft.com/office/powerpoint/2015/09/main" Requires="p159">
+  <mc:AlternateContent xmlns:mc="http://schemas.openxmlformats.org/markup-compatibility/2006" xmlns:p159="http://schemas.microsoft.com/office/powerpoint/2015/09/main">
+    <mc:Choice Requires="p159">
       <p:transition xmlns:p14="http://schemas.microsoft.com/office/powerpoint/2010/main" spd="slow" p14:dur="2000">
         <p159:morph option="byObject"/>
       </p:transition>
     </mc:Choice>
-    <mc:Fallback>
+    <mc:Fallback xmlns="">
       <p:transition spd="slow">
         <p:fade/>
       </p:transition>
@@ -7248,13 +7248,13 @@
   <p:clrMapOvr>
     <a:masterClrMapping/>
   </p:clrMapOvr>
-  <mc:AlternateContent xmlns:mc="http://schemas.openxmlformats.org/markup-compatibility/2006">
-    <mc:Choice xmlns:p159="http://schemas.microsoft.com/office/powerpoint/2015/09/main" Requires="p159">
+  <mc:AlternateContent xmlns:mc="http://schemas.openxmlformats.org/markup-compatibility/2006" xmlns:p159="http://schemas.microsoft.com/office/powerpoint/2015/09/main">
+    <mc:Choice Requires="p159">
       <p:transition xmlns:p14="http://schemas.microsoft.com/office/powerpoint/2010/main" spd="slow" p14:dur="2000">
         <p159:morph option="byObject"/>
       </p:transition>
     </mc:Choice>
-    <mc:Fallback>
+    <mc:Fallback xmlns="">
       <p:transition spd="slow">
         <p:fade/>
       </p:transition>
